--- a/prezentacja.pptx
+++ b/prezentacja.pptx
@@ -10,17 +10,17 @@
   <p:sldIdLst>
     <p:sldId id="256" r:id="rId2"/>
     <p:sldId id="264" r:id="rId3"/>
-    <p:sldId id="261" r:id="rId4"/>
+    <p:sldId id="271" r:id="rId4"/>
     <p:sldId id="258" r:id="rId5"/>
-    <p:sldId id="262" r:id="rId6"/>
+    <p:sldId id="272" r:id="rId6"/>
     <p:sldId id="263" r:id="rId7"/>
     <p:sldId id="259" r:id="rId8"/>
     <p:sldId id="265" r:id="rId9"/>
     <p:sldId id="266" r:id="rId10"/>
-    <p:sldId id="267" r:id="rId11"/>
-    <p:sldId id="268" r:id="rId12"/>
-    <p:sldId id="269" r:id="rId13"/>
-    <p:sldId id="270" r:id="rId14"/>
+    <p:sldId id="270" r:id="rId11"/>
+    <p:sldId id="273" r:id="rId12"/>
+    <p:sldId id="268" r:id="rId13"/>
+    <p:sldId id="274" r:id="rId14"/>
   </p:sldIdLst>
   <p:sldSz cx="12192000" cy="6858000"/>
   <p:notesSz cx="6858000" cy="9144000"/>
@@ -209,7 +209,7 @@
           <a:p>
             <a:fld id="{BF927EA4-3987-EE4D-8AAC-C769807D38D2}" type="datetimeFigureOut">
               <a:rPr lang="en-PL" smtClean="0"/>
-              <a:t>12/06/2025</a:t>
+              <a:t>17/06/2025</a:t>
             </a:fld>
             <a:endParaRPr lang="en-PL"/>
           </a:p>
@@ -542,90 +542,6 @@
           <a:p>
             <a:fld id="{7CC0C6F5-F2D7-3B4D-9F84-752E69494BA0}" type="slidenum">
               <a:rPr lang="en-PL" smtClean="0"/>
-              <a:t>3</a:t>
-            </a:fld>
-            <a:endParaRPr lang="en-PL"/>
-          </a:p>
-        </p:txBody>
-      </p:sp>
-    </p:spTree>
-    <p:extLst>
-      <p:ext uri="{BB962C8B-B14F-4D97-AF65-F5344CB8AC3E}">
-        <p14:creationId xmlns:p14="http://schemas.microsoft.com/office/powerpoint/2010/main" val="3719474281"/>
-      </p:ext>
-    </p:extLst>
-  </p:cSld>
-  <p:clrMapOvr>
-    <a:masterClrMapping/>
-  </p:clrMapOvr>
-</p:notes>
-</file>
-
-<file path=ppt/notesSlides/notesSlide2.xml><?xml version="1.0" encoding="utf-8"?>
-<p:notes xmlns:a="http://schemas.openxmlformats.org/drawingml/2006/main" xmlns:r="http://schemas.openxmlformats.org/officeDocument/2006/relationships" xmlns:p="http://schemas.openxmlformats.org/presentationml/2006/main">
-  <p:cSld>
-    <p:spTree>
-      <p:nvGrpSpPr>
-        <p:cNvPr id="1" name=""/>
-        <p:cNvGrpSpPr/>
-        <p:nvPr/>
-      </p:nvGrpSpPr>
-      <p:grpSpPr>
-        <a:xfrm>
-          <a:off x="0" y="0"/>
-          <a:ext cx="0" cy="0"/>
-          <a:chOff x="0" y="0"/>
-          <a:chExt cx="0" cy="0"/>
-        </a:xfrm>
-      </p:grpSpPr>
-      <p:sp>
-        <p:nvSpPr>
-          <p:cNvPr id="2" name="Slide Image Placeholder 1"/>
-          <p:cNvSpPr>
-            <a:spLocks noGrp="1" noRot="1" noChangeAspect="1"/>
-          </p:cNvSpPr>
-          <p:nvPr>
-            <p:ph type="sldImg"/>
-          </p:nvPr>
-        </p:nvSpPr>
-        <p:spPr/>
-      </p:sp>
-      <p:sp>
-        <p:nvSpPr>
-          <p:cNvPr id="3" name="Notes Placeholder 2"/>
-          <p:cNvSpPr>
-            <a:spLocks noGrp="1"/>
-          </p:cNvSpPr>
-          <p:nvPr>
-            <p:ph type="body" idx="1"/>
-          </p:nvPr>
-        </p:nvSpPr>
-        <p:spPr/>
-        <p:txBody>
-          <a:bodyPr/>
-          <a:lstStyle/>
-          <a:p>
-            <a:endParaRPr lang="en-PL" dirty="0"/>
-          </a:p>
-        </p:txBody>
-      </p:sp>
-      <p:sp>
-        <p:nvSpPr>
-          <p:cNvPr id="4" name="Slide Number Placeholder 3"/>
-          <p:cNvSpPr>
-            <a:spLocks noGrp="1"/>
-          </p:cNvSpPr>
-          <p:nvPr>
-            <p:ph type="sldNum" sz="quarter" idx="5"/>
-          </p:nvPr>
-        </p:nvSpPr>
-        <p:spPr/>
-        <p:txBody>
-          <a:bodyPr/>
-          <a:lstStyle/>
-          <a:p>
-            <a:fld id="{7CC0C6F5-F2D7-3B4D-9F84-752E69494BA0}" type="slidenum">
-              <a:rPr lang="en-PL" smtClean="0"/>
               <a:t>6</a:t>
             </a:fld>
             <a:endParaRPr lang="en-PL"/>
@@ -645,7 +561,7 @@
 </p:notes>
 </file>
 
-<file path=ppt/notesSlides/notesSlide3.xml><?xml version="1.0" encoding="utf-8"?>
+<file path=ppt/notesSlides/notesSlide2.xml><?xml version="1.0" encoding="utf-8"?>
 <p:notes xmlns:a="http://schemas.openxmlformats.org/drawingml/2006/main" xmlns:r="http://schemas.openxmlformats.org/officeDocument/2006/relationships" xmlns:p="http://schemas.openxmlformats.org/presentationml/2006/main">
   <p:cSld>
     <p:spTree>
@@ -878,7 +794,7 @@
           <a:p>
             <a:fld id="{BB4518BA-02CC-0A4A-BA1B-2EDC29256675}" type="datetimeFigureOut">
               <a:rPr lang="en-PL" smtClean="0"/>
-              <a:t>12/06/2025</a:t>
+              <a:t>17/06/2025</a:t>
             </a:fld>
             <a:endParaRPr lang="en-PL"/>
           </a:p>
@@ -1078,7 +994,7 @@
           <a:p>
             <a:fld id="{BB4518BA-02CC-0A4A-BA1B-2EDC29256675}" type="datetimeFigureOut">
               <a:rPr lang="en-PL" smtClean="0"/>
-              <a:t>12/06/2025</a:t>
+              <a:t>17/06/2025</a:t>
             </a:fld>
             <a:endParaRPr lang="en-PL"/>
           </a:p>
@@ -1288,7 +1204,7 @@
           <a:p>
             <a:fld id="{BB4518BA-02CC-0A4A-BA1B-2EDC29256675}" type="datetimeFigureOut">
               <a:rPr lang="en-PL" smtClean="0"/>
-              <a:t>12/06/2025</a:t>
+              <a:t>17/06/2025</a:t>
             </a:fld>
             <a:endParaRPr lang="en-PL"/>
           </a:p>
@@ -1488,7 +1404,7 @@
           <a:p>
             <a:fld id="{BB4518BA-02CC-0A4A-BA1B-2EDC29256675}" type="datetimeFigureOut">
               <a:rPr lang="en-PL" smtClean="0"/>
-              <a:t>12/06/2025</a:t>
+              <a:t>17/06/2025</a:t>
             </a:fld>
             <a:endParaRPr lang="en-PL"/>
           </a:p>
@@ -1764,7 +1680,7 @@
           <a:p>
             <a:fld id="{BB4518BA-02CC-0A4A-BA1B-2EDC29256675}" type="datetimeFigureOut">
               <a:rPr lang="en-PL" smtClean="0"/>
-              <a:t>12/06/2025</a:t>
+              <a:t>17/06/2025</a:t>
             </a:fld>
             <a:endParaRPr lang="en-PL"/>
           </a:p>
@@ -2032,7 +1948,7 @@
           <a:p>
             <a:fld id="{BB4518BA-02CC-0A4A-BA1B-2EDC29256675}" type="datetimeFigureOut">
               <a:rPr lang="en-PL" smtClean="0"/>
-              <a:t>12/06/2025</a:t>
+              <a:t>17/06/2025</a:t>
             </a:fld>
             <a:endParaRPr lang="en-PL"/>
           </a:p>
@@ -2447,7 +2363,7 @@
           <a:p>
             <a:fld id="{BB4518BA-02CC-0A4A-BA1B-2EDC29256675}" type="datetimeFigureOut">
               <a:rPr lang="en-PL" smtClean="0"/>
-              <a:t>12/06/2025</a:t>
+              <a:t>17/06/2025</a:t>
             </a:fld>
             <a:endParaRPr lang="en-PL"/>
           </a:p>
@@ -2589,7 +2505,7 @@
           <a:p>
             <a:fld id="{BB4518BA-02CC-0A4A-BA1B-2EDC29256675}" type="datetimeFigureOut">
               <a:rPr lang="en-PL" smtClean="0"/>
-              <a:t>12/06/2025</a:t>
+              <a:t>17/06/2025</a:t>
             </a:fld>
             <a:endParaRPr lang="en-PL"/>
           </a:p>
@@ -2702,7 +2618,7 @@
           <a:p>
             <a:fld id="{BB4518BA-02CC-0A4A-BA1B-2EDC29256675}" type="datetimeFigureOut">
               <a:rPr lang="en-PL" smtClean="0"/>
-              <a:t>12/06/2025</a:t>
+              <a:t>17/06/2025</a:t>
             </a:fld>
             <a:endParaRPr lang="en-PL"/>
           </a:p>
@@ -3015,7 +2931,7 @@
           <a:p>
             <a:fld id="{BB4518BA-02CC-0A4A-BA1B-2EDC29256675}" type="datetimeFigureOut">
               <a:rPr lang="en-PL" smtClean="0"/>
-              <a:t>12/06/2025</a:t>
+              <a:t>17/06/2025</a:t>
             </a:fld>
             <a:endParaRPr lang="en-PL"/>
           </a:p>
@@ -3304,7 +3220,7 @@
           <a:p>
             <a:fld id="{BB4518BA-02CC-0A4A-BA1B-2EDC29256675}" type="datetimeFigureOut">
               <a:rPr lang="en-PL" smtClean="0"/>
-              <a:t>12/06/2025</a:t>
+              <a:t>17/06/2025</a:t>
             </a:fld>
             <a:endParaRPr lang="en-PL"/>
           </a:p>
@@ -3547,7 +3463,7 @@
           <a:p>
             <a:fld id="{BB4518BA-02CC-0A4A-BA1B-2EDC29256675}" type="datetimeFigureOut">
               <a:rPr lang="en-PL" smtClean="0"/>
-              <a:t>12/06/2025</a:t>
+              <a:t>17/06/2025</a:t>
             </a:fld>
             <a:endParaRPr lang="en-PL"/>
           </a:p>
@@ -3950,6 +3866,14 @@
 <file path=ppt/slides/slide1.xml><?xml version="1.0" encoding="utf-8"?>
 <p:sld xmlns:a="http://schemas.openxmlformats.org/drawingml/2006/main" xmlns:r="http://schemas.openxmlformats.org/officeDocument/2006/relationships" xmlns:p="http://schemas.openxmlformats.org/presentationml/2006/main">
   <p:cSld>
+    <p:bg>
+      <p:bgPr>
+        <a:solidFill>
+          <a:schemeClr val="bg1"/>
+        </a:solidFill>
+        <a:effectLst/>
+      </p:bgPr>
+    </p:bg>
     <p:spTree>
       <p:nvGrpSpPr>
         <p:cNvPr id="1" name=""/>
@@ -3964,6 +3888,199 @@
           <a:chExt cx="0" cy="0"/>
         </a:xfrm>
       </p:grpSpPr>
+      <p:sp useBgFill="1">
+        <p:nvSpPr>
+          <p:cNvPr id="8" name="Rectangle 7">
+            <a:extLst>
+              <a:ext uri="{FF2B5EF4-FFF2-40B4-BE49-F238E27FC236}">
+                <a16:creationId xmlns:a16="http://schemas.microsoft.com/office/drawing/2014/main" id="{4522B21E-B2B9-4C72-9A71-C87EFD137480}"/>
+              </a:ext>
+              <a:ext uri="{C183D7F6-B498-43B3-948B-1728B52AA6E4}">
+                <adec:decorative xmlns:adec="http://schemas.microsoft.com/office/drawing/2017/decorative" val="1"/>
+              </a:ext>
+            </a:extLst>
+          </p:cNvPr>
+          <p:cNvSpPr>
+            <a:spLocks noGrp="1" noRot="1" noChangeAspect="1" noMove="1" noResize="1" noEditPoints="1" noAdjustHandles="1" noChangeArrowheads="1" noChangeShapeType="1" noTextEdit="1"/>
+          </p:cNvSpPr>
+          <p:nvPr>
+            <p:extLst>
+              <p:ext uri="{386F3935-93C4-4BCD-93E2-E3B085C9AB24}">
+                <p16:designElem xmlns:p16="http://schemas.microsoft.com/office/powerpoint/2015/main" val="1"/>
+              </p:ext>
+            </p:extLst>
+          </p:nvPr>
+        </p:nvSpPr>
+        <p:spPr>
+          <a:xfrm>
+            <a:off x="0" y="0"/>
+            <a:ext cx="12191999" cy="6857365"/>
+          </a:xfrm>
+          <a:prstGeom prst="rect">
+            <a:avLst/>
+          </a:prstGeom>
+          <a:ln>
+            <a:noFill/>
+          </a:ln>
+        </p:spPr>
+        <p:style>
+          <a:lnRef idx="2">
+            <a:schemeClr val="accent1">
+              <a:shade val="50000"/>
+            </a:schemeClr>
+          </a:lnRef>
+          <a:fillRef idx="1">
+            <a:schemeClr val="accent1"/>
+          </a:fillRef>
+          <a:effectRef idx="0">
+            <a:schemeClr val="accent1"/>
+          </a:effectRef>
+          <a:fontRef idx="minor">
+            <a:schemeClr val="lt1"/>
+          </a:fontRef>
+        </p:style>
+        <p:txBody>
+          <a:bodyPr rtlCol="0" anchor="ctr"/>
+          <a:lstStyle/>
+          <a:p>
+            <a:pPr algn="ctr"/>
+            <a:endParaRPr lang="en-US"/>
+          </a:p>
+        </p:txBody>
+      </p:sp>
+      <p:sp>
+        <p:nvSpPr>
+          <p:cNvPr id="10" name="Rectangle 9">
+            <a:extLst>
+              <a:ext uri="{FF2B5EF4-FFF2-40B4-BE49-F238E27FC236}">
+                <a16:creationId xmlns:a16="http://schemas.microsoft.com/office/drawing/2014/main" id="{5EB7D2A2-F448-44D4-938C-DC84CBCB3B1E}"/>
+              </a:ext>
+              <a:ext uri="{C183D7F6-B498-43B3-948B-1728B52AA6E4}">
+                <adec:decorative xmlns:adec="http://schemas.microsoft.com/office/drawing/2017/decorative" val="1"/>
+              </a:ext>
+            </a:extLst>
+          </p:cNvPr>
+          <p:cNvSpPr>
+            <a:spLocks noGrp="1" noRot="1" noChangeAspect="1" noMove="1" noResize="1" noEditPoints="1" noAdjustHandles="1" noChangeArrowheads="1" noChangeShapeType="1" noTextEdit="1"/>
+          </p:cNvSpPr>
+          <p:nvPr>
+            <p:extLst>
+              <p:ext uri="{386F3935-93C4-4BCD-93E2-E3B085C9AB24}">
+                <p16:designElem xmlns:p16="http://schemas.microsoft.com/office/powerpoint/2015/main" val="1"/>
+              </p:ext>
+            </p:extLst>
+          </p:nvPr>
+        </p:nvSpPr>
+        <p:spPr>
+          <a:xfrm>
+            <a:off x="0" y="2"/>
+            <a:ext cx="12192000" cy="4412583"/>
+          </a:xfrm>
+          <a:prstGeom prst="rect">
+            <a:avLst/>
+          </a:prstGeom>
+          <a:solidFill>
+            <a:schemeClr val="accent4"/>
+          </a:solidFill>
+          <a:ln>
+            <a:noFill/>
+          </a:ln>
+        </p:spPr>
+        <p:style>
+          <a:lnRef idx="2">
+            <a:schemeClr val="accent1">
+              <a:shade val="50000"/>
+            </a:schemeClr>
+          </a:lnRef>
+          <a:fillRef idx="1">
+            <a:schemeClr val="accent1"/>
+          </a:fillRef>
+          <a:effectRef idx="0">
+            <a:schemeClr val="accent1"/>
+          </a:effectRef>
+          <a:fontRef idx="minor">
+            <a:schemeClr val="lt1"/>
+          </a:fontRef>
+        </p:style>
+        <p:txBody>
+          <a:bodyPr rtlCol="0" anchor="ctr"/>
+          <a:lstStyle/>
+          <a:p>
+            <a:pPr algn="ctr"/>
+            <a:endParaRPr lang="en-US" dirty="0"/>
+          </a:p>
+        </p:txBody>
+      </p:sp>
+      <p:sp>
+        <p:nvSpPr>
+          <p:cNvPr id="12" name="Rectangle 11">
+            <a:extLst>
+              <a:ext uri="{FF2B5EF4-FFF2-40B4-BE49-F238E27FC236}">
+                <a16:creationId xmlns:a16="http://schemas.microsoft.com/office/drawing/2014/main" id="{871AEA07-1E14-44B4-8E55-64EF049CD66F}"/>
+              </a:ext>
+              <a:ext uri="{C183D7F6-B498-43B3-948B-1728B52AA6E4}">
+                <adec:decorative xmlns:adec="http://schemas.microsoft.com/office/drawing/2017/decorative" val="1"/>
+              </a:ext>
+            </a:extLst>
+          </p:cNvPr>
+          <p:cNvSpPr>
+            <a:spLocks noGrp="1" noRot="1" noChangeAspect="1" noMove="1" noResize="1" noEditPoints="1" noAdjustHandles="1" noChangeArrowheads="1" noChangeShapeType="1" noTextEdit="1"/>
+          </p:cNvSpPr>
+          <p:nvPr>
+            <p:extLst>
+              <p:ext uri="{386F3935-93C4-4BCD-93E2-E3B085C9AB24}">
+                <p16:designElem xmlns:p16="http://schemas.microsoft.com/office/powerpoint/2015/main" val="1"/>
+              </p:ext>
+            </p:extLst>
+          </p:nvPr>
+        </p:nvSpPr>
+        <p:spPr>
+          <a:xfrm>
+            <a:off x="596464" y="551962"/>
+            <a:ext cx="10999072" cy="4618549"/>
+          </a:xfrm>
+          <a:prstGeom prst="rect">
+            <a:avLst/>
+          </a:prstGeom>
+          <a:solidFill>
+            <a:schemeClr val="bg1"/>
+          </a:solidFill>
+          <a:ln>
+            <a:noFill/>
+          </a:ln>
+          <a:effectLst>
+            <a:outerShdw blurRad="139700" dist="127000" dir="5400000" algn="t" rotWithShape="0">
+              <a:prstClr val="black">
+                <a:alpha val="15000"/>
+              </a:prstClr>
+            </a:outerShdw>
+          </a:effectLst>
+        </p:spPr>
+        <p:style>
+          <a:lnRef idx="2">
+            <a:schemeClr val="accent1">
+              <a:shade val="50000"/>
+            </a:schemeClr>
+          </a:lnRef>
+          <a:fillRef idx="1">
+            <a:schemeClr val="accent1"/>
+          </a:fillRef>
+          <a:effectRef idx="0">
+            <a:schemeClr val="accent1"/>
+          </a:effectRef>
+          <a:fontRef idx="minor">
+            <a:schemeClr val="lt1"/>
+          </a:fontRef>
+        </p:style>
+        <p:txBody>
+          <a:bodyPr rtlCol="0" anchor="ctr"/>
+          <a:lstStyle/>
+          <a:p>
+            <a:pPr algn="ctr"/>
+            <a:endParaRPr lang="en-US"/>
+          </a:p>
+        </p:txBody>
+      </p:sp>
       <p:sp>
         <p:nvSpPr>
           <p:cNvPr id="2" name="Title 1">
@@ -3980,50 +4097,77 @@
             <p:ph type="ctrTitle"/>
           </p:nvPr>
         </p:nvSpPr>
-        <p:spPr/>
-        <p:txBody>
-          <a:bodyPr>
-            <a:normAutofit fontScale="90000"/>
+        <p:spPr>
+          <a:xfrm>
+            <a:off x="1524000" y="1293338"/>
+            <a:ext cx="9144000" cy="3274592"/>
+          </a:xfrm>
+        </p:spPr>
+        <p:txBody>
+          <a:bodyPr anchor="ctr">
+            <a:normAutofit/>
           </a:bodyPr>
           <a:lstStyle/>
           <a:p>
             <a:r>
-              <a:rPr lang="pl-PL" dirty="0"/>
-              <a:t>Zaawansowana obsługa wyjątków i debugowanie w języku </a:t>
-            </a:r>
-            <a:r>
-              <a:rPr lang="pl-PL" dirty="0" err="1"/>
-              <a:t>Python</a:t>
-            </a:r>
-            <a:endParaRPr lang="pl-PL" dirty="0"/>
-          </a:p>
-        </p:txBody>
-      </p:sp>
-      <p:sp>
-        <p:nvSpPr>
-          <p:cNvPr id="3" name="Subtitle 2">
-            <a:extLst>
-              <a:ext uri="{FF2B5EF4-FFF2-40B4-BE49-F238E27FC236}">
-                <a16:creationId xmlns:a16="http://schemas.microsoft.com/office/drawing/2014/main" id="{BC73CA17-5F71-2D04-6E69-2C187C24304D}"/>
-              </a:ext>
-            </a:extLst>
-          </p:cNvPr>
-          <p:cNvSpPr>
-            <a:spLocks noGrp="1"/>
-          </p:cNvSpPr>
-          <p:nvPr>
-            <p:ph type="subTitle" idx="1"/>
-          </p:nvPr>
-        </p:nvSpPr>
-        <p:spPr/>
-        <p:txBody>
-          <a:bodyPr/>
-          <a:lstStyle/>
-          <a:p>
-            <a:endParaRPr lang="en-PL"/>
-          </a:p>
-        </p:txBody>
-      </p:sp>
+              <a:rPr lang="pl-PL" sz="7200"/>
+              <a:t>Zaawansowana obsługa wyjątków i debugowanie w języku Python</a:t>
+            </a:r>
+          </a:p>
+        </p:txBody>
+      </p:sp>
+      <p:cxnSp>
+        <p:nvCxnSpPr>
+          <p:cNvPr id="14" name="Straight Connector 13">
+            <a:extLst>
+              <a:ext uri="{FF2B5EF4-FFF2-40B4-BE49-F238E27FC236}">
+                <a16:creationId xmlns:a16="http://schemas.microsoft.com/office/drawing/2014/main" id="{F7C8EA93-3210-4C62-99E9-153C275E3A87}"/>
+              </a:ext>
+              <a:ext uri="{C183D7F6-B498-43B3-948B-1728B52AA6E4}">
+                <adec:decorative xmlns:adec="http://schemas.microsoft.com/office/drawing/2017/decorative" val="1"/>
+              </a:ext>
+            </a:extLst>
+          </p:cNvPr>
+          <p:cNvCxnSpPr>
+            <a:cxnSpLocks noGrp="1" noRot="1" noChangeAspect="1" noMove="1" noResize="1" noEditPoints="1" noAdjustHandles="1" noChangeArrowheads="1" noChangeShapeType="1"/>
+          </p:cNvCxnSpPr>
+          <p:nvPr>
+            <p:extLst>
+              <p:ext uri="{386F3935-93C4-4BCD-93E2-E3B085C9AB24}">
+                <p16:designElem xmlns:p16="http://schemas.microsoft.com/office/powerpoint/2015/main" val="1"/>
+              </p:ext>
+            </p:extLst>
+          </p:nvPr>
+        </p:nvCxnSpPr>
+        <p:spPr>
+          <a:xfrm flipH="1">
+            <a:off x="596464" y="6354708"/>
+            <a:ext cx="11000232" cy="0"/>
+          </a:xfrm>
+          <a:prstGeom prst="line">
+            <a:avLst/>
+          </a:prstGeom>
+          <a:ln w="101600">
+            <a:solidFill>
+              <a:schemeClr val="accent4"/>
+            </a:solidFill>
+          </a:ln>
+        </p:spPr>
+        <p:style>
+          <a:lnRef idx="1">
+            <a:schemeClr val="accent1"/>
+          </a:lnRef>
+          <a:fillRef idx="0">
+            <a:schemeClr val="accent1"/>
+          </a:fillRef>
+          <a:effectRef idx="0">
+            <a:schemeClr val="accent1"/>
+          </a:effectRef>
+          <a:fontRef idx="minor">
+            <a:schemeClr val="tx1"/>
+          </a:fontRef>
+        </p:style>
+      </p:cxnSp>
     </p:spTree>
     <p:extLst>
       <p:ext uri="{BB962C8B-B14F-4D97-AF65-F5344CB8AC3E}">
@@ -4040,6 +4184,14 @@
 <file path=ppt/slides/slide10.xml><?xml version="1.0" encoding="utf-8"?>
 <p:sld xmlns:a="http://schemas.openxmlformats.org/drawingml/2006/main" xmlns:r="http://schemas.openxmlformats.org/officeDocument/2006/relationships" xmlns:p="http://schemas.openxmlformats.org/presentationml/2006/main">
   <p:cSld>
+    <p:bg>
+      <p:bgPr>
+        <a:solidFill>
+          <a:schemeClr val="bg1"/>
+        </a:solidFill>
+        <a:effectLst/>
+      </p:bgPr>
+    </p:bg>
     <p:spTree>
       <p:nvGrpSpPr>
         <p:cNvPr id="1" name=""/>
@@ -4054,132 +4206,385 @@
           <a:chExt cx="0" cy="0"/>
         </a:xfrm>
       </p:grpSpPr>
-      <p:sp>
-        <p:nvSpPr>
-          <p:cNvPr id="2" name="Title 1">
-            <a:extLst>
-              <a:ext uri="{FF2B5EF4-FFF2-40B4-BE49-F238E27FC236}">
-                <a16:creationId xmlns:a16="http://schemas.microsoft.com/office/drawing/2014/main" id="{B8292F08-9F39-BF72-60CE-59C6C28CB837}"/>
-              </a:ext>
-            </a:extLst>
-          </p:cNvPr>
-          <p:cNvSpPr>
-            <a:spLocks noGrp="1"/>
-          </p:cNvSpPr>
-          <p:nvPr>
-            <p:ph type="title"/>
-          </p:nvPr>
-        </p:nvSpPr>
-        <p:spPr/>
-        <p:txBody>
-          <a:bodyPr/>
-          <a:lstStyle/>
-          <a:p>
-            <a:r>
-              <a:rPr lang="en-PL" dirty="0"/>
-              <a:t>Obsługa ostrzeżeń</a:t>
-            </a:r>
-          </a:p>
-        </p:txBody>
-      </p:sp>
-      <p:sp>
-        <p:nvSpPr>
-          <p:cNvPr id="3" name="Content Placeholder 2">
-            <a:extLst>
-              <a:ext uri="{FF2B5EF4-FFF2-40B4-BE49-F238E27FC236}">
-                <a16:creationId xmlns:a16="http://schemas.microsoft.com/office/drawing/2014/main" id="{E1F67D00-67C5-C071-67B5-29CA6BF02A3C}"/>
-              </a:ext>
-            </a:extLst>
-          </p:cNvPr>
-          <p:cNvSpPr>
-            <a:spLocks noGrp="1"/>
-          </p:cNvSpPr>
-          <p:nvPr>
-            <p:ph idx="1"/>
+      <p:sp useBgFill="1">
+        <p:nvSpPr>
+          <p:cNvPr id="10" name="Rectangle 9">
+            <a:extLst>
+              <a:ext uri="{FF2B5EF4-FFF2-40B4-BE49-F238E27FC236}">
+                <a16:creationId xmlns:a16="http://schemas.microsoft.com/office/drawing/2014/main" id="{A8384FB5-9ADC-4DDC-881B-597D56F5B15D}"/>
+              </a:ext>
+              <a:ext uri="{C183D7F6-B498-43B3-948B-1728B52AA6E4}">
+                <adec:decorative xmlns:adec="http://schemas.microsoft.com/office/drawing/2017/decorative" val="1"/>
+              </a:ext>
+            </a:extLst>
+          </p:cNvPr>
+          <p:cNvSpPr>
+            <a:spLocks noGrp="1" noRot="1" noChangeAspect="1" noMove="1" noResize="1" noEditPoints="1" noAdjustHandles="1" noChangeArrowheads="1" noChangeShapeType="1" noTextEdit="1"/>
+          </p:cNvSpPr>
+          <p:nvPr>
+            <p:extLst>
+              <p:ext uri="{386F3935-93C4-4BCD-93E2-E3B085C9AB24}">
+                <p16:designElem xmlns:p16="http://schemas.microsoft.com/office/powerpoint/2015/main" val="1"/>
+              </p:ext>
+            </p:extLst>
           </p:nvPr>
         </p:nvSpPr>
         <p:spPr>
           <a:xfrm>
-            <a:off x="838200" y="1825625"/>
-            <a:ext cx="10953466" cy="4351338"/>
+            <a:off x="0" y="0"/>
+            <a:ext cx="12192000" cy="6858000"/>
+          </a:xfrm>
+          <a:prstGeom prst="rect">
+            <a:avLst/>
+          </a:prstGeom>
+          <a:ln w="12700" cap="flat" cmpd="sng" algn="ctr">
+            <a:noFill/>
+            <a:prstDash val="solid"/>
+            <a:miter lim="800000"/>
+          </a:ln>
+          <a:effectLst/>
+          <a:extLst>
+            <a:ext uri="{91240B29-F687-4F45-9708-019B960494DF}">
+              <a14:hiddenLine xmlns:a14="http://schemas.microsoft.com/office/drawing/2010/main" w="12700" cap="flat" cmpd="sng" algn="ctr">
+                <a:solidFill>
+                  <a:schemeClr val="accent1">
+                    <a:shade val="50000"/>
+                  </a:schemeClr>
+                </a:solidFill>
+                <a:prstDash val="solid"/>
+                <a:miter lim="800000"/>
+              </a14:hiddenLine>
+            </a:ext>
+          </a:extLst>
+        </p:spPr>
+        <p:style>
+          <a:lnRef idx="2">
+            <a:schemeClr val="accent1">
+              <a:shade val="50000"/>
+            </a:schemeClr>
+          </a:lnRef>
+          <a:fillRef idx="1">
+            <a:schemeClr val="accent1"/>
+          </a:fillRef>
+          <a:effectRef idx="0">
+            <a:schemeClr val="accent1"/>
+          </a:effectRef>
+          <a:fontRef idx="minor">
+            <a:schemeClr val="lt1"/>
+          </a:fontRef>
+        </p:style>
+        <p:txBody>
+          <a:bodyPr rtlCol="0" anchor="ctr"/>
+          <a:lstStyle/>
+          <a:p>
+            <a:pPr algn="ctr"/>
+            <a:endParaRPr lang="en-US"/>
+          </a:p>
+        </p:txBody>
+      </p:sp>
+      <p:sp>
+        <p:nvSpPr>
+          <p:cNvPr id="12" name="Rectangle 11">
+            <a:extLst>
+              <a:ext uri="{FF2B5EF4-FFF2-40B4-BE49-F238E27FC236}">
+                <a16:creationId xmlns:a16="http://schemas.microsoft.com/office/drawing/2014/main" id="{1199E1B1-A8C0-4FE8-A5A8-1CB41D69F857}"/>
+              </a:ext>
+              <a:ext uri="{C183D7F6-B498-43B3-948B-1728B52AA6E4}">
+                <adec:decorative xmlns:adec="http://schemas.microsoft.com/office/drawing/2017/decorative" val="1"/>
+              </a:ext>
+            </a:extLst>
+          </p:cNvPr>
+          <p:cNvSpPr>
+            <a:spLocks noGrp="1" noRot="1" noChangeAspect="1" noMove="1" noResize="1" noEditPoints="1" noAdjustHandles="1" noChangeArrowheads="1" noChangeShapeType="1" noTextEdit="1"/>
+          </p:cNvSpPr>
+          <p:nvPr>
+            <p:extLst>
+              <p:ext uri="{386F3935-93C4-4BCD-93E2-E3B085C9AB24}">
+                <p16:designElem xmlns:p16="http://schemas.microsoft.com/office/powerpoint/2015/main" val="1"/>
+              </p:ext>
+            </p:extLst>
+          </p:nvPr>
+        </p:nvSpPr>
+        <p:spPr>
+          <a:xfrm rot="10800000" flipH="1">
+            <a:off x="2" y="0"/>
+            <a:ext cx="12191998" cy="1575955"/>
+          </a:xfrm>
+          <a:prstGeom prst="rect">
+            <a:avLst/>
+          </a:prstGeom>
+          <a:gradFill>
+            <a:gsLst>
+              <a:gs pos="0">
+                <a:srgbClr val="000000">
+                  <a:alpha val="96000"/>
+                </a:srgbClr>
+              </a:gs>
+              <a:gs pos="100000">
+                <a:schemeClr val="accent1">
+                  <a:lumMod val="75000"/>
+                </a:schemeClr>
+              </a:gs>
+            </a:gsLst>
+            <a:lin ang="6000000" scaled="0"/>
+          </a:gradFill>
+          <a:ln>
+            <a:noFill/>
+          </a:ln>
+        </p:spPr>
+        <p:style>
+          <a:lnRef idx="2">
+            <a:schemeClr val="accent1">
+              <a:shade val="50000"/>
+            </a:schemeClr>
+          </a:lnRef>
+          <a:fillRef idx="1">
+            <a:schemeClr val="accent1"/>
+          </a:fillRef>
+          <a:effectRef idx="0">
+            <a:schemeClr val="accent1"/>
+          </a:effectRef>
+          <a:fontRef idx="minor">
+            <a:schemeClr val="lt1"/>
+          </a:fontRef>
+        </p:style>
+        <p:txBody>
+          <a:bodyPr rtlCol="0" anchor="ctr"/>
+          <a:lstStyle/>
+          <a:p>
+            <a:pPr algn="ctr"/>
+            <a:endParaRPr lang="en-US"/>
+          </a:p>
+        </p:txBody>
+      </p:sp>
+      <p:sp>
+        <p:nvSpPr>
+          <p:cNvPr id="14" name="Rectangle 13">
+            <a:extLst>
+              <a:ext uri="{FF2B5EF4-FFF2-40B4-BE49-F238E27FC236}">
+                <a16:creationId xmlns:a16="http://schemas.microsoft.com/office/drawing/2014/main" id="{84A8DE83-DE75-4B41-9DB4-A7EC0B0DEC0B}"/>
+              </a:ext>
+              <a:ext uri="{C183D7F6-B498-43B3-948B-1728B52AA6E4}">
+                <adec:decorative xmlns:adec="http://schemas.microsoft.com/office/drawing/2017/decorative" val="1"/>
+              </a:ext>
+            </a:extLst>
+          </p:cNvPr>
+          <p:cNvSpPr>
+            <a:spLocks noGrp="1" noRot="1" noChangeAspect="1" noMove="1" noResize="1" noEditPoints="1" noAdjustHandles="1" noChangeArrowheads="1" noChangeShapeType="1" noTextEdit="1"/>
+          </p:cNvSpPr>
+          <p:nvPr>
+            <p:extLst>
+              <p:ext uri="{386F3935-93C4-4BCD-93E2-E3B085C9AB24}">
+                <p16:designElem xmlns:p16="http://schemas.microsoft.com/office/powerpoint/2015/main" val="1"/>
+              </p:ext>
+            </p:extLst>
+          </p:nvPr>
+        </p:nvSpPr>
+        <p:spPr>
+          <a:xfrm>
+            <a:off x="0" y="0"/>
+            <a:ext cx="8128856" cy="1575461"/>
+          </a:xfrm>
+          <a:prstGeom prst="rect">
+            <a:avLst/>
+          </a:prstGeom>
+          <a:gradFill>
+            <a:gsLst>
+              <a:gs pos="0">
+                <a:schemeClr val="accent1">
+                  <a:alpha val="41000"/>
+                </a:schemeClr>
+              </a:gs>
+              <a:gs pos="74000">
+                <a:schemeClr val="accent1">
+                  <a:lumMod val="60000"/>
+                  <a:lumOff val="40000"/>
+                  <a:alpha val="0"/>
+                </a:schemeClr>
+              </a:gs>
+            </a:gsLst>
+            <a:lin ang="8400000" scaled="0"/>
+          </a:gradFill>
+          <a:ln>
+            <a:noFill/>
+          </a:ln>
+        </p:spPr>
+        <p:style>
+          <a:lnRef idx="2">
+            <a:schemeClr val="accent1">
+              <a:shade val="50000"/>
+            </a:schemeClr>
+          </a:lnRef>
+          <a:fillRef idx="1">
+            <a:schemeClr val="accent1"/>
+          </a:fillRef>
+          <a:effectRef idx="0">
+            <a:schemeClr val="accent1"/>
+          </a:effectRef>
+          <a:fontRef idx="minor">
+            <a:schemeClr val="lt1"/>
+          </a:fontRef>
+        </p:style>
+        <p:txBody>
+          <a:bodyPr rtlCol="0" anchor="ctr"/>
+          <a:lstStyle/>
+          <a:p>
+            <a:pPr algn="ctr"/>
+            <a:endParaRPr lang="en-US"/>
+          </a:p>
+        </p:txBody>
+      </p:sp>
+      <p:sp>
+        <p:nvSpPr>
+          <p:cNvPr id="16" name="Rectangle 15">
+            <a:extLst>
+              <a:ext uri="{FF2B5EF4-FFF2-40B4-BE49-F238E27FC236}">
+                <a16:creationId xmlns:a16="http://schemas.microsoft.com/office/drawing/2014/main" id="{A7009A0A-BEF5-4EAC-AF15-E4F9F002E239}"/>
+              </a:ext>
+              <a:ext uri="{C183D7F6-B498-43B3-948B-1728B52AA6E4}">
+                <adec:decorative xmlns:adec="http://schemas.microsoft.com/office/drawing/2017/decorative" val="1"/>
+              </a:ext>
+            </a:extLst>
+          </p:cNvPr>
+          <p:cNvSpPr>
+            <a:spLocks noGrp="1" noRot="1" noChangeAspect="1" noMove="1" noResize="1" noEditPoints="1" noAdjustHandles="1" noChangeArrowheads="1" noChangeShapeType="1" noTextEdit="1"/>
+          </p:cNvSpPr>
+          <p:nvPr>
+            <p:extLst>
+              <p:ext uri="{386F3935-93C4-4BCD-93E2-E3B085C9AB24}">
+                <p16:designElem xmlns:p16="http://schemas.microsoft.com/office/powerpoint/2015/main" val="1"/>
+              </p:ext>
+            </p:extLst>
+          </p:nvPr>
+        </p:nvSpPr>
+        <p:spPr>
+          <a:xfrm flipH="1">
+            <a:off x="-3" y="-1"/>
+            <a:ext cx="12192002" cy="1574311"/>
+          </a:xfrm>
+          <a:prstGeom prst="rect">
+            <a:avLst/>
+          </a:prstGeom>
+          <a:gradFill>
+            <a:gsLst>
+              <a:gs pos="0">
+                <a:srgbClr val="000000">
+                  <a:alpha val="63000"/>
+                </a:srgbClr>
+              </a:gs>
+              <a:gs pos="78000">
+                <a:schemeClr val="accent1">
+                  <a:alpha val="15000"/>
+                </a:schemeClr>
+              </a:gs>
+            </a:gsLst>
+            <a:lin ang="15600000" scaled="0"/>
+          </a:gradFill>
+          <a:ln>
+            <a:noFill/>
+          </a:ln>
+        </p:spPr>
+        <p:style>
+          <a:lnRef idx="2">
+            <a:schemeClr val="accent1">
+              <a:shade val="50000"/>
+            </a:schemeClr>
+          </a:lnRef>
+          <a:fillRef idx="1">
+            <a:schemeClr val="accent1"/>
+          </a:fillRef>
+          <a:effectRef idx="0">
+            <a:schemeClr val="accent1"/>
+          </a:effectRef>
+          <a:fontRef idx="minor">
+            <a:schemeClr val="lt1"/>
+          </a:fontRef>
+        </p:style>
+        <p:txBody>
+          <a:bodyPr rtlCol="0" anchor="ctr"/>
+          <a:lstStyle/>
+          <a:p>
+            <a:pPr algn="ctr"/>
+            <a:endParaRPr lang="en-US"/>
+          </a:p>
+        </p:txBody>
+      </p:sp>
+      <p:sp>
+        <p:nvSpPr>
+          <p:cNvPr id="2" name="Title 1">
+            <a:extLst>
+              <a:ext uri="{FF2B5EF4-FFF2-40B4-BE49-F238E27FC236}">
+                <a16:creationId xmlns:a16="http://schemas.microsoft.com/office/drawing/2014/main" id="{8EBFCC8E-DC52-7C4B-B741-78E04D795208}"/>
+              </a:ext>
+            </a:extLst>
+          </p:cNvPr>
+          <p:cNvSpPr>
+            <a:spLocks noGrp="1"/>
+          </p:cNvSpPr>
+          <p:nvPr>
+            <p:ph type="title"/>
+          </p:nvPr>
+        </p:nvSpPr>
+        <p:spPr>
+          <a:xfrm>
+            <a:off x="699713" y="248038"/>
+            <a:ext cx="7063721" cy="1159200"/>
           </a:xfrm>
         </p:spPr>
         <p:txBody>
-          <a:bodyPr/>
-          <a:lstStyle/>
-          <a:p>
-            <a:r>
-              <a:rPr lang="pl-PL" dirty="0"/>
-              <a:t>Ostrzeżenia w </a:t>
-            </a:r>
-            <a:r>
-              <a:rPr lang="pl-PL" dirty="0" err="1"/>
-              <a:t>Pythonie</a:t>
-            </a:r>
-            <a:r>
-              <a:rPr lang="pl-PL" dirty="0"/>
-              <a:t> służą do sygnalizowania sytuacji niebędących krytycznymi błędami, ale wartych uwagi. W odróżnieniu od wyjątku, ostrzeżenie nie przerywa wykonania programu – wyświetla jedynie informację dla programisty/użytkownika</a:t>
-            </a:r>
-          </a:p>
-          <a:p>
-            <a:r>
-              <a:rPr lang="pl-PL" dirty="0"/>
-              <a:t>Obsługa ostrzeżeń: Domyślnie </a:t>
-            </a:r>
-            <a:r>
-              <a:rPr lang="pl-PL" dirty="0" err="1"/>
-              <a:t>Python</a:t>
-            </a:r>
-            <a:r>
-              <a:rPr lang="pl-PL" dirty="0"/>
-              <a:t> pokaże ostrzeżenie na standardowym wyjściu (raz dla danego miejsca w kodzie). </a:t>
-            </a:r>
-            <a:br>
-              <a:rPr lang="pl-PL" dirty="0"/>
-            </a:br>
-            <a:r>
-              <a:rPr lang="pl-PL" dirty="0"/>
-              <a:t>Można zmienić zachowanie – np. wyciszyć nieistotne ostrzeżenia, używając </a:t>
-            </a:r>
-            <a:r>
-              <a:rPr lang="pl-PL" i="1" dirty="0" err="1"/>
-              <a:t>warnings.filterwarnings</a:t>
-            </a:r>
-            <a:r>
-              <a:rPr lang="pl-PL" i="1" dirty="0"/>
-              <a:t>("</a:t>
-            </a:r>
-            <a:r>
-              <a:rPr lang="pl-PL" i="1" dirty="0" err="1"/>
-              <a:t>ignore</a:t>
-            </a:r>
-            <a:r>
-              <a:rPr lang="pl-PL" i="1" dirty="0"/>
-              <a:t>", </a:t>
-            </a:r>
-            <a:r>
-              <a:rPr lang="pl-PL" i="1" dirty="0" err="1"/>
-              <a:t>category</a:t>
-            </a:r>
-            <a:r>
-              <a:rPr lang="pl-PL" i="1" dirty="0"/>
-              <a:t>=</a:t>
-            </a:r>
-            <a:r>
-              <a:rPr lang="pl-PL" i="1" dirty="0" err="1"/>
-              <a:t>UserWarning</a:t>
-            </a:r>
-            <a:r>
-              <a:rPr lang="pl-PL" i="1" dirty="0"/>
-              <a:t>)</a:t>
-            </a:r>
-          </a:p>
-        </p:txBody>
-      </p:sp>
+          <a:bodyPr vert="horz" lIns="91440" tIns="45720" rIns="91440" bIns="45720" rtlCol="0" anchor="ctr">
+            <a:normAutofit/>
+          </a:bodyPr>
+          <a:lstStyle/>
+          <a:p>
+            <a:r>
+              <a:rPr lang="en-US" sz="4000" kern="1200">
+                <a:solidFill>
+                  <a:srgbClr val="FFFFFF"/>
+                </a:solidFill>
+                <a:latin typeface="+mj-lt"/>
+                <a:ea typeface="+mj-ea"/>
+                <a:cs typeface="+mj-cs"/>
+              </a:rPr>
+              <a:t>Testy jednostkowe</a:t>
+            </a:r>
+          </a:p>
+        </p:txBody>
+      </p:sp>
+      <p:pic>
+        <p:nvPicPr>
+          <p:cNvPr id="5" name="Picture 4" descr="A screen shot of a computer code&#10;&#10;Description automatically generated">
+            <a:extLst>
+              <a:ext uri="{FF2B5EF4-FFF2-40B4-BE49-F238E27FC236}">
+                <a16:creationId xmlns:a16="http://schemas.microsoft.com/office/drawing/2014/main" id="{8D8E6B62-821A-6715-A14A-4D6B59B8AB45}"/>
+              </a:ext>
+            </a:extLst>
+          </p:cNvPr>
+          <p:cNvPicPr>
+            <a:picLocks noChangeAspect="1"/>
+          </p:cNvPicPr>
+          <p:nvPr/>
+        </p:nvPicPr>
+        <p:blipFill>
+          <a:blip r:embed="rId2"/>
+          <a:stretch>
+            <a:fillRect/>
+          </a:stretch>
+        </p:blipFill>
+        <p:spPr>
+          <a:xfrm>
+            <a:off x="599505" y="1966293"/>
+            <a:ext cx="10992988" cy="4452160"/>
+          </a:xfrm>
+          <a:prstGeom prst="rect">
+            <a:avLst/>
+          </a:prstGeom>
+        </p:spPr>
+      </p:pic>
     </p:spTree>
     <p:extLst>
       <p:ext uri="{BB962C8B-B14F-4D97-AF65-F5344CB8AC3E}">
-        <p14:creationId xmlns:p14="http://schemas.microsoft.com/office/powerpoint/2010/main" val="2724352957"/>
+        <p14:creationId xmlns:p14="http://schemas.microsoft.com/office/powerpoint/2010/main" val="2074008347"/>
       </p:ext>
     </p:extLst>
   </p:cSld>
@@ -4190,6 +4595,532 @@
 </file>
 
 <file path=ppt/slides/slide11.xml><?xml version="1.0" encoding="utf-8"?>
+<p:sld xmlns:a="http://schemas.openxmlformats.org/drawingml/2006/main" xmlns:r="http://schemas.openxmlformats.org/officeDocument/2006/relationships" xmlns:p="http://schemas.openxmlformats.org/presentationml/2006/main">
+  <p:cSld>
+    <p:bg>
+      <p:bgPr>
+        <a:solidFill>
+          <a:schemeClr val="bg1"/>
+        </a:solidFill>
+        <a:effectLst/>
+      </p:bgPr>
+    </p:bg>
+    <p:spTree>
+      <p:nvGrpSpPr>
+        <p:cNvPr id="1" name="">
+          <a:extLst>
+            <a:ext uri="{FF2B5EF4-FFF2-40B4-BE49-F238E27FC236}">
+              <a16:creationId xmlns:a16="http://schemas.microsoft.com/office/drawing/2014/main" id="{2D408E4E-0628-3ABA-B005-A193EE85356A}"/>
+            </a:ext>
+          </a:extLst>
+        </p:cNvPr>
+        <p:cNvGrpSpPr/>
+        <p:nvPr/>
+      </p:nvGrpSpPr>
+      <p:grpSpPr>
+        <a:xfrm>
+          <a:off x="0" y="0"/>
+          <a:ext cx="0" cy="0"/>
+          <a:chOff x="0" y="0"/>
+          <a:chExt cx="0" cy="0"/>
+        </a:xfrm>
+      </p:grpSpPr>
+      <p:sp useBgFill="1">
+        <p:nvSpPr>
+          <p:cNvPr id="8" name="Rectangle 7">
+            <a:extLst>
+              <a:ext uri="{FF2B5EF4-FFF2-40B4-BE49-F238E27FC236}">
+                <a16:creationId xmlns:a16="http://schemas.microsoft.com/office/drawing/2014/main" id="{93F0A6FF-A869-40D9-2FCF-ED17F63CC959}"/>
+              </a:ext>
+              <a:ext uri="{C183D7F6-B498-43B3-948B-1728B52AA6E4}">
+                <adec:decorative xmlns:adec="http://schemas.microsoft.com/office/drawing/2017/decorative" val="1"/>
+              </a:ext>
+            </a:extLst>
+          </p:cNvPr>
+          <p:cNvSpPr>
+            <a:spLocks noGrp="1" noRot="1" noChangeAspect="1" noMove="1" noResize="1" noEditPoints="1" noAdjustHandles="1" noChangeArrowheads="1" noChangeShapeType="1" noTextEdit="1"/>
+          </p:cNvSpPr>
+          <p:nvPr>
+            <p:extLst>
+              <p:ext uri="{386F3935-93C4-4BCD-93E2-E3B085C9AB24}">
+                <p16:designElem xmlns:p16="http://schemas.microsoft.com/office/powerpoint/2015/main" val="1"/>
+              </p:ext>
+            </p:extLst>
+          </p:nvPr>
+        </p:nvSpPr>
+        <p:spPr>
+          <a:xfrm>
+            <a:off x="0" y="0"/>
+            <a:ext cx="12191999" cy="6857365"/>
+          </a:xfrm>
+          <a:prstGeom prst="rect">
+            <a:avLst/>
+          </a:prstGeom>
+          <a:ln>
+            <a:noFill/>
+          </a:ln>
+        </p:spPr>
+        <p:style>
+          <a:lnRef idx="2">
+            <a:schemeClr val="accent1">
+              <a:shade val="50000"/>
+            </a:schemeClr>
+          </a:lnRef>
+          <a:fillRef idx="1">
+            <a:schemeClr val="accent1"/>
+          </a:fillRef>
+          <a:effectRef idx="0">
+            <a:schemeClr val="accent1"/>
+          </a:effectRef>
+          <a:fontRef idx="minor">
+            <a:schemeClr val="lt1"/>
+          </a:fontRef>
+        </p:style>
+        <p:txBody>
+          <a:bodyPr rtlCol="0" anchor="ctr"/>
+          <a:lstStyle/>
+          <a:p>
+            <a:pPr algn="ctr"/>
+            <a:endParaRPr lang="en-US"/>
+          </a:p>
+        </p:txBody>
+      </p:sp>
+      <p:sp>
+        <p:nvSpPr>
+          <p:cNvPr id="2" name="Title 1">
+            <a:extLst>
+              <a:ext uri="{FF2B5EF4-FFF2-40B4-BE49-F238E27FC236}">
+                <a16:creationId xmlns:a16="http://schemas.microsoft.com/office/drawing/2014/main" id="{57D5EA82-5796-58B0-53A5-46F9D567D40F}"/>
+              </a:ext>
+            </a:extLst>
+          </p:cNvPr>
+          <p:cNvSpPr>
+            <a:spLocks noGrp="1"/>
+          </p:cNvSpPr>
+          <p:nvPr>
+            <p:ph type="title"/>
+          </p:nvPr>
+        </p:nvSpPr>
+        <p:spPr>
+          <a:xfrm>
+            <a:off x="808638" y="386930"/>
+            <a:ext cx="9236700" cy="1188950"/>
+          </a:xfrm>
+        </p:spPr>
+        <p:txBody>
+          <a:bodyPr anchor="b">
+            <a:normAutofit/>
+          </a:bodyPr>
+          <a:lstStyle/>
+          <a:p>
+            <a:r>
+              <a:rPr lang="en-PL" sz="5400" dirty="0"/>
+              <a:t>Obsługa ostrzeżeń</a:t>
+            </a:r>
+          </a:p>
+        </p:txBody>
+      </p:sp>
+      <p:grpSp>
+        <p:nvGrpSpPr>
+          <p:cNvPr id="10" name="Group 9">
+            <a:extLst>
+              <a:ext uri="{FF2B5EF4-FFF2-40B4-BE49-F238E27FC236}">
+                <a16:creationId xmlns:a16="http://schemas.microsoft.com/office/drawing/2014/main" id="{D67D7BBF-5990-6838-0672-4C593E141217}"/>
+              </a:ext>
+              <a:ext uri="{C183D7F6-B498-43B3-948B-1728B52AA6E4}">
+                <adec:decorative xmlns:adec="http://schemas.microsoft.com/office/drawing/2017/decorative" val="1"/>
+              </a:ext>
+            </a:extLst>
+          </p:cNvPr>
+          <p:cNvGrpSpPr>
+            <a:grpSpLocks noGrp="1" noUngrp="1" noRot="1" noChangeAspect="1" noMove="1" noResize="1"/>
+          </p:cNvGrpSpPr>
+          <p:nvPr>
+            <p:extLst>
+              <p:ext uri="{386F3935-93C4-4BCD-93E2-E3B085C9AB24}">
+                <p16:designElem xmlns:p16="http://schemas.microsoft.com/office/powerpoint/2015/main" val="1"/>
+              </p:ext>
+            </p:extLst>
+          </p:nvPr>
+        </p:nvGrpSpPr>
+        <p:grpSpPr>
+          <a:xfrm>
+            <a:off x="-2" y="1998368"/>
+            <a:ext cx="11695083" cy="782176"/>
+            <a:chOff x="-2" y="1998368"/>
+            <a:chExt cx="11695083" cy="782176"/>
+          </a:xfrm>
+        </p:grpSpPr>
+        <p:sp>
+          <p:nvSpPr>
+            <p:cNvPr id="11" name="Rectangle 10">
+              <a:extLst>
+                <a:ext uri="{FF2B5EF4-FFF2-40B4-BE49-F238E27FC236}">
+                  <a16:creationId xmlns:a16="http://schemas.microsoft.com/office/drawing/2014/main" id="{05C15F16-8862-C9D9-8F42-3F7A2C4FDF2A}"/>
+                </a:ext>
+                <a:ext uri="{C183D7F6-B498-43B3-948B-1728B52AA6E4}">
+                  <adec:decorative xmlns:adec="http://schemas.microsoft.com/office/drawing/2017/decorative" val="1"/>
+                </a:ext>
+              </a:extLst>
+            </p:cNvPr>
+            <p:cNvSpPr/>
+            <p:nvPr>
+              <p:extLst>
+                <p:ext uri="{386F3935-93C4-4BCD-93E2-E3B085C9AB24}">
+                  <p16:designElem xmlns:p16="http://schemas.microsoft.com/office/powerpoint/2015/main" val="1"/>
+                </p:ext>
+              </p:extLst>
+            </p:nvPr>
+          </p:nvSpPr>
+          <p:spPr>
+            <a:xfrm rot="5400000">
+              <a:off x="11228040" y="2313027"/>
+              <a:ext cx="781700" cy="152382"/>
+            </a:xfrm>
+            <a:prstGeom prst="rect">
+              <a:avLst/>
+            </a:prstGeom>
+            <a:solidFill>
+              <a:schemeClr val="accent4"/>
+            </a:solidFill>
+            <a:ln>
+              <a:noFill/>
+            </a:ln>
+          </p:spPr>
+          <p:style>
+            <a:lnRef idx="2">
+              <a:schemeClr val="accent1">
+                <a:shade val="50000"/>
+              </a:schemeClr>
+            </a:lnRef>
+            <a:fillRef idx="1">
+              <a:schemeClr val="accent1"/>
+            </a:fillRef>
+            <a:effectRef idx="0">
+              <a:schemeClr val="accent1"/>
+            </a:effectRef>
+            <a:fontRef idx="minor">
+              <a:schemeClr val="lt1"/>
+            </a:fontRef>
+          </p:style>
+          <p:txBody>
+            <a:bodyPr rtlCol="0" anchor="ctr"/>
+            <a:lstStyle/>
+            <a:p>
+              <a:pPr algn="ctr"/>
+              <a:endParaRPr lang="en-US"/>
+            </a:p>
+          </p:txBody>
+        </p:sp>
+        <p:sp>
+          <p:nvSpPr>
+            <p:cNvPr id="12" name="Rectangle 11">
+              <a:extLst>
+                <a:ext uri="{FF2B5EF4-FFF2-40B4-BE49-F238E27FC236}">
+                  <a16:creationId xmlns:a16="http://schemas.microsoft.com/office/drawing/2014/main" id="{B80ED2A0-D69B-05FD-70AE-A75F4C77FDF2}"/>
+                </a:ext>
+                <a:ext uri="{C183D7F6-B498-43B3-948B-1728B52AA6E4}">
+                  <adec:decorative xmlns:adec="http://schemas.microsoft.com/office/drawing/2017/decorative" val="1"/>
+                </a:ext>
+              </a:extLst>
+            </p:cNvPr>
+            <p:cNvSpPr/>
+            <p:nvPr>
+              <p:extLst>
+                <p:ext uri="{386F3935-93C4-4BCD-93E2-E3B085C9AB24}">
+                  <p16:designElem xmlns:p16="http://schemas.microsoft.com/office/powerpoint/2015/main" val="1"/>
+                </p:ext>
+              </p:extLst>
+            </p:nvPr>
+          </p:nvSpPr>
+          <p:spPr>
+            <a:xfrm flipH="1" flipV="1">
+              <a:off x="-2" y="1998845"/>
+              <a:ext cx="11454595" cy="781699"/>
+            </a:xfrm>
+            <a:prstGeom prst="rect">
+              <a:avLst/>
+            </a:prstGeom>
+            <a:solidFill>
+              <a:schemeClr val="accent4"/>
+            </a:solidFill>
+            <a:ln>
+              <a:noFill/>
+            </a:ln>
+          </p:spPr>
+          <p:style>
+            <a:lnRef idx="2">
+              <a:schemeClr val="accent1">
+                <a:shade val="50000"/>
+              </a:schemeClr>
+            </a:lnRef>
+            <a:fillRef idx="1">
+              <a:schemeClr val="accent1"/>
+            </a:fillRef>
+            <a:effectRef idx="0">
+              <a:schemeClr val="accent1"/>
+            </a:effectRef>
+            <a:fontRef idx="minor">
+              <a:schemeClr val="lt1"/>
+            </a:fontRef>
+          </p:style>
+          <p:txBody>
+            <a:bodyPr rtlCol="0" anchor="ctr"/>
+            <a:lstStyle/>
+            <a:p>
+              <a:pPr algn="ctr"/>
+              <a:endParaRPr lang="en-US"/>
+            </a:p>
+          </p:txBody>
+        </p:sp>
+      </p:grpSp>
+      <p:sp>
+        <p:nvSpPr>
+          <p:cNvPr id="14" name="Rectangle 13">
+            <a:extLst>
+              <a:ext uri="{FF2B5EF4-FFF2-40B4-BE49-F238E27FC236}">
+                <a16:creationId xmlns:a16="http://schemas.microsoft.com/office/drawing/2014/main" id="{1456BD60-B0FA-AA51-7961-152DF1AF896E}"/>
+              </a:ext>
+              <a:ext uri="{C183D7F6-B498-43B3-948B-1728B52AA6E4}">
+                <adec:decorative xmlns:adec="http://schemas.microsoft.com/office/drawing/2017/decorative" val="1"/>
+              </a:ext>
+            </a:extLst>
+          </p:cNvPr>
+          <p:cNvSpPr>
+            <a:spLocks noGrp="1" noRot="1" noChangeAspect="1" noMove="1" noResize="1" noEditPoints="1" noAdjustHandles="1" noChangeArrowheads="1" noChangeShapeType="1" noTextEdit="1"/>
+          </p:cNvSpPr>
+          <p:nvPr>
+            <p:extLst>
+              <p:ext uri="{386F3935-93C4-4BCD-93E2-E3B085C9AB24}">
+                <p16:designElem xmlns:p16="http://schemas.microsoft.com/office/powerpoint/2015/main" val="1"/>
+              </p:ext>
+            </p:extLst>
+          </p:nvPr>
+        </p:nvSpPr>
+        <p:spPr>
+          <a:xfrm>
+            <a:off x="0" y="2203079"/>
+            <a:ext cx="11383362" cy="4147845"/>
+          </a:xfrm>
+          <a:prstGeom prst="rect">
+            <a:avLst/>
+          </a:prstGeom>
+          <a:solidFill>
+            <a:schemeClr val="bg1"/>
+          </a:solidFill>
+          <a:ln>
+            <a:noFill/>
+          </a:ln>
+          <a:effectLst>
+            <a:outerShdw blurRad="139700" dist="127000" dir="5400000" algn="t" rotWithShape="0">
+              <a:prstClr val="black">
+                <a:alpha val="15000"/>
+              </a:prstClr>
+            </a:outerShdw>
+          </a:effectLst>
+        </p:spPr>
+        <p:style>
+          <a:lnRef idx="2">
+            <a:schemeClr val="accent1">
+              <a:shade val="50000"/>
+            </a:schemeClr>
+          </a:lnRef>
+          <a:fillRef idx="1">
+            <a:schemeClr val="accent1"/>
+          </a:fillRef>
+          <a:effectRef idx="0">
+            <a:schemeClr val="accent1"/>
+          </a:effectRef>
+          <a:fontRef idx="minor">
+            <a:schemeClr val="lt1"/>
+          </a:fontRef>
+        </p:style>
+        <p:txBody>
+          <a:bodyPr rtlCol="0" anchor="ctr"/>
+          <a:lstStyle/>
+          <a:p>
+            <a:pPr algn="ctr"/>
+            <a:endParaRPr lang="en-US"/>
+          </a:p>
+        </p:txBody>
+      </p:sp>
+      <p:sp>
+        <p:nvSpPr>
+          <p:cNvPr id="3" name="Content Placeholder 2">
+            <a:extLst>
+              <a:ext uri="{FF2B5EF4-FFF2-40B4-BE49-F238E27FC236}">
+                <a16:creationId xmlns:a16="http://schemas.microsoft.com/office/drawing/2014/main" id="{366079A2-F742-E814-5F84-17861EA745B1}"/>
+              </a:ext>
+            </a:extLst>
+          </p:cNvPr>
+          <p:cNvSpPr>
+            <a:spLocks noGrp="1"/>
+          </p:cNvSpPr>
+          <p:nvPr>
+            <p:ph idx="1"/>
+          </p:nvPr>
+        </p:nvSpPr>
+        <p:spPr>
+          <a:xfrm>
+            <a:off x="793660" y="2599509"/>
+            <a:ext cx="10143668" cy="3435531"/>
+          </a:xfrm>
+        </p:spPr>
+        <p:txBody>
+          <a:bodyPr anchor="ctr">
+            <a:normAutofit lnSpcReduction="10000"/>
+          </a:bodyPr>
+          <a:lstStyle/>
+          <a:p>
+            <a:r>
+              <a:rPr lang="pl-PL" sz="2400" dirty="0"/>
+              <a:t>Ostrzeżenia w </a:t>
+            </a:r>
+            <a:r>
+              <a:rPr lang="pl-PL" sz="2400" dirty="0" err="1"/>
+              <a:t>Pythonie</a:t>
+            </a:r>
+            <a:r>
+              <a:rPr lang="pl-PL" sz="2400" dirty="0"/>
+              <a:t> służą do sygnalizowania sytuacji niebędących krytycznymi błędami, ale wartych uwagi. W odróżnieniu od wyjątku, ostrzeżenie nie przerywa wykonania programu – wyświetla jedynie informację dla programisty/użytkownika</a:t>
+            </a:r>
+          </a:p>
+          <a:p>
+            <a:r>
+              <a:rPr lang="pl-PL" sz="2400" dirty="0"/>
+              <a:t>Obsługa ostrzeżeń: Domyślnie </a:t>
+            </a:r>
+            <a:r>
+              <a:rPr lang="pl-PL" sz="2400" dirty="0" err="1"/>
+              <a:t>Python</a:t>
+            </a:r>
+            <a:r>
+              <a:rPr lang="pl-PL" sz="2400" dirty="0"/>
+              <a:t> pokaże ostrzeżenie na standardowym wyjściu (raz dla danego miejsca w kodzie). </a:t>
+            </a:r>
+            <a:br>
+              <a:rPr lang="pl-PL" sz="2400" dirty="0"/>
+            </a:br>
+            <a:r>
+              <a:rPr lang="pl-PL" sz="2400" dirty="0"/>
+              <a:t>Można zmienić zachowanie – np. wyciszyć nieistotne ostrzeżenia, używając </a:t>
+            </a:r>
+            <a:r>
+              <a:rPr lang="pl-PL" sz="2400" i="1" dirty="0" err="1"/>
+              <a:t>warnings.filterwarnings</a:t>
+            </a:r>
+            <a:r>
+              <a:rPr lang="pl-PL" sz="2400" i="1" dirty="0"/>
+              <a:t>("</a:t>
+            </a:r>
+            <a:r>
+              <a:rPr lang="pl-PL" sz="2400" i="1" dirty="0" err="1"/>
+              <a:t>ignore</a:t>
+            </a:r>
+            <a:r>
+              <a:rPr lang="pl-PL" sz="2400" i="1" dirty="0"/>
+              <a:t>", </a:t>
+            </a:r>
+            <a:r>
+              <a:rPr lang="pl-PL" sz="2400" i="1" dirty="0" err="1"/>
+              <a:t>category</a:t>
+            </a:r>
+            <a:r>
+              <a:rPr lang="pl-PL" sz="2400" i="1" dirty="0"/>
+              <a:t>=</a:t>
+            </a:r>
+            <a:r>
+              <a:rPr lang="pl-PL" sz="2400" i="1" dirty="0" err="1"/>
+              <a:t>UserWarning</a:t>
+            </a:r>
+            <a:r>
+              <a:rPr lang="pl-PL" sz="2400" i="1" dirty="0"/>
+              <a:t>)</a:t>
+            </a:r>
+          </a:p>
+          <a:p>
+            <a:r>
+              <a:rPr lang="pl-PL" sz="2400" i="1" dirty="0"/>
+              <a:t>Kategorie ostrzeżeń: m.in. </a:t>
+            </a:r>
+            <a:r>
+              <a:rPr lang="en-GB" sz="2400" b="0" i="0" u="none" strike="noStrike" dirty="0">
+                <a:solidFill>
+                  <a:srgbClr val="0D0D0D"/>
+                </a:solidFill>
+                <a:effectLst/>
+                <a:latin typeface="ui-monospace"/>
+              </a:rPr>
+              <a:t>Warning, </a:t>
+            </a:r>
+            <a:r>
+              <a:rPr lang="en-GB" sz="2400" b="0" i="0" u="none" strike="noStrike" dirty="0" err="1">
+                <a:solidFill>
+                  <a:srgbClr val="0D0D0D"/>
+                </a:solidFill>
+                <a:effectLst/>
+                <a:latin typeface="ui-monospace"/>
+              </a:rPr>
+              <a:t>SyntaxWarning</a:t>
+            </a:r>
+            <a:r>
+              <a:rPr lang="en-GB" sz="2400" b="0" i="0" u="none" strike="noStrike" dirty="0">
+                <a:solidFill>
+                  <a:srgbClr val="0D0D0D"/>
+                </a:solidFill>
+                <a:effectLst/>
+                <a:latin typeface="ui-monospace"/>
+              </a:rPr>
+              <a:t>, </a:t>
+            </a:r>
+            <a:r>
+              <a:rPr lang="en-GB" sz="2400" b="0" i="0" u="none" strike="noStrike" dirty="0" err="1">
+                <a:solidFill>
+                  <a:srgbClr val="0D0D0D"/>
+                </a:solidFill>
+                <a:effectLst/>
+                <a:latin typeface="ui-monospace"/>
+              </a:rPr>
+              <a:t>ResourceWarning</a:t>
+            </a:r>
+            <a:r>
+              <a:rPr lang="en-GB" sz="2400" b="0" i="0" u="none" strike="noStrike" dirty="0">
+                <a:solidFill>
+                  <a:srgbClr val="0D0D0D"/>
+                </a:solidFill>
+                <a:effectLst/>
+                <a:latin typeface="ui-monospace"/>
+              </a:rPr>
+              <a:t>, </a:t>
+            </a:r>
+            <a:r>
+              <a:rPr lang="en-GB" sz="2400" b="0" i="0" u="none" strike="noStrike" dirty="0" err="1">
+                <a:solidFill>
+                  <a:srgbClr val="0D0D0D"/>
+                </a:solidFill>
+                <a:effectLst/>
+                <a:latin typeface="ui-monospace"/>
+              </a:rPr>
+              <a:t>DeprecationWarning</a:t>
+            </a:r>
+            <a:endParaRPr lang="pl-PL" sz="2400" i="1" dirty="0"/>
+          </a:p>
+        </p:txBody>
+      </p:sp>
+    </p:spTree>
+    <p:extLst>
+      <p:ext uri="{BB962C8B-B14F-4D97-AF65-F5344CB8AC3E}">
+        <p14:creationId xmlns:p14="http://schemas.microsoft.com/office/powerpoint/2010/main" val="1793395373"/>
+      </p:ext>
+    </p:extLst>
+  </p:cSld>
+  <p:clrMapOvr>
+    <a:masterClrMapping/>
+  </p:clrMapOvr>
+</p:sld>
+</file>
+
+<file path=ppt/slides/slide12.xml><?xml version="1.0" encoding="utf-8"?>
 <p:sld xmlns:a="http://schemas.openxmlformats.org/drawingml/2006/main" xmlns:r="http://schemas.openxmlformats.org/officeDocument/2006/relationships" xmlns:p="http://schemas.openxmlformats.org/presentationml/2006/main">
   <p:cSld>
     <p:spTree>
@@ -4249,9 +5180,514 @@
 </p:sld>
 </file>
 
-<file path=ppt/slides/slide12.xml><?xml version="1.0" encoding="utf-8"?>
+<file path=ppt/slides/slide13.xml><?xml version="1.0" encoding="utf-8"?>
 <p:sld xmlns:a="http://schemas.openxmlformats.org/drawingml/2006/main" xmlns:r="http://schemas.openxmlformats.org/officeDocument/2006/relationships" xmlns:p="http://schemas.openxmlformats.org/presentationml/2006/main">
   <p:cSld>
+    <p:bg>
+      <p:bgPr>
+        <a:solidFill>
+          <a:schemeClr val="bg1"/>
+        </a:solidFill>
+        <a:effectLst/>
+      </p:bgPr>
+    </p:bg>
+    <p:spTree>
+      <p:nvGrpSpPr>
+        <p:cNvPr id="1" name="">
+          <a:extLst>
+            <a:ext uri="{FF2B5EF4-FFF2-40B4-BE49-F238E27FC236}">
+              <a16:creationId xmlns:a16="http://schemas.microsoft.com/office/drawing/2014/main" id="{A439A629-AD78-A034-28C8-F87CB61D3807}"/>
+            </a:ext>
+          </a:extLst>
+        </p:cNvPr>
+        <p:cNvGrpSpPr/>
+        <p:nvPr/>
+      </p:nvGrpSpPr>
+      <p:grpSpPr>
+        <a:xfrm>
+          <a:off x="0" y="0"/>
+          <a:ext cx="0" cy="0"/>
+          <a:chOff x="0" y="0"/>
+          <a:chExt cx="0" cy="0"/>
+        </a:xfrm>
+      </p:grpSpPr>
+      <p:sp useBgFill="1">
+        <p:nvSpPr>
+          <p:cNvPr id="8" name="Rectangle 7">
+            <a:extLst>
+              <a:ext uri="{FF2B5EF4-FFF2-40B4-BE49-F238E27FC236}">
+                <a16:creationId xmlns:a16="http://schemas.microsoft.com/office/drawing/2014/main" id="{5E52C04B-10F8-20C7-3E18-E69ACE49FFE6}"/>
+              </a:ext>
+              <a:ext uri="{C183D7F6-B498-43B3-948B-1728B52AA6E4}">
+                <adec:decorative xmlns:adec="http://schemas.microsoft.com/office/drawing/2017/decorative" val="1"/>
+              </a:ext>
+            </a:extLst>
+          </p:cNvPr>
+          <p:cNvSpPr>
+            <a:spLocks noGrp="1" noRot="1" noChangeAspect="1" noMove="1" noResize="1" noEditPoints="1" noAdjustHandles="1" noChangeArrowheads="1" noChangeShapeType="1" noTextEdit="1"/>
+          </p:cNvSpPr>
+          <p:nvPr>
+            <p:extLst>
+              <p:ext uri="{386F3935-93C4-4BCD-93E2-E3B085C9AB24}">
+                <p16:designElem xmlns:p16="http://schemas.microsoft.com/office/powerpoint/2015/main" val="1"/>
+              </p:ext>
+            </p:extLst>
+          </p:nvPr>
+        </p:nvSpPr>
+        <p:spPr>
+          <a:xfrm>
+            <a:off x="0" y="0"/>
+            <a:ext cx="12191999" cy="6857365"/>
+          </a:xfrm>
+          <a:prstGeom prst="rect">
+            <a:avLst/>
+          </a:prstGeom>
+          <a:ln>
+            <a:noFill/>
+          </a:ln>
+        </p:spPr>
+        <p:style>
+          <a:lnRef idx="2">
+            <a:schemeClr val="accent1">
+              <a:shade val="50000"/>
+            </a:schemeClr>
+          </a:lnRef>
+          <a:fillRef idx="1">
+            <a:schemeClr val="accent1"/>
+          </a:fillRef>
+          <a:effectRef idx="0">
+            <a:schemeClr val="accent1"/>
+          </a:effectRef>
+          <a:fontRef idx="minor">
+            <a:schemeClr val="lt1"/>
+          </a:fontRef>
+        </p:style>
+        <p:txBody>
+          <a:bodyPr rtlCol="0" anchor="ctr"/>
+          <a:lstStyle/>
+          <a:p>
+            <a:pPr algn="ctr"/>
+            <a:endParaRPr lang="en-US"/>
+          </a:p>
+        </p:txBody>
+      </p:sp>
+      <p:sp>
+        <p:nvSpPr>
+          <p:cNvPr id="2" name="Title 1">
+            <a:extLst>
+              <a:ext uri="{FF2B5EF4-FFF2-40B4-BE49-F238E27FC236}">
+                <a16:creationId xmlns:a16="http://schemas.microsoft.com/office/drawing/2014/main" id="{2F0248E6-53E4-07B3-9B7C-E63D68FF8A42}"/>
+              </a:ext>
+            </a:extLst>
+          </p:cNvPr>
+          <p:cNvSpPr>
+            <a:spLocks noGrp="1"/>
+          </p:cNvSpPr>
+          <p:nvPr>
+            <p:ph type="title"/>
+          </p:nvPr>
+        </p:nvSpPr>
+        <p:spPr>
+          <a:xfrm>
+            <a:off x="808638" y="386930"/>
+            <a:ext cx="9236700" cy="1188950"/>
+          </a:xfrm>
+        </p:spPr>
+        <p:txBody>
+          <a:bodyPr anchor="b">
+            <a:normAutofit fontScale="90000"/>
+          </a:bodyPr>
+          <a:lstStyle/>
+          <a:p>
+            <a:r>
+              <a:rPr lang="en-PL" sz="5400" dirty="0"/>
+              <a:t>Debugowanie – pdb (Python Debugger)</a:t>
+            </a:r>
+          </a:p>
+        </p:txBody>
+      </p:sp>
+      <p:grpSp>
+        <p:nvGrpSpPr>
+          <p:cNvPr id="10" name="Group 9">
+            <a:extLst>
+              <a:ext uri="{FF2B5EF4-FFF2-40B4-BE49-F238E27FC236}">
+                <a16:creationId xmlns:a16="http://schemas.microsoft.com/office/drawing/2014/main" id="{49D3C1BA-8E21-6393-36B2-EF55C7B64804}"/>
+              </a:ext>
+              <a:ext uri="{C183D7F6-B498-43B3-948B-1728B52AA6E4}">
+                <adec:decorative xmlns:adec="http://schemas.microsoft.com/office/drawing/2017/decorative" val="1"/>
+              </a:ext>
+            </a:extLst>
+          </p:cNvPr>
+          <p:cNvGrpSpPr>
+            <a:grpSpLocks noGrp="1" noUngrp="1" noRot="1" noChangeAspect="1" noMove="1" noResize="1"/>
+          </p:cNvGrpSpPr>
+          <p:nvPr>
+            <p:extLst>
+              <p:ext uri="{386F3935-93C4-4BCD-93E2-E3B085C9AB24}">
+                <p16:designElem xmlns:p16="http://schemas.microsoft.com/office/powerpoint/2015/main" val="1"/>
+              </p:ext>
+            </p:extLst>
+          </p:nvPr>
+        </p:nvGrpSpPr>
+        <p:grpSpPr>
+          <a:xfrm>
+            <a:off x="-2" y="1998368"/>
+            <a:ext cx="11695083" cy="782176"/>
+            <a:chOff x="-2" y="1998368"/>
+            <a:chExt cx="11695083" cy="782176"/>
+          </a:xfrm>
+        </p:grpSpPr>
+        <p:sp>
+          <p:nvSpPr>
+            <p:cNvPr id="11" name="Rectangle 10">
+              <a:extLst>
+                <a:ext uri="{FF2B5EF4-FFF2-40B4-BE49-F238E27FC236}">
+                  <a16:creationId xmlns:a16="http://schemas.microsoft.com/office/drawing/2014/main" id="{760871A4-0FFE-6337-ADD6-579375A2B200}"/>
+                </a:ext>
+                <a:ext uri="{C183D7F6-B498-43B3-948B-1728B52AA6E4}">
+                  <adec:decorative xmlns:adec="http://schemas.microsoft.com/office/drawing/2017/decorative" val="1"/>
+                </a:ext>
+              </a:extLst>
+            </p:cNvPr>
+            <p:cNvSpPr/>
+            <p:nvPr>
+              <p:extLst>
+                <p:ext uri="{386F3935-93C4-4BCD-93E2-E3B085C9AB24}">
+                  <p16:designElem xmlns:p16="http://schemas.microsoft.com/office/powerpoint/2015/main" val="1"/>
+                </p:ext>
+              </p:extLst>
+            </p:nvPr>
+          </p:nvSpPr>
+          <p:spPr>
+            <a:xfrm rot="5400000">
+              <a:off x="11228040" y="2313027"/>
+              <a:ext cx="781700" cy="152382"/>
+            </a:xfrm>
+            <a:prstGeom prst="rect">
+              <a:avLst/>
+            </a:prstGeom>
+            <a:solidFill>
+              <a:schemeClr val="accent4"/>
+            </a:solidFill>
+            <a:ln>
+              <a:noFill/>
+            </a:ln>
+          </p:spPr>
+          <p:style>
+            <a:lnRef idx="2">
+              <a:schemeClr val="accent1">
+                <a:shade val="50000"/>
+              </a:schemeClr>
+            </a:lnRef>
+            <a:fillRef idx="1">
+              <a:schemeClr val="accent1"/>
+            </a:fillRef>
+            <a:effectRef idx="0">
+              <a:schemeClr val="accent1"/>
+            </a:effectRef>
+            <a:fontRef idx="minor">
+              <a:schemeClr val="lt1"/>
+            </a:fontRef>
+          </p:style>
+          <p:txBody>
+            <a:bodyPr rtlCol="0" anchor="ctr"/>
+            <a:lstStyle/>
+            <a:p>
+              <a:pPr algn="ctr"/>
+              <a:endParaRPr lang="en-US"/>
+            </a:p>
+          </p:txBody>
+        </p:sp>
+        <p:sp>
+          <p:nvSpPr>
+            <p:cNvPr id="12" name="Rectangle 11">
+              <a:extLst>
+                <a:ext uri="{FF2B5EF4-FFF2-40B4-BE49-F238E27FC236}">
+                  <a16:creationId xmlns:a16="http://schemas.microsoft.com/office/drawing/2014/main" id="{E689A79A-FD6C-469E-2EC4-9996109A67F8}"/>
+                </a:ext>
+                <a:ext uri="{C183D7F6-B498-43B3-948B-1728B52AA6E4}">
+                  <adec:decorative xmlns:adec="http://schemas.microsoft.com/office/drawing/2017/decorative" val="1"/>
+                </a:ext>
+              </a:extLst>
+            </p:cNvPr>
+            <p:cNvSpPr/>
+            <p:nvPr>
+              <p:extLst>
+                <p:ext uri="{386F3935-93C4-4BCD-93E2-E3B085C9AB24}">
+                  <p16:designElem xmlns:p16="http://schemas.microsoft.com/office/powerpoint/2015/main" val="1"/>
+                </p:ext>
+              </p:extLst>
+            </p:nvPr>
+          </p:nvSpPr>
+          <p:spPr>
+            <a:xfrm flipH="1" flipV="1">
+              <a:off x="-2" y="1998845"/>
+              <a:ext cx="11454595" cy="781699"/>
+            </a:xfrm>
+            <a:prstGeom prst="rect">
+              <a:avLst/>
+            </a:prstGeom>
+            <a:solidFill>
+              <a:schemeClr val="accent4"/>
+            </a:solidFill>
+            <a:ln>
+              <a:noFill/>
+            </a:ln>
+          </p:spPr>
+          <p:style>
+            <a:lnRef idx="2">
+              <a:schemeClr val="accent1">
+                <a:shade val="50000"/>
+              </a:schemeClr>
+            </a:lnRef>
+            <a:fillRef idx="1">
+              <a:schemeClr val="accent1"/>
+            </a:fillRef>
+            <a:effectRef idx="0">
+              <a:schemeClr val="accent1"/>
+            </a:effectRef>
+            <a:fontRef idx="minor">
+              <a:schemeClr val="lt1"/>
+            </a:fontRef>
+          </p:style>
+          <p:txBody>
+            <a:bodyPr rtlCol="0" anchor="ctr"/>
+            <a:lstStyle/>
+            <a:p>
+              <a:pPr algn="ctr"/>
+              <a:endParaRPr lang="en-US"/>
+            </a:p>
+          </p:txBody>
+        </p:sp>
+      </p:grpSp>
+      <p:sp>
+        <p:nvSpPr>
+          <p:cNvPr id="14" name="Rectangle 13">
+            <a:extLst>
+              <a:ext uri="{FF2B5EF4-FFF2-40B4-BE49-F238E27FC236}">
+                <a16:creationId xmlns:a16="http://schemas.microsoft.com/office/drawing/2014/main" id="{0BAFFECA-A8F2-F2AD-482E-238EE4D1F046}"/>
+              </a:ext>
+              <a:ext uri="{C183D7F6-B498-43B3-948B-1728B52AA6E4}">
+                <adec:decorative xmlns:adec="http://schemas.microsoft.com/office/drawing/2017/decorative" val="1"/>
+              </a:ext>
+            </a:extLst>
+          </p:cNvPr>
+          <p:cNvSpPr>
+            <a:spLocks noGrp="1" noRot="1" noChangeAspect="1" noMove="1" noResize="1" noEditPoints="1" noAdjustHandles="1" noChangeArrowheads="1" noChangeShapeType="1" noTextEdit="1"/>
+          </p:cNvSpPr>
+          <p:nvPr>
+            <p:extLst>
+              <p:ext uri="{386F3935-93C4-4BCD-93E2-E3B085C9AB24}">
+                <p16:designElem xmlns:p16="http://schemas.microsoft.com/office/powerpoint/2015/main" val="1"/>
+              </p:ext>
+            </p:extLst>
+          </p:nvPr>
+        </p:nvSpPr>
+        <p:spPr>
+          <a:xfrm>
+            <a:off x="0" y="2203079"/>
+            <a:ext cx="11383362" cy="4147845"/>
+          </a:xfrm>
+          <a:prstGeom prst="rect">
+            <a:avLst/>
+          </a:prstGeom>
+          <a:solidFill>
+            <a:schemeClr val="bg1"/>
+          </a:solidFill>
+          <a:ln>
+            <a:noFill/>
+          </a:ln>
+          <a:effectLst>
+            <a:outerShdw blurRad="139700" dist="127000" dir="5400000" algn="t" rotWithShape="0">
+              <a:prstClr val="black">
+                <a:alpha val="15000"/>
+              </a:prstClr>
+            </a:outerShdw>
+          </a:effectLst>
+        </p:spPr>
+        <p:style>
+          <a:lnRef idx="2">
+            <a:schemeClr val="accent1">
+              <a:shade val="50000"/>
+            </a:schemeClr>
+          </a:lnRef>
+          <a:fillRef idx="1">
+            <a:schemeClr val="accent1"/>
+          </a:fillRef>
+          <a:effectRef idx="0">
+            <a:schemeClr val="accent1"/>
+          </a:effectRef>
+          <a:fontRef idx="minor">
+            <a:schemeClr val="lt1"/>
+          </a:fontRef>
+        </p:style>
+        <p:txBody>
+          <a:bodyPr rtlCol="0" anchor="ctr"/>
+          <a:lstStyle/>
+          <a:p>
+            <a:pPr algn="ctr"/>
+            <a:endParaRPr lang="en-US"/>
+          </a:p>
+        </p:txBody>
+      </p:sp>
+      <p:sp>
+        <p:nvSpPr>
+          <p:cNvPr id="3" name="Content Placeholder 2">
+            <a:extLst>
+              <a:ext uri="{FF2B5EF4-FFF2-40B4-BE49-F238E27FC236}">
+                <a16:creationId xmlns:a16="http://schemas.microsoft.com/office/drawing/2014/main" id="{49851F2A-E766-AC25-E91A-EA0409C296A9}"/>
+              </a:ext>
+            </a:extLst>
+          </p:cNvPr>
+          <p:cNvSpPr>
+            <a:spLocks noGrp="1"/>
+          </p:cNvSpPr>
+          <p:nvPr>
+            <p:ph idx="1"/>
+          </p:nvPr>
+        </p:nvSpPr>
+        <p:spPr>
+          <a:xfrm>
+            <a:off x="793660" y="2599509"/>
+            <a:ext cx="10143668" cy="3435531"/>
+          </a:xfrm>
+        </p:spPr>
+        <p:txBody>
+          <a:bodyPr anchor="ctr">
+            <a:normAutofit/>
+          </a:bodyPr>
+          <a:lstStyle/>
+          <a:p>
+            <a:r>
+              <a:rPr lang="pl-PL" dirty="0" err="1"/>
+              <a:t>pdb</a:t>
+            </a:r>
+            <a:r>
+              <a:rPr lang="pl-PL" dirty="0"/>
+              <a:t> – wbudowany </a:t>
+            </a:r>
+            <a:r>
+              <a:rPr lang="pl-PL" dirty="0" err="1"/>
+              <a:t>debugger</a:t>
+            </a:r>
+            <a:r>
+              <a:rPr lang="pl-PL" dirty="0"/>
+              <a:t>, który który pozwala uruchamiać kod krok po kroku, ustawiać </a:t>
+            </a:r>
+            <a:r>
+              <a:rPr lang="pl-PL" dirty="0" err="1"/>
+              <a:t>breakpoints</a:t>
+            </a:r>
+            <a:r>
+              <a:rPr lang="pl-PL" dirty="0"/>
+              <a:t>, podejrzeć wartości zmiennych i wykonywać polecenia w trakcie zatrzymania programu</a:t>
+            </a:r>
+          </a:p>
+          <a:p>
+            <a:r>
+              <a:rPr lang="pl-PL" dirty="0"/>
+              <a:t>Sposób użycia</a:t>
+            </a:r>
+          </a:p>
+          <a:p>
+            <a:pPr lvl="1"/>
+            <a:r>
+              <a:rPr lang="en-GB" b="0" i="0" u="none" strike="noStrike" dirty="0">
+                <a:solidFill>
+                  <a:srgbClr val="0D0D0D"/>
+                </a:solidFill>
+                <a:effectLst/>
+                <a:latin typeface="ui-monospace"/>
+              </a:rPr>
+              <a:t>python3 -m </a:t>
+            </a:r>
+            <a:r>
+              <a:rPr lang="en-GB" b="0" i="0" u="none" strike="noStrike" dirty="0" err="1">
+                <a:solidFill>
+                  <a:srgbClr val="0D0D0D"/>
+                </a:solidFill>
+                <a:effectLst/>
+                <a:latin typeface="ui-monospace"/>
+              </a:rPr>
+              <a:t>pdb</a:t>
+            </a:r>
+            <a:r>
+              <a:rPr lang="en-GB" b="0" i="0" u="none" strike="noStrike" dirty="0">
+                <a:solidFill>
+                  <a:srgbClr val="0D0D0D"/>
+                </a:solidFill>
+                <a:effectLst/>
+                <a:latin typeface="ui-monospace"/>
+              </a:rPr>
+              <a:t> </a:t>
+            </a:r>
+            <a:r>
+              <a:rPr lang="en-GB" b="0" i="0" u="none" strike="noStrike" dirty="0" err="1">
+                <a:solidFill>
+                  <a:srgbClr val="0D0D0D"/>
+                </a:solidFill>
+                <a:effectLst/>
+                <a:latin typeface="ui-monospace"/>
+              </a:rPr>
+              <a:t>nazwa_skryptu.py</a:t>
+            </a:r>
+            <a:endParaRPr lang="en-GB" b="0" i="0" u="none" strike="noStrike" dirty="0">
+              <a:solidFill>
+                <a:srgbClr val="0D0D0D"/>
+              </a:solidFill>
+              <a:effectLst/>
+              <a:latin typeface="ui-monospace"/>
+            </a:endParaRPr>
+          </a:p>
+          <a:p>
+            <a:pPr lvl="1"/>
+            <a:r>
+              <a:rPr lang="pl-PL" dirty="0"/>
+              <a:t>import </a:t>
+            </a:r>
+            <a:r>
+              <a:rPr lang="pl-PL" dirty="0" err="1"/>
+              <a:t>pdb</a:t>
+            </a:r>
+            <a:r>
+              <a:rPr lang="pl-PL" dirty="0"/>
+              <a:t>; </a:t>
+            </a:r>
+            <a:r>
+              <a:rPr lang="pl-PL" dirty="0" err="1"/>
+              <a:t>pdb.set_trace</a:t>
+            </a:r>
+            <a:r>
+              <a:rPr lang="pl-PL" dirty="0"/>
+              <a:t>()</a:t>
+            </a:r>
+          </a:p>
+        </p:txBody>
+      </p:sp>
+    </p:spTree>
+    <p:extLst>
+      <p:ext uri="{BB962C8B-B14F-4D97-AF65-F5344CB8AC3E}">
+        <p14:creationId xmlns:p14="http://schemas.microsoft.com/office/powerpoint/2010/main" val="4290576765"/>
+      </p:ext>
+    </p:extLst>
+  </p:cSld>
+  <p:clrMapOvr>
+    <a:masterClrMapping/>
+  </p:clrMapOvr>
+</p:sld>
+</file>
+
+<file path=ppt/slides/slide2.xml><?xml version="1.0" encoding="utf-8"?>
+<p:sld xmlns:a="http://schemas.openxmlformats.org/drawingml/2006/main" xmlns:r="http://schemas.openxmlformats.org/officeDocument/2006/relationships" xmlns:p="http://schemas.openxmlformats.org/presentationml/2006/main">
+  <p:cSld>
+    <p:bg>
+      <p:bgPr>
+        <a:solidFill>
+          <a:schemeClr val="bg1"/>
+        </a:solidFill>
+        <a:effectLst/>
+      </p:bgPr>
+    </p:bg>
     <p:spTree>
       <p:nvGrpSpPr>
         <p:cNvPr id="1" name=""/>
@@ -4266,12 +5702,72 @@
           <a:chExt cx="0" cy="0"/>
         </a:xfrm>
       </p:grpSpPr>
+      <p:sp useBgFill="1">
+        <p:nvSpPr>
+          <p:cNvPr id="8" name="Rectangle 7">
+            <a:extLst>
+              <a:ext uri="{FF2B5EF4-FFF2-40B4-BE49-F238E27FC236}">
+                <a16:creationId xmlns:a16="http://schemas.microsoft.com/office/drawing/2014/main" id="{DBF61EA3-B236-439E-9C0B-340980D56BEE}"/>
+              </a:ext>
+              <a:ext uri="{C183D7F6-B498-43B3-948B-1728B52AA6E4}">
+                <adec:decorative xmlns:adec="http://schemas.microsoft.com/office/drawing/2017/decorative" val="1"/>
+              </a:ext>
+            </a:extLst>
+          </p:cNvPr>
+          <p:cNvSpPr>
+            <a:spLocks noGrp="1" noRot="1" noChangeAspect="1" noMove="1" noResize="1" noEditPoints="1" noAdjustHandles="1" noChangeArrowheads="1" noChangeShapeType="1" noTextEdit="1"/>
+          </p:cNvSpPr>
+          <p:nvPr>
+            <p:extLst>
+              <p:ext uri="{386F3935-93C4-4BCD-93E2-E3B085C9AB24}">
+                <p16:designElem xmlns:p16="http://schemas.microsoft.com/office/powerpoint/2015/main" val="1"/>
+              </p:ext>
+            </p:extLst>
+          </p:nvPr>
+        </p:nvSpPr>
+        <p:spPr>
+          <a:xfrm>
+            <a:off x="0" y="0"/>
+            <a:ext cx="12191999" cy="6857365"/>
+          </a:xfrm>
+          <a:prstGeom prst="rect">
+            <a:avLst/>
+          </a:prstGeom>
+          <a:ln>
+            <a:noFill/>
+          </a:ln>
+        </p:spPr>
+        <p:style>
+          <a:lnRef idx="2">
+            <a:schemeClr val="accent1">
+              <a:shade val="50000"/>
+            </a:schemeClr>
+          </a:lnRef>
+          <a:fillRef idx="1">
+            <a:schemeClr val="accent1"/>
+          </a:fillRef>
+          <a:effectRef idx="0">
+            <a:schemeClr val="accent1"/>
+          </a:effectRef>
+          <a:fontRef idx="minor">
+            <a:schemeClr val="lt1"/>
+          </a:fontRef>
+        </p:style>
+        <p:txBody>
+          <a:bodyPr rtlCol="0" anchor="ctr"/>
+          <a:lstStyle/>
+          <a:p>
+            <a:pPr algn="ctr"/>
+            <a:endParaRPr lang="en-US"/>
+          </a:p>
+        </p:txBody>
+      </p:sp>
       <p:sp>
         <p:nvSpPr>
           <p:cNvPr id="2" name="Title 1">
             <a:extLst>
               <a:ext uri="{FF2B5EF4-FFF2-40B4-BE49-F238E27FC236}">
-                <a16:creationId xmlns:a16="http://schemas.microsoft.com/office/drawing/2014/main" id="{BE6EA188-070D-3341-D5F0-A2D798F66FFA}"/>
+                <a16:creationId xmlns:a16="http://schemas.microsoft.com/office/drawing/2014/main" id="{308E5BC5-24F2-7417-5ED3-0C5C22AA42BD}"/>
               </a:ext>
             </a:extLst>
           </p:cNvPr>
@@ -4282,15 +5778,243 @@
             <p:ph type="title"/>
           </p:nvPr>
         </p:nvSpPr>
-        <p:spPr/>
-        <p:txBody>
-          <a:bodyPr/>
-          <a:lstStyle/>
-          <a:p>
-            <a:r>
-              <a:rPr lang="en-PL" dirty="0"/>
-              <a:t>Debugowanie – pdb (Python Debugger)</a:t>
-            </a:r>
+        <p:spPr>
+          <a:xfrm>
+            <a:off x="808638" y="386930"/>
+            <a:ext cx="9236700" cy="1188950"/>
+          </a:xfrm>
+        </p:spPr>
+        <p:txBody>
+          <a:bodyPr anchor="b">
+            <a:normAutofit/>
+          </a:bodyPr>
+          <a:lstStyle/>
+          <a:p>
+            <a:endParaRPr lang="en-PL" sz="5400"/>
+          </a:p>
+        </p:txBody>
+      </p:sp>
+      <p:grpSp>
+        <p:nvGrpSpPr>
+          <p:cNvPr id="10" name="Group 9">
+            <a:extLst>
+              <a:ext uri="{FF2B5EF4-FFF2-40B4-BE49-F238E27FC236}">
+                <a16:creationId xmlns:a16="http://schemas.microsoft.com/office/drawing/2014/main" id="{28FAF094-D087-493F-8DF9-A486C2D6BBAA}"/>
+              </a:ext>
+              <a:ext uri="{C183D7F6-B498-43B3-948B-1728B52AA6E4}">
+                <adec:decorative xmlns:adec="http://schemas.microsoft.com/office/drawing/2017/decorative" val="1"/>
+              </a:ext>
+            </a:extLst>
+          </p:cNvPr>
+          <p:cNvGrpSpPr>
+            <a:grpSpLocks noGrp="1" noUngrp="1" noRot="1" noChangeAspect="1" noMove="1" noResize="1"/>
+          </p:cNvGrpSpPr>
+          <p:nvPr>
+            <p:extLst>
+              <p:ext uri="{386F3935-93C4-4BCD-93E2-E3B085C9AB24}">
+                <p16:designElem xmlns:p16="http://schemas.microsoft.com/office/powerpoint/2015/main" val="1"/>
+              </p:ext>
+            </p:extLst>
+          </p:nvPr>
+        </p:nvGrpSpPr>
+        <p:grpSpPr>
+          <a:xfrm>
+            <a:off x="-2" y="1998368"/>
+            <a:ext cx="11695083" cy="782176"/>
+            <a:chOff x="-2" y="1998368"/>
+            <a:chExt cx="11695083" cy="782176"/>
+          </a:xfrm>
+        </p:grpSpPr>
+        <p:sp>
+          <p:nvSpPr>
+            <p:cNvPr id="11" name="Rectangle 10">
+              <a:extLst>
+                <a:ext uri="{FF2B5EF4-FFF2-40B4-BE49-F238E27FC236}">
+                  <a16:creationId xmlns:a16="http://schemas.microsoft.com/office/drawing/2014/main" id="{8D7C88D8-5509-4514-925A-9CE148E5CBD6}"/>
+                </a:ext>
+                <a:ext uri="{C183D7F6-B498-43B3-948B-1728B52AA6E4}">
+                  <adec:decorative xmlns:adec="http://schemas.microsoft.com/office/drawing/2017/decorative" val="1"/>
+                </a:ext>
+              </a:extLst>
+            </p:cNvPr>
+            <p:cNvSpPr/>
+            <p:nvPr>
+              <p:extLst>
+                <p:ext uri="{386F3935-93C4-4BCD-93E2-E3B085C9AB24}">
+                  <p16:designElem xmlns:p16="http://schemas.microsoft.com/office/powerpoint/2015/main" val="1"/>
+                </p:ext>
+              </p:extLst>
+            </p:nvPr>
+          </p:nvSpPr>
+          <p:spPr>
+            <a:xfrm rot="5400000">
+              <a:off x="11228040" y="2313027"/>
+              <a:ext cx="781700" cy="152382"/>
+            </a:xfrm>
+            <a:prstGeom prst="rect">
+              <a:avLst/>
+            </a:prstGeom>
+            <a:solidFill>
+              <a:schemeClr val="accent4"/>
+            </a:solidFill>
+            <a:ln>
+              <a:noFill/>
+            </a:ln>
+          </p:spPr>
+          <p:style>
+            <a:lnRef idx="2">
+              <a:schemeClr val="accent1">
+                <a:shade val="50000"/>
+              </a:schemeClr>
+            </a:lnRef>
+            <a:fillRef idx="1">
+              <a:schemeClr val="accent1"/>
+            </a:fillRef>
+            <a:effectRef idx="0">
+              <a:schemeClr val="accent1"/>
+            </a:effectRef>
+            <a:fontRef idx="minor">
+              <a:schemeClr val="lt1"/>
+            </a:fontRef>
+          </p:style>
+          <p:txBody>
+            <a:bodyPr rtlCol="0" anchor="ctr"/>
+            <a:lstStyle/>
+            <a:p>
+              <a:pPr algn="ctr"/>
+              <a:endParaRPr lang="en-US"/>
+            </a:p>
+          </p:txBody>
+        </p:sp>
+        <p:sp>
+          <p:nvSpPr>
+            <p:cNvPr id="12" name="Rectangle 11">
+              <a:extLst>
+                <a:ext uri="{FF2B5EF4-FFF2-40B4-BE49-F238E27FC236}">
+                  <a16:creationId xmlns:a16="http://schemas.microsoft.com/office/drawing/2014/main" id="{7275593D-F75E-4426-AE3E-2CDEFD228D25}"/>
+                </a:ext>
+                <a:ext uri="{C183D7F6-B498-43B3-948B-1728B52AA6E4}">
+                  <adec:decorative xmlns:adec="http://schemas.microsoft.com/office/drawing/2017/decorative" val="1"/>
+                </a:ext>
+              </a:extLst>
+            </p:cNvPr>
+            <p:cNvSpPr/>
+            <p:nvPr>
+              <p:extLst>
+                <p:ext uri="{386F3935-93C4-4BCD-93E2-E3B085C9AB24}">
+                  <p16:designElem xmlns:p16="http://schemas.microsoft.com/office/powerpoint/2015/main" val="1"/>
+                </p:ext>
+              </p:extLst>
+            </p:nvPr>
+          </p:nvSpPr>
+          <p:spPr>
+            <a:xfrm flipH="1" flipV="1">
+              <a:off x="-2" y="1998845"/>
+              <a:ext cx="11454595" cy="781699"/>
+            </a:xfrm>
+            <a:prstGeom prst="rect">
+              <a:avLst/>
+            </a:prstGeom>
+            <a:solidFill>
+              <a:schemeClr val="accent4"/>
+            </a:solidFill>
+            <a:ln>
+              <a:noFill/>
+            </a:ln>
+          </p:spPr>
+          <p:style>
+            <a:lnRef idx="2">
+              <a:schemeClr val="accent1">
+                <a:shade val="50000"/>
+              </a:schemeClr>
+            </a:lnRef>
+            <a:fillRef idx="1">
+              <a:schemeClr val="accent1"/>
+            </a:fillRef>
+            <a:effectRef idx="0">
+              <a:schemeClr val="accent1"/>
+            </a:effectRef>
+            <a:fontRef idx="minor">
+              <a:schemeClr val="lt1"/>
+            </a:fontRef>
+          </p:style>
+          <p:txBody>
+            <a:bodyPr rtlCol="0" anchor="ctr"/>
+            <a:lstStyle/>
+            <a:p>
+              <a:pPr algn="ctr"/>
+              <a:endParaRPr lang="en-US"/>
+            </a:p>
+          </p:txBody>
+        </p:sp>
+      </p:grpSp>
+      <p:sp>
+        <p:nvSpPr>
+          <p:cNvPr id="14" name="Rectangle 13">
+            <a:extLst>
+              <a:ext uri="{FF2B5EF4-FFF2-40B4-BE49-F238E27FC236}">
+                <a16:creationId xmlns:a16="http://schemas.microsoft.com/office/drawing/2014/main" id="{E659831F-0D9A-4C63-9EBB-8435B85A440F}"/>
+              </a:ext>
+              <a:ext uri="{C183D7F6-B498-43B3-948B-1728B52AA6E4}">
+                <adec:decorative xmlns:adec="http://schemas.microsoft.com/office/drawing/2017/decorative" val="1"/>
+              </a:ext>
+            </a:extLst>
+          </p:cNvPr>
+          <p:cNvSpPr>
+            <a:spLocks noGrp="1" noRot="1" noChangeAspect="1" noMove="1" noResize="1" noEditPoints="1" noAdjustHandles="1" noChangeArrowheads="1" noChangeShapeType="1" noTextEdit="1"/>
+          </p:cNvSpPr>
+          <p:nvPr>
+            <p:extLst>
+              <p:ext uri="{386F3935-93C4-4BCD-93E2-E3B085C9AB24}">
+                <p16:designElem xmlns:p16="http://schemas.microsoft.com/office/powerpoint/2015/main" val="1"/>
+              </p:ext>
+            </p:extLst>
+          </p:nvPr>
+        </p:nvSpPr>
+        <p:spPr>
+          <a:xfrm>
+            <a:off x="0" y="2203079"/>
+            <a:ext cx="11383362" cy="4147845"/>
+          </a:xfrm>
+          <a:prstGeom prst="rect">
+            <a:avLst/>
+          </a:prstGeom>
+          <a:solidFill>
+            <a:schemeClr val="bg1"/>
+          </a:solidFill>
+          <a:ln>
+            <a:noFill/>
+          </a:ln>
+          <a:effectLst>
+            <a:outerShdw blurRad="139700" dist="127000" dir="5400000" algn="t" rotWithShape="0">
+              <a:prstClr val="black">
+                <a:alpha val="15000"/>
+              </a:prstClr>
+            </a:outerShdw>
+          </a:effectLst>
+        </p:spPr>
+        <p:style>
+          <a:lnRef idx="2">
+            <a:schemeClr val="accent1">
+              <a:shade val="50000"/>
+            </a:schemeClr>
+          </a:lnRef>
+          <a:fillRef idx="1">
+            <a:schemeClr val="accent1"/>
+          </a:fillRef>
+          <a:effectRef idx="0">
+            <a:schemeClr val="accent1"/>
+          </a:effectRef>
+          <a:fontRef idx="minor">
+            <a:schemeClr val="lt1"/>
+          </a:fontRef>
+        </p:style>
+        <p:txBody>
+          <a:bodyPr rtlCol="0" anchor="ctr"/>
+          <a:lstStyle/>
+          <a:p>
+            <a:pPr algn="ctr"/>
+            <a:endParaRPr lang="en-US"/>
           </a:p>
         </p:txBody>
       </p:sp>
@@ -4299,7 +6023,7 @@
           <p:cNvPr id="3" name="Content Placeholder 2">
             <a:extLst>
               <a:ext uri="{FF2B5EF4-FFF2-40B4-BE49-F238E27FC236}">
-                <a16:creationId xmlns:a16="http://schemas.microsoft.com/office/drawing/2014/main" id="{089E0C53-854D-2EF7-1750-25197A890E50}"/>
+                <a16:creationId xmlns:a16="http://schemas.microsoft.com/office/drawing/2014/main" id="{D43D3FF9-2805-1D03-8F53-1BA5246F3D7B}"/>
               </a:ext>
             </a:extLst>
           </p:cNvPr>
@@ -4310,291 +6034,45 @@
             <p:ph idx="1"/>
           </p:nvPr>
         </p:nvSpPr>
-        <p:spPr/>
-        <p:txBody>
-          <a:bodyPr/>
-          <a:lstStyle/>
-          <a:p>
-            <a:r>
-              <a:rPr lang="pl-PL" dirty="0" err="1"/>
-              <a:t>pdb</a:t>
-            </a:r>
-            <a:r>
-              <a:rPr lang="pl-PL" dirty="0"/>
-              <a:t> – wbudowany </a:t>
-            </a:r>
-            <a:r>
-              <a:rPr lang="pl-PL" dirty="0" err="1"/>
-              <a:t>debugger</a:t>
-            </a:r>
-            <a:r>
-              <a:rPr lang="pl-PL" dirty="0"/>
-              <a:t>, który który pozwala uruchamiać kod krok po kroku, ustawiać </a:t>
-            </a:r>
-            <a:r>
-              <a:rPr lang="pl-PL" dirty="0" err="1"/>
-              <a:t>breakpoints</a:t>
-            </a:r>
-            <a:r>
-              <a:rPr lang="pl-PL" dirty="0"/>
-              <a:t>, podejrzeć wartości zmiennych i wykonywać polecenia w trakcie zatrzymania programu</a:t>
-            </a:r>
-          </a:p>
-          <a:p>
-            <a:r>
-              <a:rPr lang="pl-PL" dirty="0"/>
-              <a:t>Sposób użycia</a:t>
-            </a:r>
-          </a:p>
-          <a:p>
-            <a:pPr lvl="1"/>
-            <a:r>
-              <a:rPr lang="en-GB" b="0" i="0" u="none" strike="noStrike" dirty="0">
-                <a:solidFill>
-                  <a:srgbClr val="0D0D0D"/>
-                </a:solidFill>
-                <a:effectLst/>
-                <a:latin typeface="ui-monospace"/>
-              </a:rPr>
-              <a:t>python3 -m </a:t>
-            </a:r>
-            <a:r>
-              <a:rPr lang="en-GB" b="0" i="0" u="none" strike="noStrike" dirty="0" err="1">
-                <a:solidFill>
-                  <a:srgbClr val="0D0D0D"/>
-                </a:solidFill>
-                <a:effectLst/>
-                <a:latin typeface="ui-monospace"/>
-              </a:rPr>
-              <a:t>pdb</a:t>
-            </a:r>
-            <a:r>
-              <a:rPr lang="en-GB" b="0" i="0" u="none" strike="noStrike" dirty="0">
-                <a:solidFill>
-                  <a:srgbClr val="0D0D0D"/>
-                </a:solidFill>
-                <a:effectLst/>
-                <a:latin typeface="ui-monospace"/>
-              </a:rPr>
-              <a:t> </a:t>
-            </a:r>
-            <a:r>
-              <a:rPr lang="en-GB" b="0" i="0" u="none" strike="noStrike" dirty="0" err="1">
-                <a:solidFill>
-                  <a:srgbClr val="0D0D0D"/>
-                </a:solidFill>
-                <a:effectLst/>
-                <a:latin typeface="ui-monospace"/>
-              </a:rPr>
-              <a:t>nazwa_skryptu.py</a:t>
-            </a:r>
-            <a:endParaRPr lang="en-GB" b="0" i="0" u="none" strike="noStrike" dirty="0">
-              <a:solidFill>
-                <a:srgbClr val="0D0D0D"/>
-              </a:solidFill>
-              <a:effectLst/>
-              <a:latin typeface="ui-monospace"/>
-            </a:endParaRPr>
-          </a:p>
-          <a:p>
-            <a:pPr lvl="1"/>
-            <a:r>
-              <a:rPr lang="pl-PL" dirty="0"/>
-              <a:t>import </a:t>
-            </a:r>
-            <a:r>
-              <a:rPr lang="pl-PL" dirty="0" err="1"/>
-              <a:t>pdb</a:t>
-            </a:r>
-            <a:r>
-              <a:rPr lang="pl-PL" dirty="0"/>
-              <a:t>; </a:t>
-            </a:r>
-            <a:r>
-              <a:rPr lang="pl-PL" dirty="0" err="1"/>
-              <a:t>pdb.set_trace</a:t>
-            </a:r>
-            <a:r>
-              <a:rPr lang="pl-PL" dirty="0"/>
-              <a:t>()</a:t>
-            </a:r>
-          </a:p>
-        </p:txBody>
-      </p:sp>
-    </p:spTree>
-    <p:extLst>
-      <p:ext uri="{BB962C8B-B14F-4D97-AF65-F5344CB8AC3E}">
-        <p14:creationId xmlns:p14="http://schemas.microsoft.com/office/powerpoint/2010/main" val="2964081865"/>
-      </p:ext>
-    </p:extLst>
-  </p:cSld>
-  <p:clrMapOvr>
-    <a:masterClrMapping/>
-  </p:clrMapOvr>
-</p:sld>
-</file>
-
-<file path=ppt/slides/slide13.xml><?xml version="1.0" encoding="utf-8"?>
-<p:sld xmlns:a="http://schemas.openxmlformats.org/drawingml/2006/main" xmlns:r="http://schemas.openxmlformats.org/officeDocument/2006/relationships" xmlns:p="http://schemas.openxmlformats.org/presentationml/2006/main">
-  <p:cSld>
-    <p:spTree>
-      <p:nvGrpSpPr>
-        <p:cNvPr id="1" name=""/>
-        <p:cNvGrpSpPr/>
-        <p:nvPr/>
-      </p:nvGrpSpPr>
-      <p:grpSpPr>
-        <a:xfrm>
-          <a:off x="0" y="0"/>
-          <a:ext cx="0" cy="0"/>
-          <a:chOff x="0" y="0"/>
-          <a:chExt cx="0" cy="0"/>
-        </a:xfrm>
-      </p:grpSpPr>
-      <p:sp>
-        <p:nvSpPr>
-          <p:cNvPr id="2" name="Title 1">
-            <a:extLst>
-              <a:ext uri="{FF2B5EF4-FFF2-40B4-BE49-F238E27FC236}">
-                <a16:creationId xmlns:a16="http://schemas.microsoft.com/office/drawing/2014/main" id="{3A67C607-258A-FEF1-9C6C-9C1025C69E79}"/>
-              </a:ext>
-            </a:extLst>
-          </p:cNvPr>
-          <p:cNvSpPr>
-            <a:spLocks noGrp="1"/>
-          </p:cNvSpPr>
-          <p:nvPr>
-            <p:ph type="title"/>
-          </p:nvPr>
-        </p:nvSpPr>
-        <p:spPr/>
-        <p:txBody>
-          <a:bodyPr/>
-          <a:lstStyle/>
-          <a:p>
-            <a:r>
-              <a:rPr lang="en-PL" dirty="0"/>
-              <a:t>Testy wyjątków</a:t>
-            </a:r>
-          </a:p>
-        </p:txBody>
-      </p:sp>
-      <p:sp>
-        <p:nvSpPr>
-          <p:cNvPr id="3" name="Content Placeholder 2">
-            <a:extLst>
-              <a:ext uri="{FF2B5EF4-FFF2-40B4-BE49-F238E27FC236}">
-                <a16:creationId xmlns:a16="http://schemas.microsoft.com/office/drawing/2014/main" id="{D8A8CE01-AA24-C039-4CE7-33907E858216}"/>
-              </a:ext>
-            </a:extLst>
-          </p:cNvPr>
-          <p:cNvSpPr>
-            <a:spLocks noGrp="1"/>
-          </p:cNvSpPr>
-          <p:nvPr>
-            <p:ph idx="1"/>
-          </p:nvPr>
-        </p:nvSpPr>
-        <p:spPr/>
-        <p:txBody>
-          <a:bodyPr/>
-          <a:lstStyle/>
-          <a:p>
-            <a:endParaRPr lang="en-PL"/>
-          </a:p>
-        </p:txBody>
-      </p:sp>
-    </p:spTree>
-    <p:extLst>
-      <p:ext uri="{BB962C8B-B14F-4D97-AF65-F5344CB8AC3E}">
-        <p14:creationId xmlns:p14="http://schemas.microsoft.com/office/powerpoint/2010/main" val="3296369780"/>
-      </p:ext>
-    </p:extLst>
-  </p:cSld>
-  <p:clrMapOvr>
-    <a:masterClrMapping/>
-  </p:clrMapOvr>
-</p:sld>
-</file>
-
-<file path=ppt/slides/slide2.xml><?xml version="1.0" encoding="utf-8"?>
-<p:sld xmlns:a="http://schemas.openxmlformats.org/drawingml/2006/main" xmlns:r="http://schemas.openxmlformats.org/officeDocument/2006/relationships" xmlns:p="http://schemas.openxmlformats.org/presentationml/2006/main">
-  <p:cSld>
-    <p:spTree>
-      <p:nvGrpSpPr>
-        <p:cNvPr id="1" name=""/>
-        <p:cNvGrpSpPr/>
-        <p:nvPr/>
-      </p:nvGrpSpPr>
-      <p:grpSpPr>
-        <a:xfrm>
-          <a:off x="0" y="0"/>
-          <a:ext cx="0" cy="0"/>
-          <a:chOff x="0" y="0"/>
-          <a:chExt cx="0" cy="0"/>
-        </a:xfrm>
-      </p:grpSpPr>
-      <p:sp>
-        <p:nvSpPr>
-          <p:cNvPr id="2" name="Title 1">
-            <a:extLst>
-              <a:ext uri="{FF2B5EF4-FFF2-40B4-BE49-F238E27FC236}">
-                <a16:creationId xmlns:a16="http://schemas.microsoft.com/office/drawing/2014/main" id="{308E5BC5-24F2-7417-5ED3-0C5C22AA42BD}"/>
-              </a:ext>
-            </a:extLst>
-          </p:cNvPr>
-          <p:cNvSpPr>
-            <a:spLocks noGrp="1"/>
-          </p:cNvSpPr>
-          <p:nvPr>
-            <p:ph type="title"/>
-          </p:nvPr>
-        </p:nvSpPr>
-        <p:spPr/>
-        <p:txBody>
-          <a:bodyPr/>
-          <a:lstStyle/>
-          <a:p>
-            <a:endParaRPr lang="en-PL"/>
-          </a:p>
-        </p:txBody>
-      </p:sp>
-      <p:sp>
-        <p:nvSpPr>
-          <p:cNvPr id="3" name="Content Placeholder 2">
-            <a:extLst>
-              <a:ext uri="{FF2B5EF4-FFF2-40B4-BE49-F238E27FC236}">
-                <a16:creationId xmlns:a16="http://schemas.microsoft.com/office/drawing/2014/main" id="{D43D3FF9-2805-1D03-8F53-1BA5246F3D7B}"/>
-              </a:ext>
-            </a:extLst>
-          </p:cNvPr>
-          <p:cNvSpPr>
-            <a:spLocks noGrp="1"/>
-          </p:cNvSpPr>
-          <p:nvPr>
-            <p:ph idx="1"/>
-          </p:nvPr>
-        </p:nvSpPr>
-        <p:spPr/>
-        <p:txBody>
-          <a:bodyPr/>
-          <a:lstStyle/>
-          <a:p>
-            <a:r>
-              <a:rPr lang="en-PL" dirty="0"/>
+        <p:spPr>
+          <a:xfrm>
+            <a:off x="793660" y="2599509"/>
+            <a:ext cx="10143668" cy="3435531"/>
+          </a:xfrm>
+        </p:spPr>
+        <p:txBody>
+          <a:bodyPr anchor="ctr">
+            <a:normAutofit/>
+          </a:bodyPr>
+          <a:lstStyle/>
+          <a:p>
+            <a:r>
+              <a:rPr lang="en-PL" sz="2400"/>
               <a:t>Czym są wyjątki?</a:t>
             </a:r>
           </a:p>
           <a:p>
             <a:r>
-              <a:rPr lang="en-PL" dirty="0"/>
+              <a:rPr lang="en-PL" sz="2400"/>
               <a:t>Obsługa wyjątków</a:t>
             </a:r>
           </a:p>
           <a:p>
             <a:r>
-              <a:rPr lang="en-PL" dirty="0"/>
+              <a:rPr lang="en-PL" sz="2400"/>
               <a:t>Tworzenie własnych wyjątków</a:t>
+            </a:r>
+          </a:p>
+          <a:p>
+            <a:r>
+              <a:rPr lang="en-PL" sz="2400"/>
+              <a:t>Ostrzeżenia</a:t>
+            </a:r>
+          </a:p>
+          <a:p>
+            <a:r>
+              <a:rPr lang="en-PL" sz="2400"/>
+              <a:t>Debugowanie</a:t>
             </a:r>
           </a:p>
         </p:txBody>
@@ -4615,9 +6093,23 @@
 <file path=ppt/slides/slide3.xml><?xml version="1.0" encoding="utf-8"?>
 <p:sld xmlns:a="http://schemas.openxmlformats.org/drawingml/2006/main" xmlns:r="http://schemas.openxmlformats.org/officeDocument/2006/relationships" xmlns:p="http://schemas.openxmlformats.org/presentationml/2006/main">
   <p:cSld>
+    <p:bg>
+      <p:bgPr>
+        <a:solidFill>
+          <a:schemeClr val="bg1"/>
+        </a:solidFill>
+        <a:effectLst/>
+      </p:bgPr>
+    </p:bg>
     <p:spTree>
       <p:nvGrpSpPr>
-        <p:cNvPr id="1" name=""/>
+        <p:cNvPr id="1" name="">
+          <a:extLst>
+            <a:ext uri="{FF2B5EF4-FFF2-40B4-BE49-F238E27FC236}">
+              <a16:creationId xmlns:a16="http://schemas.microsoft.com/office/drawing/2014/main" id="{8CD89D39-B676-C744-CF7A-F3D2DDFF9C2D}"/>
+            </a:ext>
+          </a:extLst>
+        </p:cNvPr>
         <p:cNvGrpSpPr/>
         <p:nvPr/>
       </p:nvGrpSpPr>
@@ -4629,12 +6121,72 @@
           <a:chExt cx="0" cy="0"/>
         </a:xfrm>
       </p:grpSpPr>
+      <p:sp useBgFill="1">
+        <p:nvSpPr>
+          <p:cNvPr id="8" name="Rectangle 7">
+            <a:extLst>
+              <a:ext uri="{FF2B5EF4-FFF2-40B4-BE49-F238E27FC236}">
+                <a16:creationId xmlns:a16="http://schemas.microsoft.com/office/drawing/2014/main" id="{ABF46A3B-4B4D-EE3F-747E-68E5D22694F8}"/>
+              </a:ext>
+              <a:ext uri="{C183D7F6-B498-43B3-948B-1728B52AA6E4}">
+                <adec:decorative xmlns:adec="http://schemas.microsoft.com/office/drawing/2017/decorative" val="1"/>
+              </a:ext>
+            </a:extLst>
+          </p:cNvPr>
+          <p:cNvSpPr>
+            <a:spLocks noGrp="1" noRot="1" noChangeAspect="1" noMove="1" noResize="1" noEditPoints="1" noAdjustHandles="1" noChangeArrowheads="1" noChangeShapeType="1" noTextEdit="1"/>
+          </p:cNvSpPr>
+          <p:nvPr>
+            <p:extLst>
+              <p:ext uri="{386F3935-93C4-4BCD-93E2-E3B085C9AB24}">
+                <p16:designElem xmlns:p16="http://schemas.microsoft.com/office/powerpoint/2015/main" val="1"/>
+              </p:ext>
+            </p:extLst>
+          </p:nvPr>
+        </p:nvSpPr>
+        <p:spPr>
+          <a:xfrm>
+            <a:off x="0" y="0"/>
+            <a:ext cx="12191999" cy="6857365"/>
+          </a:xfrm>
+          <a:prstGeom prst="rect">
+            <a:avLst/>
+          </a:prstGeom>
+          <a:ln>
+            <a:noFill/>
+          </a:ln>
+        </p:spPr>
+        <p:style>
+          <a:lnRef idx="2">
+            <a:schemeClr val="accent1">
+              <a:shade val="50000"/>
+            </a:schemeClr>
+          </a:lnRef>
+          <a:fillRef idx="1">
+            <a:schemeClr val="accent1"/>
+          </a:fillRef>
+          <a:effectRef idx="0">
+            <a:schemeClr val="accent1"/>
+          </a:effectRef>
+          <a:fontRef idx="minor">
+            <a:schemeClr val="lt1"/>
+          </a:fontRef>
+        </p:style>
+        <p:txBody>
+          <a:bodyPr rtlCol="0" anchor="ctr"/>
+          <a:lstStyle/>
+          <a:p>
+            <a:pPr algn="ctr"/>
+            <a:endParaRPr lang="en-US"/>
+          </a:p>
+        </p:txBody>
+      </p:sp>
       <p:sp>
         <p:nvSpPr>
           <p:cNvPr id="2" name="Title 1">
             <a:extLst>
               <a:ext uri="{FF2B5EF4-FFF2-40B4-BE49-F238E27FC236}">
-                <a16:creationId xmlns:a16="http://schemas.microsoft.com/office/drawing/2014/main" id="{C741DBA0-FE6F-03C5-EE73-BB1F9A258547}"/>
+                <a16:creationId xmlns:a16="http://schemas.microsoft.com/office/drawing/2014/main" id="{C2F315DB-0047-175B-2249-CD5E398856C0}"/>
               </a:ext>
             </a:extLst>
           </p:cNvPr>
@@ -4645,77 +6197,307 @@
             <p:ph type="title"/>
           </p:nvPr>
         </p:nvSpPr>
-        <p:spPr/>
-        <p:txBody>
-          <a:bodyPr/>
-          <a:lstStyle/>
-          <a:p>
-            <a:r>
-              <a:rPr lang="en-PL" dirty="0"/>
-              <a:t>Wprowadzenie</a:t>
-            </a:r>
-          </a:p>
-        </p:txBody>
-      </p:sp>
-      <p:sp>
-        <p:nvSpPr>
-          <p:cNvPr id="3" name="Content Placeholder 2">
-            <a:extLst>
-              <a:ext uri="{FF2B5EF4-FFF2-40B4-BE49-F238E27FC236}">
-                <a16:creationId xmlns:a16="http://schemas.microsoft.com/office/drawing/2014/main" id="{037EA342-AB8A-531A-BB72-0EECD1789A0C}"/>
-              </a:ext>
-            </a:extLst>
-          </p:cNvPr>
-          <p:cNvSpPr>
-            <a:spLocks noGrp="1"/>
-          </p:cNvSpPr>
-          <p:nvPr>
-            <p:ph idx="1"/>
-          </p:nvPr>
-        </p:nvSpPr>
-        <p:spPr/>
-        <p:txBody>
-          <a:bodyPr>
+        <p:spPr>
+          <a:xfrm>
+            <a:off x="808638" y="386930"/>
+            <a:ext cx="9236700" cy="1188950"/>
+          </a:xfrm>
+        </p:spPr>
+        <p:txBody>
+          <a:bodyPr anchor="b">
             <a:normAutofit/>
           </a:bodyPr>
           <a:lstStyle/>
           <a:p>
             <a:r>
-              <a:rPr lang="pl-PL" dirty="0"/>
+              <a:rPr lang="en-PL" sz="5400" dirty="0"/>
+              <a:t>Wprowadzenie</a:t>
+            </a:r>
+          </a:p>
+        </p:txBody>
+      </p:sp>
+      <p:grpSp>
+        <p:nvGrpSpPr>
+          <p:cNvPr id="10" name="Group 9">
+            <a:extLst>
+              <a:ext uri="{FF2B5EF4-FFF2-40B4-BE49-F238E27FC236}">
+                <a16:creationId xmlns:a16="http://schemas.microsoft.com/office/drawing/2014/main" id="{01B80F31-BF8E-EFB6-91F7-29A72BE4FAF2}"/>
+              </a:ext>
+              <a:ext uri="{C183D7F6-B498-43B3-948B-1728B52AA6E4}">
+                <adec:decorative xmlns:adec="http://schemas.microsoft.com/office/drawing/2017/decorative" val="1"/>
+              </a:ext>
+            </a:extLst>
+          </p:cNvPr>
+          <p:cNvGrpSpPr>
+            <a:grpSpLocks noGrp="1" noUngrp="1" noRot="1" noChangeAspect="1" noMove="1" noResize="1"/>
+          </p:cNvGrpSpPr>
+          <p:nvPr>
+            <p:extLst>
+              <p:ext uri="{386F3935-93C4-4BCD-93E2-E3B085C9AB24}">
+                <p16:designElem xmlns:p16="http://schemas.microsoft.com/office/powerpoint/2015/main" val="1"/>
+              </p:ext>
+            </p:extLst>
+          </p:nvPr>
+        </p:nvGrpSpPr>
+        <p:grpSpPr>
+          <a:xfrm>
+            <a:off x="-2" y="1998368"/>
+            <a:ext cx="11695083" cy="782176"/>
+            <a:chOff x="-2" y="1998368"/>
+            <a:chExt cx="11695083" cy="782176"/>
+          </a:xfrm>
+        </p:grpSpPr>
+        <p:sp>
+          <p:nvSpPr>
+            <p:cNvPr id="11" name="Rectangle 10">
+              <a:extLst>
+                <a:ext uri="{FF2B5EF4-FFF2-40B4-BE49-F238E27FC236}">
+                  <a16:creationId xmlns:a16="http://schemas.microsoft.com/office/drawing/2014/main" id="{5B6591AC-4621-349F-38D3-59D166FE23E4}"/>
+                </a:ext>
+                <a:ext uri="{C183D7F6-B498-43B3-948B-1728B52AA6E4}">
+                  <adec:decorative xmlns:adec="http://schemas.microsoft.com/office/drawing/2017/decorative" val="1"/>
+                </a:ext>
+              </a:extLst>
+            </p:cNvPr>
+            <p:cNvSpPr/>
+            <p:nvPr>
+              <p:extLst>
+                <p:ext uri="{386F3935-93C4-4BCD-93E2-E3B085C9AB24}">
+                  <p16:designElem xmlns:p16="http://schemas.microsoft.com/office/powerpoint/2015/main" val="1"/>
+                </p:ext>
+              </p:extLst>
+            </p:nvPr>
+          </p:nvSpPr>
+          <p:spPr>
+            <a:xfrm rot="5400000">
+              <a:off x="11228040" y="2313027"/>
+              <a:ext cx="781700" cy="152382"/>
+            </a:xfrm>
+            <a:prstGeom prst="rect">
+              <a:avLst/>
+            </a:prstGeom>
+            <a:solidFill>
+              <a:schemeClr val="accent4"/>
+            </a:solidFill>
+            <a:ln>
+              <a:noFill/>
+            </a:ln>
+          </p:spPr>
+          <p:style>
+            <a:lnRef idx="2">
+              <a:schemeClr val="accent1">
+                <a:shade val="50000"/>
+              </a:schemeClr>
+            </a:lnRef>
+            <a:fillRef idx="1">
+              <a:schemeClr val="accent1"/>
+            </a:fillRef>
+            <a:effectRef idx="0">
+              <a:schemeClr val="accent1"/>
+            </a:effectRef>
+            <a:fontRef idx="minor">
+              <a:schemeClr val="lt1"/>
+            </a:fontRef>
+          </p:style>
+          <p:txBody>
+            <a:bodyPr rtlCol="0" anchor="ctr"/>
+            <a:lstStyle/>
+            <a:p>
+              <a:pPr algn="ctr"/>
+              <a:endParaRPr lang="en-US"/>
+            </a:p>
+          </p:txBody>
+        </p:sp>
+        <p:sp>
+          <p:nvSpPr>
+            <p:cNvPr id="12" name="Rectangle 11">
+              <a:extLst>
+                <a:ext uri="{FF2B5EF4-FFF2-40B4-BE49-F238E27FC236}">
+                  <a16:creationId xmlns:a16="http://schemas.microsoft.com/office/drawing/2014/main" id="{13EA483B-A624-3598-9328-17E8DB99D630}"/>
+                </a:ext>
+                <a:ext uri="{C183D7F6-B498-43B3-948B-1728B52AA6E4}">
+                  <adec:decorative xmlns:adec="http://schemas.microsoft.com/office/drawing/2017/decorative" val="1"/>
+                </a:ext>
+              </a:extLst>
+            </p:cNvPr>
+            <p:cNvSpPr/>
+            <p:nvPr>
+              <p:extLst>
+                <p:ext uri="{386F3935-93C4-4BCD-93E2-E3B085C9AB24}">
+                  <p16:designElem xmlns:p16="http://schemas.microsoft.com/office/powerpoint/2015/main" val="1"/>
+                </p:ext>
+              </p:extLst>
+            </p:nvPr>
+          </p:nvSpPr>
+          <p:spPr>
+            <a:xfrm flipH="1" flipV="1">
+              <a:off x="-2" y="1998845"/>
+              <a:ext cx="11454595" cy="781699"/>
+            </a:xfrm>
+            <a:prstGeom prst="rect">
+              <a:avLst/>
+            </a:prstGeom>
+            <a:solidFill>
+              <a:schemeClr val="accent4"/>
+            </a:solidFill>
+            <a:ln>
+              <a:noFill/>
+            </a:ln>
+          </p:spPr>
+          <p:style>
+            <a:lnRef idx="2">
+              <a:schemeClr val="accent1">
+                <a:shade val="50000"/>
+              </a:schemeClr>
+            </a:lnRef>
+            <a:fillRef idx="1">
+              <a:schemeClr val="accent1"/>
+            </a:fillRef>
+            <a:effectRef idx="0">
+              <a:schemeClr val="accent1"/>
+            </a:effectRef>
+            <a:fontRef idx="minor">
+              <a:schemeClr val="lt1"/>
+            </a:fontRef>
+          </p:style>
+          <p:txBody>
+            <a:bodyPr rtlCol="0" anchor="ctr"/>
+            <a:lstStyle/>
+            <a:p>
+              <a:pPr algn="ctr"/>
+              <a:endParaRPr lang="en-US"/>
+            </a:p>
+          </p:txBody>
+        </p:sp>
+      </p:grpSp>
+      <p:sp>
+        <p:nvSpPr>
+          <p:cNvPr id="14" name="Rectangle 13">
+            <a:extLst>
+              <a:ext uri="{FF2B5EF4-FFF2-40B4-BE49-F238E27FC236}">
+                <a16:creationId xmlns:a16="http://schemas.microsoft.com/office/drawing/2014/main" id="{B06A6B2E-404A-E435-3415-370082BCB3EE}"/>
+              </a:ext>
+              <a:ext uri="{C183D7F6-B498-43B3-948B-1728B52AA6E4}">
+                <adec:decorative xmlns:adec="http://schemas.microsoft.com/office/drawing/2017/decorative" val="1"/>
+              </a:ext>
+            </a:extLst>
+          </p:cNvPr>
+          <p:cNvSpPr>
+            <a:spLocks noGrp="1" noRot="1" noChangeAspect="1" noMove="1" noResize="1" noEditPoints="1" noAdjustHandles="1" noChangeArrowheads="1" noChangeShapeType="1" noTextEdit="1"/>
+          </p:cNvSpPr>
+          <p:nvPr>
+            <p:extLst>
+              <p:ext uri="{386F3935-93C4-4BCD-93E2-E3B085C9AB24}">
+                <p16:designElem xmlns:p16="http://schemas.microsoft.com/office/powerpoint/2015/main" val="1"/>
+              </p:ext>
+            </p:extLst>
+          </p:nvPr>
+        </p:nvSpPr>
+        <p:spPr>
+          <a:xfrm>
+            <a:off x="0" y="2203079"/>
+            <a:ext cx="11383362" cy="4147845"/>
+          </a:xfrm>
+          <a:prstGeom prst="rect">
+            <a:avLst/>
+          </a:prstGeom>
+          <a:solidFill>
+            <a:schemeClr val="bg1"/>
+          </a:solidFill>
+          <a:ln>
+            <a:noFill/>
+          </a:ln>
+          <a:effectLst>
+            <a:outerShdw blurRad="139700" dist="127000" dir="5400000" algn="t" rotWithShape="0">
+              <a:prstClr val="black">
+                <a:alpha val="15000"/>
+              </a:prstClr>
+            </a:outerShdw>
+          </a:effectLst>
+        </p:spPr>
+        <p:style>
+          <a:lnRef idx="2">
+            <a:schemeClr val="accent1">
+              <a:shade val="50000"/>
+            </a:schemeClr>
+          </a:lnRef>
+          <a:fillRef idx="1">
+            <a:schemeClr val="accent1"/>
+          </a:fillRef>
+          <a:effectRef idx="0">
+            <a:schemeClr val="accent1"/>
+          </a:effectRef>
+          <a:fontRef idx="minor">
+            <a:schemeClr val="lt1"/>
+          </a:fontRef>
+        </p:style>
+        <p:txBody>
+          <a:bodyPr rtlCol="0" anchor="ctr"/>
+          <a:lstStyle/>
+          <a:p>
+            <a:pPr algn="ctr"/>
+            <a:endParaRPr lang="en-US"/>
+          </a:p>
+        </p:txBody>
+      </p:sp>
+      <p:sp>
+        <p:nvSpPr>
+          <p:cNvPr id="3" name="Content Placeholder 2">
+            <a:extLst>
+              <a:ext uri="{FF2B5EF4-FFF2-40B4-BE49-F238E27FC236}">
+                <a16:creationId xmlns:a16="http://schemas.microsoft.com/office/drawing/2014/main" id="{2543E3F4-0FF6-778A-F719-D38D802B296D}"/>
+              </a:ext>
+            </a:extLst>
+          </p:cNvPr>
+          <p:cNvSpPr>
+            <a:spLocks noGrp="1"/>
+          </p:cNvSpPr>
+          <p:nvPr>
+            <p:ph idx="1"/>
+          </p:nvPr>
+        </p:nvSpPr>
+        <p:spPr>
+          <a:xfrm>
+            <a:off x="793660" y="2599509"/>
+            <a:ext cx="10143668" cy="3435531"/>
+          </a:xfrm>
+        </p:spPr>
+        <p:txBody>
+          <a:bodyPr anchor="ctr">
+            <a:normAutofit lnSpcReduction="10000"/>
+          </a:bodyPr>
+          <a:lstStyle/>
+          <a:p>
+            <a:r>
+              <a:rPr lang="pl-PL" sz="2400" dirty="0"/>
               <a:t>Wyjątek – pewne zdarzenie w czasie wykonywania programu, które uniemożliwia dalszy normalny przebieg programu.</a:t>
             </a:r>
-            <a:endParaRPr lang="en-PL" dirty="0"/>
-          </a:p>
-          <a:p>
-            <a:r>
-              <a:rPr lang="en-PL" dirty="0"/>
+            <a:endParaRPr lang="en-PL" sz="2400" dirty="0"/>
+          </a:p>
+          <a:p>
+            <a:r>
+              <a:rPr lang="en-PL" sz="2400" dirty="0"/>
               <a:t>Typy wyjątków – istnieją wbudowane wyjątki (np. ValueError, TypeError, KeyError) do obsługi typowych błędów. Można również definiować własne wyjątki</a:t>
             </a:r>
           </a:p>
           <a:p>
             <a:r>
-              <a:rPr lang="en-PL" dirty="0"/>
+              <a:rPr lang="en-PL" sz="2400" dirty="0"/>
               <a:t>Obsługa wyjątków – służy do tego konstrukcja try / except</a:t>
             </a:r>
           </a:p>
           <a:p>
             <a:r>
-              <a:rPr lang="en-PL" dirty="0"/>
+              <a:rPr lang="en-PL" sz="2400" dirty="0"/>
               <a:t>Klazule else i finally – blok else w konstrukcji try wykonuje się tylko wtedy, gdy żaden wyjątek nie został zgłoszony w bloku try. Blok finally wykonuje sie zawsze, niezależnie od tego czy wystąpił wyjątek</a:t>
             </a:r>
-          </a:p>
-          <a:p>
-            <a:pPr marL="0" indent="0">
-              <a:buNone/>
-            </a:pPr>
-            <a:endParaRPr lang="en-PL" dirty="0"/>
           </a:p>
         </p:txBody>
       </p:sp>
     </p:spTree>
     <p:extLst>
       <p:ext uri="{BB962C8B-B14F-4D97-AF65-F5344CB8AC3E}">
-        <p14:creationId xmlns:p14="http://schemas.microsoft.com/office/powerpoint/2010/main" val="2326270907"/>
+        <p14:creationId xmlns:p14="http://schemas.microsoft.com/office/powerpoint/2010/main" val="1667127413"/>
       </p:ext>
     </p:extLst>
   </p:cSld>
@@ -4787,6 +6569,594 @@
 <file path=ppt/slides/slide5.xml><?xml version="1.0" encoding="utf-8"?>
 <p:sld xmlns:a="http://schemas.openxmlformats.org/drawingml/2006/main" xmlns:r="http://schemas.openxmlformats.org/officeDocument/2006/relationships" xmlns:p="http://schemas.openxmlformats.org/presentationml/2006/main">
   <p:cSld>
+    <p:bg>
+      <p:bgPr>
+        <a:solidFill>
+          <a:schemeClr val="bg1"/>
+        </a:solidFill>
+        <a:effectLst/>
+      </p:bgPr>
+    </p:bg>
+    <p:spTree>
+      <p:nvGrpSpPr>
+        <p:cNvPr id="1" name="">
+          <a:extLst>
+            <a:ext uri="{FF2B5EF4-FFF2-40B4-BE49-F238E27FC236}">
+              <a16:creationId xmlns:a16="http://schemas.microsoft.com/office/drawing/2014/main" id="{720582C4-B2B1-8D8E-0C9C-BF90EFA00485}"/>
+            </a:ext>
+          </a:extLst>
+        </p:cNvPr>
+        <p:cNvGrpSpPr/>
+        <p:nvPr/>
+      </p:nvGrpSpPr>
+      <p:grpSpPr>
+        <a:xfrm>
+          <a:off x="0" y="0"/>
+          <a:ext cx="0" cy="0"/>
+          <a:chOff x="0" y="0"/>
+          <a:chExt cx="0" cy="0"/>
+        </a:xfrm>
+      </p:grpSpPr>
+      <p:sp useBgFill="1">
+        <p:nvSpPr>
+          <p:cNvPr id="29" name="Rectangle 28">
+            <a:extLst>
+              <a:ext uri="{FF2B5EF4-FFF2-40B4-BE49-F238E27FC236}">
+                <a16:creationId xmlns:a16="http://schemas.microsoft.com/office/drawing/2014/main" id="{149FB5C3-7336-4FE0-A30C-CC0A3646D499}"/>
+              </a:ext>
+              <a:ext uri="{C183D7F6-B498-43B3-948B-1728B52AA6E4}">
+                <adec:decorative xmlns:adec="http://schemas.microsoft.com/office/drawing/2017/decorative" val="1"/>
+              </a:ext>
+            </a:extLst>
+          </p:cNvPr>
+          <p:cNvSpPr>
+            <a:spLocks noGrp="1" noRot="1" noChangeAspect="1" noMove="1" noResize="1" noEditPoints="1" noAdjustHandles="1" noChangeArrowheads="1" noChangeShapeType="1" noTextEdit="1"/>
+          </p:cNvSpPr>
+          <p:nvPr>
+            <p:extLst>
+              <p:ext uri="{386F3935-93C4-4BCD-93E2-E3B085C9AB24}">
+                <p16:designElem xmlns:p16="http://schemas.microsoft.com/office/powerpoint/2015/main" val="1"/>
+              </p:ext>
+            </p:extLst>
+          </p:nvPr>
+        </p:nvSpPr>
+        <p:spPr>
+          <a:xfrm>
+            <a:off x="0" y="0"/>
+            <a:ext cx="12191999" cy="6857365"/>
+          </a:xfrm>
+          <a:prstGeom prst="rect">
+            <a:avLst/>
+          </a:prstGeom>
+          <a:ln>
+            <a:noFill/>
+          </a:ln>
+        </p:spPr>
+        <p:style>
+          <a:lnRef idx="2">
+            <a:schemeClr val="accent1">
+              <a:shade val="50000"/>
+            </a:schemeClr>
+          </a:lnRef>
+          <a:fillRef idx="1">
+            <a:schemeClr val="accent1"/>
+          </a:fillRef>
+          <a:effectRef idx="0">
+            <a:schemeClr val="accent1"/>
+          </a:effectRef>
+          <a:fontRef idx="minor">
+            <a:schemeClr val="lt1"/>
+          </a:fontRef>
+        </p:style>
+        <p:txBody>
+          <a:bodyPr rtlCol="0" anchor="ctr"/>
+          <a:lstStyle/>
+          <a:p>
+            <a:pPr algn="ctr"/>
+            <a:endParaRPr lang="en-US"/>
+          </a:p>
+        </p:txBody>
+      </p:sp>
+      <p:grpSp>
+        <p:nvGrpSpPr>
+          <p:cNvPr id="30" name="Group 29">
+            <a:extLst>
+              <a:ext uri="{FF2B5EF4-FFF2-40B4-BE49-F238E27FC236}">
+                <a16:creationId xmlns:a16="http://schemas.microsoft.com/office/drawing/2014/main" id="{19A6B5CE-CB1D-48EE-8B43-E952235C8371}"/>
+              </a:ext>
+              <a:ext uri="{C183D7F6-B498-43B3-948B-1728B52AA6E4}">
+                <adec:decorative xmlns:adec="http://schemas.microsoft.com/office/drawing/2017/decorative" val="1"/>
+              </a:ext>
+            </a:extLst>
+          </p:cNvPr>
+          <p:cNvGrpSpPr>
+            <a:grpSpLocks noGrp="1" noUngrp="1" noRot="1" noChangeAspect="1" noMove="1" noResize="1"/>
+          </p:cNvGrpSpPr>
+          <p:nvPr>
+            <p:extLst>
+              <p:ext uri="{386F3935-93C4-4BCD-93E2-E3B085C9AB24}">
+                <p16:designElem xmlns:p16="http://schemas.microsoft.com/office/powerpoint/2015/main" val="1"/>
+              </p:ext>
+            </p:extLst>
+          </p:nvPr>
+        </p:nvGrpSpPr>
+        <p:grpSpPr>
+          <a:xfrm rot="5400000">
+            <a:off x="-2340441" y="2666183"/>
+            <a:ext cx="5860051" cy="527712"/>
+            <a:chOff x="6081624" y="1998368"/>
+            <a:chExt cx="5613457" cy="782175"/>
+          </a:xfrm>
+          <a:solidFill>
+            <a:schemeClr val="accent4"/>
+          </a:solidFill>
+        </p:grpSpPr>
+        <p:sp>
+          <p:nvSpPr>
+            <p:cNvPr id="31" name="Rectangle 30">
+              <a:extLst>
+                <a:ext uri="{FF2B5EF4-FFF2-40B4-BE49-F238E27FC236}">
+                  <a16:creationId xmlns:a16="http://schemas.microsoft.com/office/drawing/2014/main" id="{E3F3EAA5-4E15-400B-BBA3-82B3F49A2178}"/>
+                </a:ext>
+                <a:ext uri="{C183D7F6-B498-43B3-948B-1728B52AA6E4}">
+                  <adec:decorative xmlns:adec="http://schemas.microsoft.com/office/drawing/2017/decorative" val="1"/>
+                </a:ext>
+              </a:extLst>
+            </p:cNvPr>
+            <p:cNvSpPr/>
+            <p:nvPr>
+              <p:extLst>
+                <p:ext uri="{386F3935-93C4-4BCD-93E2-E3B085C9AB24}">
+                  <p16:designElem xmlns:p16="http://schemas.microsoft.com/office/powerpoint/2015/main" val="1"/>
+                </p:ext>
+              </p:extLst>
+            </p:nvPr>
+          </p:nvSpPr>
+          <p:spPr>
+            <a:xfrm rot="5400000">
+              <a:off x="11228040" y="2313027"/>
+              <a:ext cx="781700" cy="152382"/>
+            </a:xfrm>
+            <a:prstGeom prst="rect">
+              <a:avLst/>
+            </a:prstGeom>
+            <a:grpFill/>
+            <a:ln>
+              <a:noFill/>
+            </a:ln>
+          </p:spPr>
+          <p:style>
+            <a:lnRef idx="2">
+              <a:schemeClr val="accent1">
+                <a:shade val="50000"/>
+              </a:schemeClr>
+            </a:lnRef>
+            <a:fillRef idx="1">
+              <a:schemeClr val="accent1"/>
+            </a:fillRef>
+            <a:effectRef idx="0">
+              <a:schemeClr val="accent1"/>
+            </a:effectRef>
+            <a:fontRef idx="minor">
+              <a:schemeClr val="lt1"/>
+            </a:fontRef>
+          </p:style>
+          <p:txBody>
+            <a:bodyPr rtlCol="0" anchor="ctr"/>
+            <a:lstStyle/>
+            <a:p>
+              <a:pPr algn="ctr"/>
+              <a:endParaRPr lang="en-US"/>
+            </a:p>
+          </p:txBody>
+        </p:sp>
+        <p:sp>
+          <p:nvSpPr>
+            <p:cNvPr id="32" name="Rectangle 31">
+              <a:extLst>
+                <a:ext uri="{FF2B5EF4-FFF2-40B4-BE49-F238E27FC236}">
+                  <a16:creationId xmlns:a16="http://schemas.microsoft.com/office/drawing/2014/main" id="{72BA2E40-BE9B-4C54-9CDD-40EE804CCE64}"/>
+                </a:ext>
+                <a:ext uri="{C183D7F6-B498-43B3-948B-1728B52AA6E4}">
+                  <adec:decorative xmlns:adec="http://schemas.microsoft.com/office/drawing/2017/decorative" val="1"/>
+                </a:ext>
+              </a:extLst>
+            </p:cNvPr>
+            <p:cNvSpPr/>
+            <p:nvPr>
+              <p:extLst>
+                <p:ext uri="{386F3935-93C4-4BCD-93E2-E3B085C9AB24}">
+                  <p16:designElem xmlns:p16="http://schemas.microsoft.com/office/powerpoint/2015/main" val="1"/>
+                </p:ext>
+              </p:extLst>
+            </p:nvPr>
+          </p:nvSpPr>
+          <p:spPr>
+            <a:xfrm flipH="1" flipV="1">
+              <a:off x="6081624" y="1998844"/>
+              <a:ext cx="5372968" cy="781699"/>
+            </a:xfrm>
+            <a:prstGeom prst="rect">
+              <a:avLst/>
+            </a:prstGeom>
+            <a:grpFill/>
+            <a:ln>
+              <a:noFill/>
+            </a:ln>
+          </p:spPr>
+          <p:style>
+            <a:lnRef idx="2">
+              <a:schemeClr val="accent1">
+                <a:shade val="50000"/>
+              </a:schemeClr>
+            </a:lnRef>
+            <a:fillRef idx="1">
+              <a:schemeClr val="accent1"/>
+            </a:fillRef>
+            <a:effectRef idx="0">
+              <a:schemeClr val="accent1"/>
+            </a:effectRef>
+            <a:fontRef idx="minor">
+              <a:schemeClr val="lt1"/>
+            </a:fontRef>
+          </p:style>
+          <p:txBody>
+            <a:bodyPr rtlCol="0" anchor="ctr"/>
+            <a:lstStyle/>
+            <a:p>
+              <a:pPr algn="ctr"/>
+              <a:endParaRPr lang="en-US"/>
+            </a:p>
+          </p:txBody>
+        </p:sp>
+      </p:grpSp>
+      <p:sp>
+        <p:nvSpPr>
+          <p:cNvPr id="33" name="Rectangle 32">
+            <a:extLst>
+              <a:ext uri="{FF2B5EF4-FFF2-40B4-BE49-F238E27FC236}">
+                <a16:creationId xmlns:a16="http://schemas.microsoft.com/office/drawing/2014/main" id="{0DA909B4-15FF-46A6-8A7F-7AEF977FE9ED}"/>
+              </a:ext>
+              <a:ext uri="{C183D7F6-B498-43B3-948B-1728B52AA6E4}">
+                <adec:decorative xmlns:adec="http://schemas.microsoft.com/office/drawing/2017/decorative" val="1"/>
+              </a:ext>
+            </a:extLst>
+          </p:cNvPr>
+          <p:cNvSpPr>
+            <a:spLocks noGrp="1" noRot="1" noChangeAspect="1" noMove="1" noResize="1" noEditPoints="1" noAdjustHandles="1" noChangeArrowheads="1" noChangeShapeType="1" noTextEdit="1"/>
+          </p:cNvSpPr>
+          <p:nvPr>
+            <p:extLst>
+              <p:ext uri="{386F3935-93C4-4BCD-93E2-E3B085C9AB24}">
+                <p16:designElem xmlns:p16="http://schemas.microsoft.com/office/powerpoint/2015/main" val="1"/>
+              </p:ext>
+            </p:extLst>
+          </p:nvPr>
+        </p:nvSpPr>
+        <p:spPr>
+          <a:xfrm>
+            <a:off x="579528" y="517897"/>
+            <a:ext cx="11111729" cy="5857966"/>
+          </a:xfrm>
+          <a:prstGeom prst="rect">
+            <a:avLst/>
+          </a:prstGeom>
+          <a:solidFill>
+            <a:schemeClr val="bg1"/>
+          </a:solidFill>
+          <a:ln>
+            <a:noFill/>
+          </a:ln>
+          <a:effectLst>
+            <a:outerShdw blurRad="139700" dist="127000" dir="5400000" algn="t" rotWithShape="0">
+              <a:prstClr val="black">
+                <a:alpha val="15000"/>
+              </a:prstClr>
+            </a:outerShdw>
+          </a:effectLst>
+        </p:spPr>
+        <p:style>
+          <a:lnRef idx="2">
+            <a:schemeClr val="accent1">
+              <a:shade val="50000"/>
+            </a:schemeClr>
+          </a:lnRef>
+          <a:fillRef idx="1">
+            <a:schemeClr val="accent1"/>
+          </a:fillRef>
+          <a:effectRef idx="0">
+            <a:schemeClr val="accent1"/>
+          </a:effectRef>
+          <a:fontRef idx="minor">
+            <a:schemeClr val="lt1"/>
+          </a:fontRef>
+        </p:style>
+        <p:txBody>
+          <a:bodyPr rtlCol="0" anchor="ctr"/>
+          <a:lstStyle/>
+          <a:p>
+            <a:pPr algn="ctr"/>
+            <a:endParaRPr lang="en-US"/>
+          </a:p>
+        </p:txBody>
+      </p:sp>
+      <p:sp>
+        <p:nvSpPr>
+          <p:cNvPr id="2" name="Title 1">
+            <a:extLst>
+              <a:ext uri="{FF2B5EF4-FFF2-40B4-BE49-F238E27FC236}">
+                <a16:creationId xmlns:a16="http://schemas.microsoft.com/office/drawing/2014/main" id="{D9D46341-BEFA-12C0-3791-4C55A6BD5F28}"/>
+              </a:ext>
+            </a:extLst>
+          </p:cNvPr>
+          <p:cNvSpPr>
+            <a:spLocks noGrp="1"/>
+          </p:cNvSpPr>
+          <p:nvPr>
+            <p:ph type="title"/>
+          </p:nvPr>
+        </p:nvSpPr>
+        <p:spPr>
+          <a:xfrm>
+            <a:off x="1057025" y="922644"/>
+            <a:ext cx="5040285" cy="1169585"/>
+          </a:xfrm>
+        </p:spPr>
+        <p:txBody>
+          <a:bodyPr anchor="b">
+            <a:normAutofit/>
+          </a:bodyPr>
+          <a:lstStyle/>
+          <a:p>
+            <a:r>
+              <a:rPr lang="pl-PL" sz="3400"/>
+              <a:t>Wyjątki (</a:t>
+            </a:r>
+            <a:r>
+              <a:rPr lang="pl-PL" sz="3400" i="1"/>
+              <a:t>exceptions</a:t>
+            </a:r>
+            <a:r>
+              <a:rPr lang="pl-PL" sz="3400"/>
+              <a:t>) a błędy składni (</a:t>
+            </a:r>
+            <a:r>
+              <a:rPr lang="pl-PL" sz="3400" i="1"/>
+              <a:t>syntax errors</a:t>
+            </a:r>
+            <a:r>
+              <a:rPr lang="pl-PL" sz="3400"/>
+              <a:t>)</a:t>
+            </a:r>
+            <a:endParaRPr lang="en-PL" sz="3400"/>
+          </a:p>
+        </p:txBody>
+      </p:sp>
+      <p:sp>
+        <p:nvSpPr>
+          <p:cNvPr id="34" name="Rectangle 33">
+            <a:extLst>
+              <a:ext uri="{FF2B5EF4-FFF2-40B4-BE49-F238E27FC236}">
+                <a16:creationId xmlns:a16="http://schemas.microsoft.com/office/drawing/2014/main" id="{1382A32C-5B0C-4B1C-A074-76C6DBCC9F87}"/>
+              </a:ext>
+              <a:ext uri="{C183D7F6-B498-43B3-948B-1728B52AA6E4}">
+                <adec:decorative xmlns:adec="http://schemas.microsoft.com/office/drawing/2017/decorative" val="1"/>
+              </a:ext>
+            </a:extLst>
+          </p:cNvPr>
+          <p:cNvSpPr>
+            <a:spLocks noGrp="1" noRot="1" noChangeAspect="1" noMove="1" noResize="1" noEditPoints="1" noAdjustHandles="1" noChangeArrowheads="1" noChangeShapeType="1" noTextEdit="1"/>
+          </p:cNvSpPr>
+          <p:nvPr>
+            <p:extLst>
+              <p:ext uri="{386F3935-93C4-4BCD-93E2-E3B085C9AB24}">
+                <p16:designElem xmlns:p16="http://schemas.microsoft.com/office/powerpoint/2015/main" val="1"/>
+              </p:ext>
+            </p:extLst>
+          </p:nvPr>
+        </p:nvSpPr>
+        <p:spPr>
+          <a:xfrm flipH="1">
+            <a:off x="1055714" y="2263365"/>
+            <a:ext cx="4937760" cy="27432"/>
+          </a:xfrm>
+          <a:prstGeom prst="rect">
+            <a:avLst/>
+          </a:prstGeom>
+          <a:solidFill>
+            <a:schemeClr val="accent4"/>
+          </a:solidFill>
+          <a:ln>
+            <a:noFill/>
+          </a:ln>
+        </p:spPr>
+        <p:style>
+          <a:lnRef idx="2">
+            <a:schemeClr val="accent1">
+              <a:shade val="50000"/>
+            </a:schemeClr>
+          </a:lnRef>
+          <a:fillRef idx="1">
+            <a:schemeClr val="accent1"/>
+          </a:fillRef>
+          <a:effectRef idx="0">
+            <a:schemeClr val="accent1"/>
+          </a:effectRef>
+          <a:fontRef idx="minor">
+            <a:schemeClr val="lt1"/>
+          </a:fontRef>
+        </p:style>
+        <p:txBody>
+          <a:bodyPr rtlCol="0" anchor="ctr"/>
+          <a:lstStyle/>
+          <a:p>
+            <a:pPr algn="ctr"/>
+            <a:endParaRPr lang="en-US"/>
+          </a:p>
+        </p:txBody>
+      </p:sp>
+      <p:sp>
+        <p:nvSpPr>
+          <p:cNvPr id="3" name="Content Placeholder 2">
+            <a:extLst>
+              <a:ext uri="{FF2B5EF4-FFF2-40B4-BE49-F238E27FC236}">
+                <a16:creationId xmlns:a16="http://schemas.microsoft.com/office/drawing/2014/main" id="{13183710-C633-A0B4-B6FE-8BFCCBCD65C5}"/>
+              </a:ext>
+            </a:extLst>
+          </p:cNvPr>
+          <p:cNvSpPr>
+            <a:spLocks noGrp="1"/>
+          </p:cNvSpPr>
+          <p:nvPr>
+            <p:ph idx="1"/>
+          </p:nvPr>
+        </p:nvSpPr>
+        <p:spPr>
+          <a:xfrm>
+            <a:off x="1055715" y="2508105"/>
+            <a:ext cx="5040285" cy="3632493"/>
+          </a:xfrm>
+        </p:spPr>
+        <p:txBody>
+          <a:bodyPr anchor="ctr">
+            <a:normAutofit/>
+          </a:bodyPr>
+          <a:lstStyle/>
+          <a:p>
+            <a:r>
+              <a:rPr lang="pl-PL" sz="2000" noProof="0"/>
+              <a:t>Błędy składni – błędy parsowania, są wykrywane przed wykonaniem kodu.</a:t>
+            </a:r>
+            <a:br>
+              <a:rPr lang="pl-PL" sz="2000" noProof="0"/>
+            </a:br>
+            <a:r>
+              <a:rPr lang="pl-PL" sz="2000" b="0" i="0" u="none" strike="noStrike" noProof="0">
+                <a:effectLst/>
+                <a:latin typeface="quote-cjk-patch"/>
+              </a:rPr>
+              <a:t>Program </a:t>
+            </a:r>
+            <a:r>
+              <a:rPr lang="pl-PL" sz="2000" b="1" i="0" u="none" strike="noStrike" noProof="0">
+                <a:effectLst/>
+                <a:latin typeface="quote-cjk-patch"/>
+              </a:rPr>
+              <a:t>nie rozpocznie wykonania</a:t>
+            </a:r>
+            <a:r>
+              <a:rPr lang="pl-PL" sz="2000" b="0" i="0" u="none" strike="noStrike" noProof="0">
+                <a:effectLst/>
+                <a:latin typeface="quote-cjk-patch"/>
+              </a:rPr>
+              <a:t>, jeśli zawiera błędy składni</a:t>
+            </a:r>
+            <a:br>
+              <a:rPr lang="pl-PL" sz="2000" noProof="0"/>
+            </a:br>
+            <a:r>
+              <a:rPr lang="pl-PL" sz="2000" noProof="0"/>
+              <a:t>Przykład: brakujący nawias, literówka</a:t>
+            </a:r>
+            <a:endParaRPr lang="pl-PL" sz="2000" b="0" i="0" u="none" strike="noStrike" noProof="0">
+              <a:effectLst/>
+              <a:latin typeface="quote-cjk-patch"/>
+            </a:endParaRPr>
+          </a:p>
+          <a:p>
+            <a:r>
+              <a:rPr lang="pl-PL" sz="2000" b="0" i="0" u="none" strike="noStrike" noProof="0">
+                <a:effectLst/>
+                <a:latin typeface="quote-cjk-patch"/>
+              </a:rPr>
+              <a:t>Wyjątki – występują już na etapie wykonywania programu</a:t>
+            </a:r>
+            <a:endParaRPr lang="pl-PL" sz="2000" noProof="0"/>
+          </a:p>
+        </p:txBody>
+      </p:sp>
+      <p:pic>
+        <p:nvPicPr>
+          <p:cNvPr id="4" name="Picture 3" descr="A screen shot of a computer program&#10;&#10;Description automatically generated">
+            <a:extLst>
+              <a:ext uri="{FF2B5EF4-FFF2-40B4-BE49-F238E27FC236}">
+                <a16:creationId xmlns:a16="http://schemas.microsoft.com/office/drawing/2014/main" id="{4084DFFC-B67A-D351-AA03-B8AC03ADA54E}"/>
+              </a:ext>
+            </a:extLst>
+          </p:cNvPr>
+          <p:cNvPicPr>
+            <a:picLocks noChangeAspect="1"/>
+          </p:cNvPicPr>
+          <p:nvPr/>
+        </p:nvPicPr>
+        <p:blipFill>
+          <a:blip r:embed="rId2"/>
+          <a:srcRect l="6521" t="8195" r="5051" b="6574"/>
+          <a:stretch/>
+        </p:blipFill>
+        <p:spPr>
+          <a:xfrm>
+            <a:off x="6946667" y="779877"/>
+            <a:ext cx="4389120" cy="2569989"/>
+          </a:xfrm>
+          <a:prstGeom prst="rect">
+            <a:avLst/>
+          </a:prstGeom>
+        </p:spPr>
+      </p:pic>
+      <p:pic>
+        <p:nvPicPr>
+          <p:cNvPr id="5" name="Picture 4" descr="A screen shot of a computer program&#10;&#10;Description automatically generated">
+            <a:extLst>
+              <a:ext uri="{FF2B5EF4-FFF2-40B4-BE49-F238E27FC236}">
+                <a16:creationId xmlns:a16="http://schemas.microsoft.com/office/drawing/2014/main" id="{14AEFB8A-CF3A-98ED-B058-0986FF61410C}"/>
+              </a:ext>
+            </a:extLst>
+          </p:cNvPr>
+          <p:cNvPicPr>
+            <a:picLocks noChangeAspect="1"/>
+          </p:cNvPicPr>
+          <p:nvPr/>
+        </p:nvPicPr>
+        <p:blipFill>
+          <a:blip r:embed="rId3"/>
+          <a:srcRect l="5157" t="9555" r="4262" b="10681"/>
+          <a:stretch/>
+        </p:blipFill>
+        <p:spPr>
+          <a:xfrm>
+            <a:off x="6946667" y="3706166"/>
+            <a:ext cx="4389120" cy="2318988"/>
+          </a:xfrm>
+          <a:prstGeom prst="rect">
+            <a:avLst/>
+          </a:prstGeom>
+        </p:spPr>
+      </p:pic>
+    </p:spTree>
+    <p:extLst>
+      <p:ext uri="{BB962C8B-B14F-4D97-AF65-F5344CB8AC3E}">
+        <p14:creationId xmlns:p14="http://schemas.microsoft.com/office/powerpoint/2010/main" val="3133110051"/>
+      </p:ext>
+    </p:extLst>
+  </p:cSld>
+  <p:clrMapOvr>
+    <a:masterClrMapping/>
+  </p:clrMapOvr>
+</p:sld>
+</file>
+
+<file path=ppt/slides/slide6.xml><?xml version="1.0" encoding="utf-8"?>
+<p:sld xmlns:a="http://schemas.openxmlformats.org/drawingml/2006/main" xmlns:r="http://schemas.openxmlformats.org/officeDocument/2006/relationships" xmlns:p="http://schemas.openxmlformats.org/presentationml/2006/main">
+  <p:cSld>
+    <p:bg>
+      <p:bgPr>
+        <a:solidFill>
+          <a:schemeClr val="bg1"/>
+        </a:solidFill>
+        <a:effectLst/>
+      </p:bgPr>
+    </p:bg>
     <p:spTree>
       <p:nvGrpSpPr>
         <p:cNvPr id="1" name=""/>
@@ -4801,251 +7171,309 @@
           <a:chExt cx="0" cy="0"/>
         </a:xfrm>
       </p:grpSpPr>
-      <p:sp>
-        <p:nvSpPr>
-          <p:cNvPr id="2" name="Title 1">
-            <a:extLst>
-              <a:ext uri="{FF2B5EF4-FFF2-40B4-BE49-F238E27FC236}">
-                <a16:creationId xmlns:a16="http://schemas.microsoft.com/office/drawing/2014/main" id="{8623F5F2-2EEF-44A1-F08C-5841EF1288E0}"/>
-              </a:ext>
-            </a:extLst>
-          </p:cNvPr>
-          <p:cNvSpPr>
-            <a:spLocks noGrp="1"/>
-          </p:cNvSpPr>
-          <p:nvPr>
-            <p:ph type="title"/>
-          </p:nvPr>
-        </p:nvSpPr>
-        <p:spPr/>
-        <p:txBody>
-          <a:bodyPr>
-            <a:normAutofit/>
-          </a:bodyPr>
-          <a:lstStyle/>
-          <a:p>
-            <a:r>
-              <a:rPr lang="pl-PL" dirty="0"/>
-              <a:t>Wyjątki (</a:t>
-            </a:r>
-            <a:r>
-              <a:rPr lang="pl-PL" i="1" dirty="0" err="1"/>
-              <a:t>exceptions</a:t>
-            </a:r>
-            <a:r>
-              <a:rPr lang="pl-PL" dirty="0"/>
-              <a:t>) a błędy składni (</a:t>
-            </a:r>
-            <a:r>
-              <a:rPr lang="pl-PL" i="1" dirty="0" err="1"/>
-              <a:t>syntax</a:t>
-            </a:r>
-            <a:r>
-              <a:rPr lang="pl-PL" i="1" dirty="0"/>
-              <a:t> </a:t>
-            </a:r>
-            <a:r>
-              <a:rPr lang="pl-PL" i="1" dirty="0" err="1"/>
-              <a:t>errors</a:t>
-            </a:r>
-            <a:r>
-              <a:rPr lang="pl-PL" dirty="0"/>
-              <a:t>)</a:t>
-            </a:r>
-            <a:endParaRPr lang="en-PL" dirty="0"/>
-          </a:p>
-        </p:txBody>
-      </p:sp>
-      <p:sp>
-        <p:nvSpPr>
-          <p:cNvPr id="3" name="Content Placeholder 2">
-            <a:extLst>
-              <a:ext uri="{FF2B5EF4-FFF2-40B4-BE49-F238E27FC236}">
-                <a16:creationId xmlns:a16="http://schemas.microsoft.com/office/drawing/2014/main" id="{063C9D2C-FC86-C131-06AB-F04C8B601F16}"/>
-              </a:ext>
-            </a:extLst>
-          </p:cNvPr>
-          <p:cNvSpPr>
-            <a:spLocks noGrp="1"/>
-          </p:cNvSpPr>
-          <p:nvPr>
-            <p:ph idx="1"/>
-          </p:nvPr>
-        </p:nvSpPr>
-        <p:spPr/>
-        <p:txBody>
-          <a:bodyPr/>
-          <a:lstStyle/>
-          <a:p>
-            <a:r>
-              <a:rPr lang="pl-PL" noProof="0" dirty="0"/>
-              <a:t>Błędy składni – błędy </a:t>
-            </a:r>
-            <a:r>
-              <a:rPr lang="pl-PL" noProof="0" dirty="0" err="1"/>
-              <a:t>parsowania</a:t>
-            </a:r>
-            <a:r>
-              <a:rPr lang="pl-PL" noProof="0" dirty="0"/>
-              <a:t>, są wykrywane przed wykonaniem kodu.</a:t>
-            </a:r>
-            <a:br>
-              <a:rPr lang="pl-PL" noProof="0" dirty="0"/>
-            </a:br>
-            <a:r>
-              <a:rPr lang="pl-PL" b="0" i="0" u="none" strike="noStrike" noProof="0" dirty="0">
-                <a:solidFill>
-                  <a:srgbClr val="404040"/>
-                </a:solidFill>
-                <a:effectLst/>
-                <a:latin typeface="quote-cjk-patch"/>
-              </a:rPr>
-              <a:t>Program </a:t>
-            </a:r>
-            <a:r>
-              <a:rPr lang="pl-PL" b="1" i="0" u="none" strike="noStrike" noProof="0" dirty="0">
-                <a:solidFill>
-                  <a:srgbClr val="404040"/>
-                </a:solidFill>
-                <a:effectLst/>
-                <a:latin typeface="quote-cjk-patch"/>
-              </a:rPr>
-              <a:t>nie rozpocznie wykonania</a:t>
-            </a:r>
-            <a:r>
-              <a:rPr lang="pl-PL" b="0" i="0" u="none" strike="noStrike" noProof="0" dirty="0">
-                <a:solidFill>
-                  <a:srgbClr val="404040"/>
-                </a:solidFill>
-                <a:effectLst/>
-                <a:latin typeface="quote-cjk-patch"/>
-              </a:rPr>
-              <a:t>, jeśli zawiera błędy składni</a:t>
-            </a:r>
-            <a:br>
-              <a:rPr lang="pl-PL" noProof="0" dirty="0"/>
-            </a:br>
-            <a:r>
-              <a:rPr lang="pl-PL" noProof="0" dirty="0"/>
-              <a:t>Przykład: brakujący nawias, literówka</a:t>
-            </a:r>
-            <a:endParaRPr lang="pl-PL" b="0" i="0" u="none" strike="noStrike" noProof="0" dirty="0">
-              <a:solidFill>
-                <a:srgbClr val="404040"/>
-              </a:solidFill>
-              <a:effectLst/>
-              <a:latin typeface="quote-cjk-patch"/>
-            </a:endParaRPr>
-          </a:p>
-          <a:p>
-            <a:r>
-              <a:rPr lang="pl-PL" b="0" i="0" u="none" strike="noStrike" noProof="0" dirty="0">
-                <a:solidFill>
-                  <a:srgbClr val="404040"/>
-                </a:solidFill>
-                <a:effectLst/>
-                <a:latin typeface="quote-cjk-patch"/>
-              </a:rPr>
-              <a:t>Wyjątki – występują już na etapie wykonywania programu</a:t>
-            </a:r>
-            <a:endParaRPr lang="pl-PL" noProof="0" dirty="0"/>
-          </a:p>
-          <a:p>
-            <a:pPr marL="0" indent="0">
-              <a:buNone/>
-            </a:pPr>
-            <a:endParaRPr lang="en-PL" dirty="0"/>
-          </a:p>
-        </p:txBody>
-      </p:sp>
-      <p:pic>
-        <p:nvPicPr>
-          <p:cNvPr id="4" name="Picture 3" descr="A screen shot of a computer program&#10;&#10;Description automatically generated">
-            <a:extLst>
-              <a:ext uri="{FF2B5EF4-FFF2-40B4-BE49-F238E27FC236}">
-                <a16:creationId xmlns:a16="http://schemas.microsoft.com/office/drawing/2014/main" id="{341E4483-631E-4419-64C1-98879AE3AB02}"/>
-              </a:ext>
-            </a:extLst>
-          </p:cNvPr>
-          <p:cNvPicPr>
-            <a:picLocks noChangeAspect="1"/>
-          </p:cNvPicPr>
-          <p:nvPr/>
-        </p:nvPicPr>
-        <p:blipFill>
-          <a:blip r:embed="rId2"/>
-          <a:srcRect l="6521" t="8195" r="5051" b="6574"/>
-          <a:stretch/>
-        </p:blipFill>
+      <p:sp useBgFill="1">
+        <p:nvSpPr>
+          <p:cNvPr id="10" name="Rectangle 9">
+            <a:extLst>
+              <a:ext uri="{FF2B5EF4-FFF2-40B4-BE49-F238E27FC236}">
+                <a16:creationId xmlns:a16="http://schemas.microsoft.com/office/drawing/2014/main" id="{A8384FB5-9ADC-4DDC-881B-597D56F5B15D}"/>
+              </a:ext>
+              <a:ext uri="{C183D7F6-B498-43B3-948B-1728B52AA6E4}">
+                <adec:decorative xmlns:adec="http://schemas.microsoft.com/office/drawing/2017/decorative" val="1"/>
+              </a:ext>
+            </a:extLst>
+          </p:cNvPr>
+          <p:cNvSpPr>
+            <a:spLocks noGrp="1" noRot="1" noChangeAspect="1" noMove="1" noResize="1" noEditPoints="1" noAdjustHandles="1" noChangeArrowheads="1" noChangeShapeType="1" noTextEdit="1"/>
+          </p:cNvSpPr>
+          <p:nvPr>
+            <p:extLst>
+              <p:ext uri="{386F3935-93C4-4BCD-93E2-E3B085C9AB24}">
+                <p16:designElem xmlns:p16="http://schemas.microsoft.com/office/powerpoint/2015/main" val="1"/>
+              </p:ext>
+            </p:extLst>
+          </p:nvPr>
+        </p:nvSpPr>
         <p:spPr>
           <a:xfrm>
-            <a:off x="838200" y="4001293"/>
-            <a:ext cx="4973664" cy="2913683"/>
+            <a:off x="0" y="0"/>
+            <a:ext cx="12192000" cy="6858000"/>
           </a:xfrm>
           <a:prstGeom prst="rect">
             <a:avLst/>
           </a:prstGeom>
+          <a:ln w="12700" cap="flat" cmpd="sng" algn="ctr">
+            <a:noFill/>
+            <a:prstDash val="solid"/>
+            <a:miter lim="800000"/>
+          </a:ln>
+          <a:effectLst/>
+          <a:extLst>
+            <a:ext uri="{91240B29-F687-4F45-9708-019B960494DF}">
+              <a14:hiddenLine xmlns:a14="http://schemas.microsoft.com/office/drawing/2010/main" w="12700" cap="flat" cmpd="sng" algn="ctr">
+                <a:solidFill>
+                  <a:schemeClr val="accent1">
+                    <a:shade val="50000"/>
+                  </a:schemeClr>
+                </a:solidFill>
+                <a:prstDash val="solid"/>
+                <a:miter lim="800000"/>
+              </a14:hiddenLine>
+            </a:ext>
+          </a:extLst>
         </p:spPr>
-      </p:pic>
-      <p:pic>
-        <p:nvPicPr>
-          <p:cNvPr id="5" name="Picture 4" descr="A screen shot of a computer program&#10;&#10;Description automatically generated">
-            <a:extLst>
-              <a:ext uri="{FF2B5EF4-FFF2-40B4-BE49-F238E27FC236}">
-                <a16:creationId xmlns:a16="http://schemas.microsoft.com/office/drawing/2014/main" id="{DCFFEC91-9343-F5CA-18B8-A896C9B70546}"/>
-              </a:ext>
-            </a:extLst>
-          </p:cNvPr>
-          <p:cNvPicPr>
-            <a:picLocks noChangeAspect="1"/>
-          </p:cNvPicPr>
-          <p:nvPr/>
-        </p:nvPicPr>
-        <p:blipFill>
-          <a:blip r:embed="rId3"/>
-          <a:srcRect l="5157" t="9555" r="4262" b="10681"/>
-          <a:stretch/>
-        </p:blipFill>
+        <p:style>
+          <a:lnRef idx="2">
+            <a:schemeClr val="accent1">
+              <a:shade val="50000"/>
+            </a:schemeClr>
+          </a:lnRef>
+          <a:fillRef idx="1">
+            <a:schemeClr val="accent1"/>
+          </a:fillRef>
+          <a:effectRef idx="0">
+            <a:schemeClr val="accent1"/>
+          </a:effectRef>
+          <a:fontRef idx="minor">
+            <a:schemeClr val="lt1"/>
+          </a:fontRef>
+        </p:style>
+        <p:txBody>
+          <a:bodyPr rtlCol="0" anchor="ctr"/>
+          <a:lstStyle/>
+          <a:p>
+            <a:pPr algn="ctr"/>
+            <a:endParaRPr lang="en-US"/>
+          </a:p>
+        </p:txBody>
+      </p:sp>
+      <p:sp>
+        <p:nvSpPr>
+          <p:cNvPr id="27" name="Rectangle 26">
+            <a:extLst>
+              <a:ext uri="{FF2B5EF4-FFF2-40B4-BE49-F238E27FC236}">
+                <a16:creationId xmlns:a16="http://schemas.microsoft.com/office/drawing/2014/main" id="{1199E1B1-A8C0-4FE8-A5A8-1CB41D69F857}"/>
+              </a:ext>
+              <a:ext uri="{C183D7F6-B498-43B3-948B-1728B52AA6E4}">
+                <adec:decorative xmlns:adec="http://schemas.microsoft.com/office/drawing/2017/decorative" val="1"/>
+              </a:ext>
+            </a:extLst>
+          </p:cNvPr>
+          <p:cNvSpPr>
+            <a:spLocks noGrp="1" noRot="1" noChangeAspect="1" noMove="1" noResize="1" noEditPoints="1" noAdjustHandles="1" noChangeArrowheads="1" noChangeShapeType="1" noTextEdit="1"/>
+          </p:cNvSpPr>
+          <p:nvPr>
+            <p:extLst>
+              <p:ext uri="{386F3935-93C4-4BCD-93E2-E3B085C9AB24}">
+                <p16:designElem xmlns:p16="http://schemas.microsoft.com/office/powerpoint/2015/main" val="1"/>
+              </p:ext>
+            </p:extLst>
+          </p:nvPr>
+        </p:nvSpPr>
         <p:spPr>
-          <a:xfrm>
-            <a:off x="6096000" y="4001294"/>
-            <a:ext cx="5514670" cy="2913683"/>
+          <a:xfrm rot="10800000" flipH="1">
+            <a:off x="2" y="0"/>
+            <a:ext cx="12191998" cy="1575955"/>
           </a:xfrm>
           <a:prstGeom prst="rect">
             <a:avLst/>
           </a:prstGeom>
+          <a:gradFill>
+            <a:gsLst>
+              <a:gs pos="0">
+                <a:srgbClr val="000000">
+                  <a:alpha val="96000"/>
+                </a:srgbClr>
+              </a:gs>
+              <a:gs pos="100000">
+                <a:schemeClr val="accent1">
+                  <a:lumMod val="75000"/>
+                </a:schemeClr>
+              </a:gs>
+            </a:gsLst>
+            <a:lin ang="6000000" scaled="0"/>
+          </a:gradFill>
+          <a:ln>
+            <a:noFill/>
+          </a:ln>
         </p:spPr>
-      </p:pic>
-    </p:spTree>
-    <p:extLst>
-      <p:ext uri="{BB962C8B-B14F-4D97-AF65-F5344CB8AC3E}">
-        <p14:creationId xmlns:p14="http://schemas.microsoft.com/office/powerpoint/2010/main" val="1847306145"/>
-      </p:ext>
-    </p:extLst>
-  </p:cSld>
-  <p:clrMapOvr>
-    <a:masterClrMapping/>
-  </p:clrMapOvr>
-</p:sld>
-</file>
-
-<file path=ppt/slides/slide6.xml><?xml version="1.0" encoding="utf-8"?>
-<p:sld xmlns:a="http://schemas.openxmlformats.org/drawingml/2006/main" xmlns:r="http://schemas.openxmlformats.org/officeDocument/2006/relationships" xmlns:p="http://schemas.openxmlformats.org/presentationml/2006/main">
-  <p:cSld>
-    <p:spTree>
-      <p:nvGrpSpPr>
-        <p:cNvPr id="1" name=""/>
-        <p:cNvGrpSpPr/>
-        <p:nvPr/>
-      </p:nvGrpSpPr>
-      <p:grpSpPr>
-        <a:xfrm>
-          <a:off x="0" y="0"/>
-          <a:ext cx="0" cy="0"/>
-          <a:chOff x="0" y="0"/>
-          <a:chExt cx="0" cy="0"/>
-        </a:xfrm>
-      </p:grpSpPr>
+        <p:style>
+          <a:lnRef idx="2">
+            <a:schemeClr val="accent1">
+              <a:shade val="50000"/>
+            </a:schemeClr>
+          </a:lnRef>
+          <a:fillRef idx="1">
+            <a:schemeClr val="accent1"/>
+          </a:fillRef>
+          <a:effectRef idx="0">
+            <a:schemeClr val="accent1"/>
+          </a:effectRef>
+          <a:fontRef idx="minor">
+            <a:schemeClr val="lt1"/>
+          </a:fontRef>
+        </p:style>
+        <p:txBody>
+          <a:bodyPr rtlCol="0" anchor="ctr"/>
+          <a:lstStyle/>
+          <a:p>
+            <a:pPr algn="ctr"/>
+            <a:endParaRPr lang="en-US"/>
+          </a:p>
+        </p:txBody>
+      </p:sp>
+      <p:sp>
+        <p:nvSpPr>
+          <p:cNvPr id="28" name="Rectangle 27">
+            <a:extLst>
+              <a:ext uri="{FF2B5EF4-FFF2-40B4-BE49-F238E27FC236}">
+                <a16:creationId xmlns:a16="http://schemas.microsoft.com/office/drawing/2014/main" id="{84A8DE83-DE75-4B41-9DB4-A7EC0B0DEC0B}"/>
+              </a:ext>
+              <a:ext uri="{C183D7F6-B498-43B3-948B-1728B52AA6E4}">
+                <adec:decorative xmlns:adec="http://schemas.microsoft.com/office/drawing/2017/decorative" val="1"/>
+              </a:ext>
+            </a:extLst>
+          </p:cNvPr>
+          <p:cNvSpPr>
+            <a:spLocks noGrp="1" noRot="1" noChangeAspect="1" noMove="1" noResize="1" noEditPoints="1" noAdjustHandles="1" noChangeArrowheads="1" noChangeShapeType="1" noTextEdit="1"/>
+          </p:cNvSpPr>
+          <p:nvPr>
+            <p:extLst>
+              <p:ext uri="{386F3935-93C4-4BCD-93E2-E3B085C9AB24}">
+                <p16:designElem xmlns:p16="http://schemas.microsoft.com/office/powerpoint/2015/main" val="1"/>
+              </p:ext>
+            </p:extLst>
+          </p:nvPr>
+        </p:nvSpPr>
+        <p:spPr>
+          <a:xfrm>
+            <a:off x="0" y="0"/>
+            <a:ext cx="8128856" cy="1575461"/>
+          </a:xfrm>
+          <a:prstGeom prst="rect">
+            <a:avLst/>
+          </a:prstGeom>
+          <a:gradFill>
+            <a:gsLst>
+              <a:gs pos="0">
+                <a:schemeClr val="accent1">
+                  <a:alpha val="41000"/>
+                </a:schemeClr>
+              </a:gs>
+              <a:gs pos="74000">
+                <a:schemeClr val="accent1">
+                  <a:lumMod val="60000"/>
+                  <a:lumOff val="40000"/>
+                  <a:alpha val="0"/>
+                </a:schemeClr>
+              </a:gs>
+            </a:gsLst>
+            <a:lin ang="8400000" scaled="0"/>
+          </a:gradFill>
+          <a:ln>
+            <a:noFill/>
+          </a:ln>
+        </p:spPr>
+        <p:style>
+          <a:lnRef idx="2">
+            <a:schemeClr val="accent1">
+              <a:shade val="50000"/>
+            </a:schemeClr>
+          </a:lnRef>
+          <a:fillRef idx="1">
+            <a:schemeClr val="accent1"/>
+          </a:fillRef>
+          <a:effectRef idx="0">
+            <a:schemeClr val="accent1"/>
+          </a:effectRef>
+          <a:fontRef idx="minor">
+            <a:schemeClr val="lt1"/>
+          </a:fontRef>
+        </p:style>
+        <p:txBody>
+          <a:bodyPr rtlCol="0" anchor="ctr"/>
+          <a:lstStyle/>
+          <a:p>
+            <a:pPr algn="ctr"/>
+            <a:endParaRPr lang="en-US"/>
+          </a:p>
+        </p:txBody>
+      </p:sp>
+      <p:sp>
+        <p:nvSpPr>
+          <p:cNvPr id="29" name="Rectangle 28">
+            <a:extLst>
+              <a:ext uri="{FF2B5EF4-FFF2-40B4-BE49-F238E27FC236}">
+                <a16:creationId xmlns:a16="http://schemas.microsoft.com/office/drawing/2014/main" id="{A7009A0A-BEF5-4EAC-AF15-E4F9F002E239}"/>
+              </a:ext>
+              <a:ext uri="{C183D7F6-B498-43B3-948B-1728B52AA6E4}">
+                <adec:decorative xmlns:adec="http://schemas.microsoft.com/office/drawing/2017/decorative" val="1"/>
+              </a:ext>
+            </a:extLst>
+          </p:cNvPr>
+          <p:cNvSpPr>
+            <a:spLocks noGrp="1" noRot="1" noChangeAspect="1" noMove="1" noResize="1" noEditPoints="1" noAdjustHandles="1" noChangeArrowheads="1" noChangeShapeType="1" noTextEdit="1"/>
+          </p:cNvSpPr>
+          <p:nvPr>
+            <p:extLst>
+              <p:ext uri="{386F3935-93C4-4BCD-93E2-E3B085C9AB24}">
+                <p16:designElem xmlns:p16="http://schemas.microsoft.com/office/powerpoint/2015/main" val="1"/>
+              </p:ext>
+            </p:extLst>
+          </p:nvPr>
+        </p:nvSpPr>
+        <p:spPr>
+          <a:xfrm flipH="1">
+            <a:off x="-3" y="-1"/>
+            <a:ext cx="12192002" cy="1574311"/>
+          </a:xfrm>
+          <a:prstGeom prst="rect">
+            <a:avLst/>
+          </a:prstGeom>
+          <a:gradFill>
+            <a:gsLst>
+              <a:gs pos="0">
+                <a:srgbClr val="000000">
+                  <a:alpha val="63000"/>
+                </a:srgbClr>
+              </a:gs>
+              <a:gs pos="78000">
+                <a:schemeClr val="accent1">
+                  <a:alpha val="15000"/>
+                </a:schemeClr>
+              </a:gs>
+            </a:gsLst>
+            <a:lin ang="15600000" scaled="0"/>
+          </a:gradFill>
+          <a:ln>
+            <a:noFill/>
+          </a:ln>
+        </p:spPr>
+        <p:style>
+          <a:lnRef idx="2">
+            <a:schemeClr val="accent1">
+              <a:shade val="50000"/>
+            </a:schemeClr>
+          </a:lnRef>
+          <a:fillRef idx="1">
+            <a:schemeClr val="accent1"/>
+          </a:fillRef>
+          <a:effectRef idx="0">
+            <a:schemeClr val="accent1"/>
+          </a:effectRef>
+          <a:fontRef idx="minor">
+            <a:schemeClr val="lt1"/>
+          </a:fontRef>
+        </p:style>
+        <p:txBody>
+          <a:bodyPr rtlCol="0" anchor="ctr"/>
+          <a:lstStyle/>
+          <a:p>
+            <a:pPr algn="ctr"/>
+            <a:endParaRPr lang="en-US"/>
+          </a:p>
+        </p:txBody>
+      </p:sp>
       <p:sp>
         <p:nvSpPr>
           <p:cNvPr id="2" name="Title 1">
@@ -5062,13 +7490,27 @@
             <p:ph type="title"/>
           </p:nvPr>
         </p:nvSpPr>
-        <p:spPr/>
-        <p:txBody>
-          <a:bodyPr/>
-          <a:lstStyle/>
-          <a:p>
-            <a:r>
-              <a:rPr lang="en-PL" dirty="0"/>
+        <p:spPr>
+          <a:xfrm>
+            <a:off x="699713" y="248038"/>
+            <a:ext cx="7063721" cy="1159200"/>
+          </a:xfrm>
+        </p:spPr>
+        <p:txBody>
+          <a:bodyPr vert="horz" lIns="91440" tIns="45720" rIns="91440" bIns="45720" rtlCol="0" anchor="ctr">
+            <a:normAutofit/>
+          </a:bodyPr>
+          <a:lstStyle/>
+          <a:p>
+            <a:r>
+              <a:rPr lang="en-US" sz="4000" kern="1200">
+                <a:solidFill>
+                  <a:srgbClr val="FFFFFF"/>
+                </a:solidFill>
+                <a:latin typeface="+mj-lt"/>
+                <a:ea typeface="+mj-ea"/>
+                <a:cs typeface="+mj-cs"/>
+              </a:rPr>
               <a:t>Komunikat o błędzie</a:t>
             </a:r>
           </a:p>
@@ -5098,9 +7540,12 @@
         </p:blipFill>
         <p:spPr>
           <a:xfrm>
-            <a:off x="838200" y="1514817"/>
-            <a:ext cx="9771743" cy="4978058"/>
+            <a:off x="1731137" y="1966293"/>
+            <a:ext cx="8729724" cy="4452160"/>
           </a:xfrm>
+          <a:prstGeom prst="rect">
+            <a:avLst/>
+          </a:prstGeom>
         </p:spPr>
       </p:pic>
     </p:spTree>
@@ -5143,7 +7588,7 @@
       </p:grpSpPr>
       <p:sp useBgFill="1">
         <p:nvSpPr>
-          <p:cNvPr id="9" name="Rectangle 8">
+          <p:cNvPr id="14" name="Rectangle 13">
             <a:extLst>
               <a:ext uri="{FF2B5EF4-FFF2-40B4-BE49-F238E27FC236}">
                 <a16:creationId xmlns:a16="http://schemas.microsoft.com/office/drawing/2014/main" id="{BF8BE9A2-8956-141B-BFE6-C607C93D8ACA}"/>
@@ -5405,6 +7850,14 @@
 <file path=ppt/slides/slide9.xml><?xml version="1.0" encoding="utf-8"?>
 <p:sld xmlns:a="http://schemas.openxmlformats.org/drawingml/2006/main" xmlns:r="http://schemas.openxmlformats.org/officeDocument/2006/relationships" xmlns:p="http://schemas.openxmlformats.org/presentationml/2006/main">
   <p:cSld>
+    <p:bg>
+      <p:bgPr>
+        <a:solidFill>
+          <a:schemeClr val="bg1"/>
+        </a:solidFill>
+        <a:effectLst/>
+      </p:bgPr>
+    </p:bg>
     <p:spTree>
       <p:nvGrpSpPr>
         <p:cNvPr id="1" name=""/>
@@ -5419,6 +7872,289 @@
           <a:chExt cx="0" cy="0"/>
         </a:xfrm>
       </p:grpSpPr>
+      <p:sp useBgFill="1">
+        <p:nvSpPr>
+          <p:cNvPr id="40" name="Rectangle 39">
+            <a:extLst>
+              <a:ext uri="{FF2B5EF4-FFF2-40B4-BE49-F238E27FC236}">
+                <a16:creationId xmlns:a16="http://schemas.microsoft.com/office/drawing/2014/main" id="{149FB5C3-7336-4FE0-A30C-CC0A3646D499}"/>
+              </a:ext>
+              <a:ext uri="{C183D7F6-B498-43B3-948B-1728B52AA6E4}">
+                <adec:decorative xmlns:adec="http://schemas.microsoft.com/office/drawing/2017/decorative" val="1"/>
+              </a:ext>
+            </a:extLst>
+          </p:cNvPr>
+          <p:cNvSpPr>
+            <a:spLocks noGrp="1" noRot="1" noChangeAspect="1" noMove="1" noResize="1" noEditPoints="1" noAdjustHandles="1" noChangeArrowheads="1" noChangeShapeType="1" noTextEdit="1"/>
+          </p:cNvSpPr>
+          <p:nvPr>
+            <p:extLst>
+              <p:ext uri="{386F3935-93C4-4BCD-93E2-E3B085C9AB24}">
+                <p16:designElem xmlns:p16="http://schemas.microsoft.com/office/powerpoint/2015/main" val="1"/>
+              </p:ext>
+            </p:extLst>
+          </p:nvPr>
+        </p:nvSpPr>
+        <p:spPr>
+          <a:xfrm>
+            <a:off x="0" y="0"/>
+            <a:ext cx="12191999" cy="6857365"/>
+          </a:xfrm>
+          <a:prstGeom prst="rect">
+            <a:avLst/>
+          </a:prstGeom>
+          <a:ln>
+            <a:noFill/>
+          </a:ln>
+        </p:spPr>
+        <p:style>
+          <a:lnRef idx="2">
+            <a:schemeClr val="accent1">
+              <a:shade val="50000"/>
+            </a:schemeClr>
+          </a:lnRef>
+          <a:fillRef idx="1">
+            <a:schemeClr val="accent1"/>
+          </a:fillRef>
+          <a:effectRef idx="0">
+            <a:schemeClr val="accent1"/>
+          </a:effectRef>
+          <a:fontRef idx="minor">
+            <a:schemeClr val="lt1"/>
+          </a:fontRef>
+        </p:style>
+        <p:txBody>
+          <a:bodyPr rtlCol="0" anchor="ctr"/>
+          <a:lstStyle/>
+          <a:p>
+            <a:pPr algn="ctr"/>
+            <a:endParaRPr lang="en-US"/>
+          </a:p>
+        </p:txBody>
+      </p:sp>
+      <p:grpSp>
+        <p:nvGrpSpPr>
+          <p:cNvPr id="41" name="Group 40">
+            <a:extLst>
+              <a:ext uri="{FF2B5EF4-FFF2-40B4-BE49-F238E27FC236}">
+                <a16:creationId xmlns:a16="http://schemas.microsoft.com/office/drawing/2014/main" id="{19A6B5CE-CB1D-48EE-8B43-E952235C8371}"/>
+              </a:ext>
+              <a:ext uri="{C183D7F6-B498-43B3-948B-1728B52AA6E4}">
+                <adec:decorative xmlns:adec="http://schemas.microsoft.com/office/drawing/2017/decorative" val="1"/>
+              </a:ext>
+            </a:extLst>
+          </p:cNvPr>
+          <p:cNvGrpSpPr>
+            <a:grpSpLocks noGrp="1" noUngrp="1" noRot="1" noChangeAspect="1" noMove="1" noResize="1"/>
+          </p:cNvGrpSpPr>
+          <p:nvPr>
+            <p:extLst>
+              <p:ext uri="{386F3935-93C4-4BCD-93E2-E3B085C9AB24}">
+                <p16:designElem xmlns:p16="http://schemas.microsoft.com/office/powerpoint/2015/main" val="1"/>
+              </p:ext>
+            </p:extLst>
+          </p:nvPr>
+        </p:nvGrpSpPr>
+        <p:grpSpPr>
+          <a:xfrm rot="5400000">
+            <a:off x="-2340441" y="2666183"/>
+            <a:ext cx="5860051" cy="527712"/>
+            <a:chOff x="6081624" y="1998368"/>
+            <a:chExt cx="5613457" cy="782175"/>
+          </a:xfrm>
+          <a:solidFill>
+            <a:schemeClr val="accent4"/>
+          </a:solidFill>
+        </p:grpSpPr>
+        <p:sp>
+          <p:nvSpPr>
+            <p:cNvPr id="42" name="Rectangle 41">
+              <a:extLst>
+                <a:ext uri="{FF2B5EF4-FFF2-40B4-BE49-F238E27FC236}">
+                  <a16:creationId xmlns:a16="http://schemas.microsoft.com/office/drawing/2014/main" id="{E3F3EAA5-4E15-400B-BBA3-82B3F49A2178}"/>
+                </a:ext>
+                <a:ext uri="{C183D7F6-B498-43B3-948B-1728B52AA6E4}">
+                  <adec:decorative xmlns:adec="http://schemas.microsoft.com/office/drawing/2017/decorative" val="1"/>
+                </a:ext>
+              </a:extLst>
+            </p:cNvPr>
+            <p:cNvSpPr/>
+            <p:nvPr>
+              <p:extLst>
+                <p:ext uri="{386F3935-93C4-4BCD-93E2-E3B085C9AB24}">
+                  <p16:designElem xmlns:p16="http://schemas.microsoft.com/office/powerpoint/2015/main" val="1"/>
+                </p:ext>
+              </p:extLst>
+            </p:nvPr>
+          </p:nvSpPr>
+          <p:spPr>
+            <a:xfrm rot="5400000">
+              <a:off x="11228040" y="2313027"/>
+              <a:ext cx="781700" cy="152382"/>
+            </a:xfrm>
+            <a:prstGeom prst="rect">
+              <a:avLst/>
+            </a:prstGeom>
+            <a:grpFill/>
+            <a:ln>
+              <a:noFill/>
+            </a:ln>
+          </p:spPr>
+          <p:style>
+            <a:lnRef idx="2">
+              <a:schemeClr val="accent1">
+                <a:shade val="50000"/>
+              </a:schemeClr>
+            </a:lnRef>
+            <a:fillRef idx="1">
+              <a:schemeClr val="accent1"/>
+            </a:fillRef>
+            <a:effectRef idx="0">
+              <a:schemeClr val="accent1"/>
+            </a:effectRef>
+            <a:fontRef idx="minor">
+              <a:schemeClr val="lt1"/>
+            </a:fontRef>
+          </p:style>
+          <p:txBody>
+            <a:bodyPr rtlCol="0" anchor="ctr"/>
+            <a:lstStyle/>
+            <a:p>
+              <a:pPr algn="ctr"/>
+              <a:endParaRPr lang="en-US"/>
+            </a:p>
+          </p:txBody>
+        </p:sp>
+        <p:sp>
+          <p:nvSpPr>
+            <p:cNvPr id="43" name="Rectangle 42">
+              <a:extLst>
+                <a:ext uri="{FF2B5EF4-FFF2-40B4-BE49-F238E27FC236}">
+                  <a16:creationId xmlns:a16="http://schemas.microsoft.com/office/drawing/2014/main" id="{72BA2E40-BE9B-4C54-9CDD-40EE804CCE64}"/>
+                </a:ext>
+                <a:ext uri="{C183D7F6-B498-43B3-948B-1728B52AA6E4}">
+                  <adec:decorative xmlns:adec="http://schemas.microsoft.com/office/drawing/2017/decorative" val="1"/>
+                </a:ext>
+              </a:extLst>
+            </p:cNvPr>
+            <p:cNvSpPr/>
+            <p:nvPr>
+              <p:extLst>
+                <p:ext uri="{386F3935-93C4-4BCD-93E2-E3B085C9AB24}">
+                  <p16:designElem xmlns:p16="http://schemas.microsoft.com/office/powerpoint/2015/main" val="1"/>
+                </p:ext>
+              </p:extLst>
+            </p:nvPr>
+          </p:nvSpPr>
+          <p:spPr>
+            <a:xfrm flipH="1" flipV="1">
+              <a:off x="6081624" y="1998844"/>
+              <a:ext cx="5372968" cy="781699"/>
+            </a:xfrm>
+            <a:prstGeom prst="rect">
+              <a:avLst/>
+            </a:prstGeom>
+            <a:grpFill/>
+            <a:ln>
+              <a:noFill/>
+            </a:ln>
+          </p:spPr>
+          <p:style>
+            <a:lnRef idx="2">
+              <a:schemeClr val="accent1">
+                <a:shade val="50000"/>
+              </a:schemeClr>
+            </a:lnRef>
+            <a:fillRef idx="1">
+              <a:schemeClr val="accent1"/>
+            </a:fillRef>
+            <a:effectRef idx="0">
+              <a:schemeClr val="accent1"/>
+            </a:effectRef>
+            <a:fontRef idx="minor">
+              <a:schemeClr val="lt1"/>
+            </a:fontRef>
+          </p:style>
+          <p:txBody>
+            <a:bodyPr rtlCol="0" anchor="ctr"/>
+            <a:lstStyle/>
+            <a:p>
+              <a:pPr algn="ctr"/>
+              <a:endParaRPr lang="en-US"/>
+            </a:p>
+          </p:txBody>
+        </p:sp>
+      </p:grpSp>
+      <p:sp>
+        <p:nvSpPr>
+          <p:cNvPr id="44" name="Rectangle 43">
+            <a:extLst>
+              <a:ext uri="{FF2B5EF4-FFF2-40B4-BE49-F238E27FC236}">
+                <a16:creationId xmlns:a16="http://schemas.microsoft.com/office/drawing/2014/main" id="{0DA909B4-15FF-46A6-8A7F-7AEF977FE9ED}"/>
+              </a:ext>
+              <a:ext uri="{C183D7F6-B498-43B3-948B-1728B52AA6E4}">
+                <adec:decorative xmlns:adec="http://schemas.microsoft.com/office/drawing/2017/decorative" val="1"/>
+              </a:ext>
+            </a:extLst>
+          </p:cNvPr>
+          <p:cNvSpPr>
+            <a:spLocks noGrp="1" noRot="1" noChangeAspect="1" noMove="1" noResize="1" noEditPoints="1" noAdjustHandles="1" noChangeArrowheads="1" noChangeShapeType="1" noTextEdit="1"/>
+          </p:cNvSpPr>
+          <p:nvPr>
+            <p:extLst>
+              <p:ext uri="{386F3935-93C4-4BCD-93E2-E3B085C9AB24}">
+                <p16:designElem xmlns:p16="http://schemas.microsoft.com/office/powerpoint/2015/main" val="1"/>
+              </p:ext>
+            </p:extLst>
+          </p:nvPr>
+        </p:nvSpPr>
+        <p:spPr>
+          <a:xfrm>
+            <a:off x="579528" y="517897"/>
+            <a:ext cx="11111729" cy="5857966"/>
+          </a:xfrm>
+          <a:prstGeom prst="rect">
+            <a:avLst/>
+          </a:prstGeom>
+          <a:solidFill>
+            <a:schemeClr val="bg1"/>
+          </a:solidFill>
+          <a:ln>
+            <a:noFill/>
+          </a:ln>
+          <a:effectLst>
+            <a:outerShdw blurRad="139700" dist="127000" dir="5400000" algn="t" rotWithShape="0">
+              <a:prstClr val="black">
+                <a:alpha val="15000"/>
+              </a:prstClr>
+            </a:outerShdw>
+          </a:effectLst>
+        </p:spPr>
+        <p:style>
+          <a:lnRef idx="2">
+            <a:schemeClr val="accent1">
+              <a:shade val="50000"/>
+            </a:schemeClr>
+          </a:lnRef>
+          <a:fillRef idx="1">
+            <a:schemeClr val="accent1"/>
+          </a:fillRef>
+          <a:effectRef idx="0">
+            <a:schemeClr val="accent1"/>
+          </a:effectRef>
+          <a:fontRef idx="minor">
+            <a:schemeClr val="lt1"/>
+          </a:fontRef>
+        </p:style>
+        <p:txBody>
+          <a:bodyPr rtlCol="0" anchor="ctr"/>
+          <a:lstStyle/>
+          <a:p>
+            <a:pPr algn="ctr"/>
+            <a:endParaRPr lang="en-US"/>
+          </a:p>
+        </p:txBody>
+      </p:sp>
       <p:sp>
         <p:nvSpPr>
           <p:cNvPr id="2" name="Title 1">
@@ -5435,13 +8171,20 @@
             <p:ph type="title"/>
           </p:nvPr>
         </p:nvSpPr>
-        <p:spPr/>
-        <p:txBody>
-          <a:bodyPr/>
-          <a:lstStyle/>
-          <a:p>
-            <a:r>
-              <a:rPr lang="en-PL" dirty="0"/>
+        <p:spPr>
+          <a:xfrm>
+            <a:off x="1057025" y="922644"/>
+            <a:ext cx="5040285" cy="1169585"/>
+          </a:xfrm>
+        </p:spPr>
+        <p:txBody>
+          <a:bodyPr anchor="b">
+            <a:normAutofit/>
+          </a:bodyPr>
+          <a:lstStyle/>
+          <a:p>
+            <a:r>
+              <a:rPr lang="en-PL" sz="4000"/>
               <a:t>Exception Chaining</a:t>
             </a:r>
           </a:p>
@@ -5449,6 +8192,69 @@
       </p:sp>
       <p:sp>
         <p:nvSpPr>
+          <p:cNvPr id="45" name="Rectangle 44">
+            <a:extLst>
+              <a:ext uri="{FF2B5EF4-FFF2-40B4-BE49-F238E27FC236}">
+                <a16:creationId xmlns:a16="http://schemas.microsoft.com/office/drawing/2014/main" id="{1382A32C-5B0C-4B1C-A074-76C6DBCC9F87}"/>
+              </a:ext>
+              <a:ext uri="{C183D7F6-B498-43B3-948B-1728B52AA6E4}">
+                <adec:decorative xmlns:adec="http://schemas.microsoft.com/office/drawing/2017/decorative" val="1"/>
+              </a:ext>
+            </a:extLst>
+          </p:cNvPr>
+          <p:cNvSpPr>
+            <a:spLocks noGrp="1" noRot="1" noChangeAspect="1" noMove="1" noResize="1" noEditPoints="1" noAdjustHandles="1" noChangeArrowheads="1" noChangeShapeType="1" noTextEdit="1"/>
+          </p:cNvSpPr>
+          <p:nvPr>
+            <p:extLst>
+              <p:ext uri="{386F3935-93C4-4BCD-93E2-E3B085C9AB24}">
+                <p16:designElem xmlns:p16="http://schemas.microsoft.com/office/powerpoint/2015/main" val="1"/>
+              </p:ext>
+            </p:extLst>
+          </p:nvPr>
+        </p:nvSpPr>
+        <p:spPr>
+          <a:xfrm flipH="1">
+            <a:off x="1055714" y="2263365"/>
+            <a:ext cx="4937760" cy="27432"/>
+          </a:xfrm>
+          <a:prstGeom prst="rect">
+            <a:avLst/>
+          </a:prstGeom>
+          <a:solidFill>
+            <a:schemeClr val="accent4"/>
+          </a:solidFill>
+          <a:ln>
+            <a:noFill/>
+          </a:ln>
+        </p:spPr>
+        <p:style>
+          <a:lnRef idx="2">
+            <a:schemeClr val="accent1">
+              <a:shade val="50000"/>
+            </a:schemeClr>
+          </a:lnRef>
+          <a:fillRef idx="1">
+            <a:schemeClr val="accent1"/>
+          </a:fillRef>
+          <a:effectRef idx="0">
+            <a:schemeClr val="accent1"/>
+          </a:effectRef>
+          <a:fontRef idx="minor">
+            <a:schemeClr val="lt1"/>
+          </a:fontRef>
+        </p:style>
+        <p:txBody>
+          <a:bodyPr rtlCol="0" anchor="ctr"/>
+          <a:lstStyle/>
+          <a:p>
+            <a:pPr algn="ctr"/>
+            <a:endParaRPr lang="en-US"/>
+          </a:p>
+        </p:txBody>
+      </p:sp>
+      <p:sp>
+        <p:nvSpPr>
           <p:cNvPr id="3" name="Content Placeholder 2">
             <a:extLst>
               <a:ext uri="{FF2B5EF4-FFF2-40B4-BE49-F238E27FC236}">
@@ -5463,39 +8269,46 @@
             <p:ph idx="1"/>
           </p:nvPr>
         </p:nvSpPr>
-        <p:spPr/>
-        <p:txBody>
-          <a:bodyPr/>
+        <p:spPr>
+          <a:xfrm>
+            <a:off x="1055715" y="2508105"/>
+            <a:ext cx="5040285" cy="3632493"/>
+          </a:xfrm>
+        </p:spPr>
+        <p:txBody>
+          <a:bodyPr anchor="ctr">
+            <a:normAutofit/>
+          </a:bodyPr>
           <a:lstStyle/>
           <a:p>
             <a:pPr marL="0" indent="0">
               <a:buNone/>
             </a:pPr>
             <a:r>
-              <a:rPr lang="en-PL" dirty="0"/>
+              <a:rPr lang="en-PL" sz="2000"/>
               <a:t>Mechanizm umożliwiający przechwytywanie jednego wyjątku i zgłoszenie nowego, zachowując informację o oryginalnym wyjątku.</a:t>
             </a:r>
             <a:br>
-              <a:rPr lang="en-PL" dirty="0"/>
+              <a:rPr lang="en-PL" sz="2000"/>
             </a:br>
             <a:r>
-              <a:rPr lang="en-PL" dirty="0"/>
+              <a:rPr lang="en-PL" sz="2000"/>
               <a:t>Istnieją dwa rodzaje łańcuchowania</a:t>
             </a:r>
           </a:p>
           <a:p>
             <a:r>
-              <a:rPr lang="en-PL" dirty="0"/>
+              <a:rPr lang="en-PL" sz="2000"/>
               <a:t>Implicit chaining – automatyczne, gdy nowy wyjątek jest zgłaszany podczas obsługi innego wyjątku</a:t>
             </a:r>
           </a:p>
           <a:p>
             <a:r>
-              <a:rPr lang="en-PL" dirty="0"/>
+              <a:rPr lang="en-PL" sz="2000"/>
               <a:t>Explicit chaining – ręczne, wymaga użycia składni </a:t>
             </a:r>
             <a:r>
-              <a:rPr lang="en-PL" i="1" dirty="0"/>
+              <a:rPr lang="en-PL" sz="2000" i="1"/>
               <a:t>raise … from …</a:t>
             </a:r>
           </a:p>
@@ -5523,8 +8336,8 @@
         </p:blipFill>
         <p:spPr>
           <a:xfrm>
-            <a:off x="574548" y="4740275"/>
-            <a:ext cx="4800600" cy="1752600"/>
+            <a:off x="6946667" y="1258371"/>
+            <a:ext cx="4389120" cy="1613001"/>
           </a:xfrm>
           <a:prstGeom prst="rect">
             <a:avLst/>
@@ -5553,8 +8366,8 @@
         </p:blipFill>
         <p:spPr>
           <a:xfrm>
-            <a:off x="6096000" y="4740275"/>
-            <a:ext cx="4888829" cy="1752599"/>
+            <a:off x="6946667" y="4081105"/>
+            <a:ext cx="4389120" cy="1569110"/>
           </a:xfrm>
           <a:prstGeom prst="rect">
             <a:avLst/>

--- a/prezentacja.pptx
+++ b/prezentacja.pptx
@@ -5,22 +5,23 @@
     <p:sldMasterId id="2147483648" r:id="rId1"/>
   </p:sldMasterIdLst>
   <p:notesMasterIdLst>
-    <p:notesMasterId r:id="rId15"/>
+    <p:notesMasterId r:id="rId16"/>
   </p:notesMasterIdLst>
   <p:sldIdLst>
     <p:sldId id="256" r:id="rId2"/>
     <p:sldId id="264" r:id="rId3"/>
     <p:sldId id="271" r:id="rId4"/>
     <p:sldId id="258" r:id="rId5"/>
-    <p:sldId id="272" r:id="rId6"/>
-    <p:sldId id="263" r:id="rId7"/>
-    <p:sldId id="259" r:id="rId8"/>
-    <p:sldId id="265" r:id="rId9"/>
-    <p:sldId id="266" r:id="rId10"/>
-    <p:sldId id="270" r:id="rId11"/>
-    <p:sldId id="273" r:id="rId12"/>
-    <p:sldId id="268" r:id="rId13"/>
-    <p:sldId id="274" r:id="rId14"/>
+    <p:sldId id="275" r:id="rId6"/>
+    <p:sldId id="272" r:id="rId7"/>
+    <p:sldId id="263" r:id="rId8"/>
+    <p:sldId id="259" r:id="rId9"/>
+    <p:sldId id="265" r:id="rId10"/>
+    <p:sldId id="266" r:id="rId11"/>
+    <p:sldId id="270" r:id="rId12"/>
+    <p:sldId id="273" r:id="rId13"/>
+    <p:sldId id="268" r:id="rId14"/>
+    <p:sldId id="274" r:id="rId15"/>
   </p:sldIdLst>
   <p:sldSz cx="12192000" cy="6858000"/>
   <p:notesSz cx="6858000" cy="9144000"/>
@@ -542,7 +543,7 @@
           <a:p>
             <a:fld id="{7CC0C6F5-F2D7-3B4D-9F84-752E69494BA0}" type="slidenum">
               <a:rPr lang="en-PL" smtClean="0"/>
-              <a:t>6</a:t>
+              <a:t>7</a:t>
             </a:fld>
             <a:endParaRPr lang="en-PL"/>
           </a:p>
@@ -626,7 +627,7 @@
           <a:p>
             <a:fld id="{7CC0C6F5-F2D7-3B4D-9F84-752E69494BA0}" type="slidenum">
               <a:rPr lang="en-PL" smtClean="0"/>
-              <a:t>9</a:t>
+              <a:t>10</a:t>
             </a:fld>
             <a:endParaRPr lang="en-PL"/>
           </a:p>
@@ -4208,6 +4209,546 @@
       </p:grpSpPr>
       <p:sp useBgFill="1">
         <p:nvSpPr>
+          <p:cNvPr id="40" name="Rectangle 39">
+            <a:extLst>
+              <a:ext uri="{FF2B5EF4-FFF2-40B4-BE49-F238E27FC236}">
+                <a16:creationId xmlns:a16="http://schemas.microsoft.com/office/drawing/2014/main" id="{149FB5C3-7336-4FE0-A30C-CC0A3646D499}"/>
+              </a:ext>
+              <a:ext uri="{C183D7F6-B498-43B3-948B-1728B52AA6E4}">
+                <adec:decorative xmlns:adec="http://schemas.microsoft.com/office/drawing/2017/decorative" val="1"/>
+              </a:ext>
+            </a:extLst>
+          </p:cNvPr>
+          <p:cNvSpPr>
+            <a:spLocks noGrp="1" noRot="1" noChangeAspect="1" noMove="1" noResize="1" noEditPoints="1" noAdjustHandles="1" noChangeArrowheads="1" noChangeShapeType="1" noTextEdit="1"/>
+          </p:cNvSpPr>
+          <p:nvPr>
+            <p:extLst>
+              <p:ext uri="{386F3935-93C4-4BCD-93E2-E3B085C9AB24}">
+                <p16:designElem xmlns:p16="http://schemas.microsoft.com/office/powerpoint/2015/main" val="1"/>
+              </p:ext>
+            </p:extLst>
+          </p:nvPr>
+        </p:nvSpPr>
+        <p:spPr>
+          <a:xfrm>
+            <a:off x="0" y="0"/>
+            <a:ext cx="12191999" cy="6857365"/>
+          </a:xfrm>
+          <a:prstGeom prst="rect">
+            <a:avLst/>
+          </a:prstGeom>
+          <a:ln>
+            <a:noFill/>
+          </a:ln>
+        </p:spPr>
+        <p:style>
+          <a:lnRef idx="2">
+            <a:schemeClr val="accent1">
+              <a:shade val="50000"/>
+            </a:schemeClr>
+          </a:lnRef>
+          <a:fillRef idx="1">
+            <a:schemeClr val="accent1"/>
+          </a:fillRef>
+          <a:effectRef idx="0">
+            <a:schemeClr val="accent1"/>
+          </a:effectRef>
+          <a:fontRef idx="minor">
+            <a:schemeClr val="lt1"/>
+          </a:fontRef>
+        </p:style>
+        <p:txBody>
+          <a:bodyPr rtlCol="0" anchor="ctr"/>
+          <a:lstStyle/>
+          <a:p>
+            <a:pPr algn="ctr"/>
+            <a:endParaRPr lang="en-US"/>
+          </a:p>
+        </p:txBody>
+      </p:sp>
+      <p:grpSp>
+        <p:nvGrpSpPr>
+          <p:cNvPr id="41" name="Group 40">
+            <a:extLst>
+              <a:ext uri="{FF2B5EF4-FFF2-40B4-BE49-F238E27FC236}">
+                <a16:creationId xmlns:a16="http://schemas.microsoft.com/office/drawing/2014/main" id="{19A6B5CE-CB1D-48EE-8B43-E952235C8371}"/>
+              </a:ext>
+              <a:ext uri="{C183D7F6-B498-43B3-948B-1728B52AA6E4}">
+                <adec:decorative xmlns:adec="http://schemas.microsoft.com/office/drawing/2017/decorative" val="1"/>
+              </a:ext>
+            </a:extLst>
+          </p:cNvPr>
+          <p:cNvGrpSpPr>
+            <a:grpSpLocks noGrp="1" noUngrp="1" noRot="1" noChangeAspect="1" noMove="1" noResize="1"/>
+          </p:cNvGrpSpPr>
+          <p:nvPr>
+            <p:extLst>
+              <p:ext uri="{386F3935-93C4-4BCD-93E2-E3B085C9AB24}">
+                <p16:designElem xmlns:p16="http://schemas.microsoft.com/office/powerpoint/2015/main" val="1"/>
+              </p:ext>
+            </p:extLst>
+          </p:nvPr>
+        </p:nvGrpSpPr>
+        <p:grpSpPr>
+          <a:xfrm rot="5400000">
+            <a:off x="-2340441" y="2666183"/>
+            <a:ext cx="5860051" cy="527712"/>
+            <a:chOff x="6081624" y="1998368"/>
+            <a:chExt cx="5613457" cy="782175"/>
+          </a:xfrm>
+          <a:solidFill>
+            <a:schemeClr val="accent4"/>
+          </a:solidFill>
+        </p:grpSpPr>
+        <p:sp>
+          <p:nvSpPr>
+            <p:cNvPr id="42" name="Rectangle 41">
+              <a:extLst>
+                <a:ext uri="{FF2B5EF4-FFF2-40B4-BE49-F238E27FC236}">
+                  <a16:creationId xmlns:a16="http://schemas.microsoft.com/office/drawing/2014/main" id="{E3F3EAA5-4E15-400B-BBA3-82B3F49A2178}"/>
+                </a:ext>
+                <a:ext uri="{C183D7F6-B498-43B3-948B-1728B52AA6E4}">
+                  <adec:decorative xmlns:adec="http://schemas.microsoft.com/office/drawing/2017/decorative" val="1"/>
+                </a:ext>
+              </a:extLst>
+            </p:cNvPr>
+            <p:cNvSpPr/>
+            <p:nvPr>
+              <p:extLst>
+                <p:ext uri="{386F3935-93C4-4BCD-93E2-E3B085C9AB24}">
+                  <p16:designElem xmlns:p16="http://schemas.microsoft.com/office/powerpoint/2015/main" val="1"/>
+                </p:ext>
+              </p:extLst>
+            </p:nvPr>
+          </p:nvSpPr>
+          <p:spPr>
+            <a:xfrm rot="5400000">
+              <a:off x="11228040" y="2313027"/>
+              <a:ext cx="781700" cy="152382"/>
+            </a:xfrm>
+            <a:prstGeom prst="rect">
+              <a:avLst/>
+            </a:prstGeom>
+            <a:grpFill/>
+            <a:ln>
+              <a:noFill/>
+            </a:ln>
+          </p:spPr>
+          <p:style>
+            <a:lnRef idx="2">
+              <a:schemeClr val="accent1">
+                <a:shade val="50000"/>
+              </a:schemeClr>
+            </a:lnRef>
+            <a:fillRef idx="1">
+              <a:schemeClr val="accent1"/>
+            </a:fillRef>
+            <a:effectRef idx="0">
+              <a:schemeClr val="accent1"/>
+            </a:effectRef>
+            <a:fontRef idx="minor">
+              <a:schemeClr val="lt1"/>
+            </a:fontRef>
+          </p:style>
+          <p:txBody>
+            <a:bodyPr rtlCol="0" anchor="ctr"/>
+            <a:lstStyle/>
+            <a:p>
+              <a:pPr algn="ctr"/>
+              <a:endParaRPr lang="en-US"/>
+            </a:p>
+          </p:txBody>
+        </p:sp>
+        <p:sp>
+          <p:nvSpPr>
+            <p:cNvPr id="43" name="Rectangle 42">
+              <a:extLst>
+                <a:ext uri="{FF2B5EF4-FFF2-40B4-BE49-F238E27FC236}">
+                  <a16:creationId xmlns:a16="http://schemas.microsoft.com/office/drawing/2014/main" id="{72BA2E40-BE9B-4C54-9CDD-40EE804CCE64}"/>
+                </a:ext>
+                <a:ext uri="{C183D7F6-B498-43B3-948B-1728B52AA6E4}">
+                  <adec:decorative xmlns:adec="http://schemas.microsoft.com/office/drawing/2017/decorative" val="1"/>
+                </a:ext>
+              </a:extLst>
+            </p:cNvPr>
+            <p:cNvSpPr/>
+            <p:nvPr>
+              <p:extLst>
+                <p:ext uri="{386F3935-93C4-4BCD-93E2-E3B085C9AB24}">
+                  <p16:designElem xmlns:p16="http://schemas.microsoft.com/office/powerpoint/2015/main" val="1"/>
+                </p:ext>
+              </p:extLst>
+            </p:nvPr>
+          </p:nvSpPr>
+          <p:spPr>
+            <a:xfrm flipH="1" flipV="1">
+              <a:off x="6081624" y="1998844"/>
+              <a:ext cx="5372968" cy="781699"/>
+            </a:xfrm>
+            <a:prstGeom prst="rect">
+              <a:avLst/>
+            </a:prstGeom>
+            <a:grpFill/>
+            <a:ln>
+              <a:noFill/>
+            </a:ln>
+          </p:spPr>
+          <p:style>
+            <a:lnRef idx="2">
+              <a:schemeClr val="accent1">
+                <a:shade val="50000"/>
+              </a:schemeClr>
+            </a:lnRef>
+            <a:fillRef idx="1">
+              <a:schemeClr val="accent1"/>
+            </a:fillRef>
+            <a:effectRef idx="0">
+              <a:schemeClr val="accent1"/>
+            </a:effectRef>
+            <a:fontRef idx="minor">
+              <a:schemeClr val="lt1"/>
+            </a:fontRef>
+          </p:style>
+          <p:txBody>
+            <a:bodyPr rtlCol="0" anchor="ctr"/>
+            <a:lstStyle/>
+            <a:p>
+              <a:pPr algn="ctr"/>
+              <a:endParaRPr lang="en-US"/>
+            </a:p>
+          </p:txBody>
+        </p:sp>
+      </p:grpSp>
+      <p:sp>
+        <p:nvSpPr>
+          <p:cNvPr id="44" name="Rectangle 43">
+            <a:extLst>
+              <a:ext uri="{FF2B5EF4-FFF2-40B4-BE49-F238E27FC236}">
+                <a16:creationId xmlns:a16="http://schemas.microsoft.com/office/drawing/2014/main" id="{0DA909B4-15FF-46A6-8A7F-7AEF977FE9ED}"/>
+              </a:ext>
+              <a:ext uri="{C183D7F6-B498-43B3-948B-1728B52AA6E4}">
+                <adec:decorative xmlns:adec="http://schemas.microsoft.com/office/drawing/2017/decorative" val="1"/>
+              </a:ext>
+            </a:extLst>
+          </p:cNvPr>
+          <p:cNvSpPr>
+            <a:spLocks noGrp="1" noRot="1" noChangeAspect="1" noMove="1" noResize="1" noEditPoints="1" noAdjustHandles="1" noChangeArrowheads="1" noChangeShapeType="1" noTextEdit="1"/>
+          </p:cNvSpPr>
+          <p:nvPr>
+            <p:extLst>
+              <p:ext uri="{386F3935-93C4-4BCD-93E2-E3B085C9AB24}">
+                <p16:designElem xmlns:p16="http://schemas.microsoft.com/office/powerpoint/2015/main" val="1"/>
+              </p:ext>
+            </p:extLst>
+          </p:nvPr>
+        </p:nvSpPr>
+        <p:spPr>
+          <a:xfrm>
+            <a:off x="579528" y="517897"/>
+            <a:ext cx="11111729" cy="5857966"/>
+          </a:xfrm>
+          <a:prstGeom prst="rect">
+            <a:avLst/>
+          </a:prstGeom>
+          <a:solidFill>
+            <a:schemeClr val="bg1"/>
+          </a:solidFill>
+          <a:ln>
+            <a:noFill/>
+          </a:ln>
+          <a:effectLst>
+            <a:outerShdw blurRad="139700" dist="127000" dir="5400000" algn="t" rotWithShape="0">
+              <a:prstClr val="black">
+                <a:alpha val="15000"/>
+              </a:prstClr>
+            </a:outerShdw>
+          </a:effectLst>
+        </p:spPr>
+        <p:style>
+          <a:lnRef idx="2">
+            <a:schemeClr val="accent1">
+              <a:shade val="50000"/>
+            </a:schemeClr>
+          </a:lnRef>
+          <a:fillRef idx="1">
+            <a:schemeClr val="accent1"/>
+          </a:fillRef>
+          <a:effectRef idx="0">
+            <a:schemeClr val="accent1"/>
+          </a:effectRef>
+          <a:fontRef idx="minor">
+            <a:schemeClr val="lt1"/>
+          </a:fontRef>
+        </p:style>
+        <p:txBody>
+          <a:bodyPr rtlCol="0" anchor="ctr"/>
+          <a:lstStyle/>
+          <a:p>
+            <a:pPr algn="ctr"/>
+            <a:endParaRPr lang="en-US"/>
+          </a:p>
+        </p:txBody>
+      </p:sp>
+      <p:sp>
+        <p:nvSpPr>
+          <p:cNvPr id="2" name="Title 1">
+            <a:extLst>
+              <a:ext uri="{FF2B5EF4-FFF2-40B4-BE49-F238E27FC236}">
+                <a16:creationId xmlns:a16="http://schemas.microsoft.com/office/drawing/2014/main" id="{2116C051-A97C-7E9E-C333-29963E3B491F}"/>
+              </a:ext>
+            </a:extLst>
+          </p:cNvPr>
+          <p:cNvSpPr>
+            <a:spLocks noGrp="1"/>
+          </p:cNvSpPr>
+          <p:nvPr>
+            <p:ph type="title"/>
+          </p:nvPr>
+        </p:nvSpPr>
+        <p:spPr>
+          <a:xfrm>
+            <a:off x="1057025" y="922644"/>
+            <a:ext cx="5040285" cy="1169585"/>
+          </a:xfrm>
+        </p:spPr>
+        <p:txBody>
+          <a:bodyPr anchor="b">
+            <a:normAutofit/>
+          </a:bodyPr>
+          <a:lstStyle/>
+          <a:p>
+            <a:r>
+              <a:rPr lang="en-PL" sz="4000"/>
+              <a:t>Exception Chaining</a:t>
+            </a:r>
+          </a:p>
+        </p:txBody>
+      </p:sp>
+      <p:sp>
+        <p:nvSpPr>
+          <p:cNvPr id="45" name="Rectangle 44">
+            <a:extLst>
+              <a:ext uri="{FF2B5EF4-FFF2-40B4-BE49-F238E27FC236}">
+                <a16:creationId xmlns:a16="http://schemas.microsoft.com/office/drawing/2014/main" id="{1382A32C-5B0C-4B1C-A074-76C6DBCC9F87}"/>
+              </a:ext>
+              <a:ext uri="{C183D7F6-B498-43B3-948B-1728B52AA6E4}">
+                <adec:decorative xmlns:adec="http://schemas.microsoft.com/office/drawing/2017/decorative" val="1"/>
+              </a:ext>
+            </a:extLst>
+          </p:cNvPr>
+          <p:cNvSpPr>
+            <a:spLocks noGrp="1" noRot="1" noChangeAspect="1" noMove="1" noResize="1" noEditPoints="1" noAdjustHandles="1" noChangeArrowheads="1" noChangeShapeType="1" noTextEdit="1"/>
+          </p:cNvSpPr>
+          <p:nvPr>
+            <p:extLst>
+              <p:ext uri="{386F3935-93C4-4BCD-93E2-E3B085C9AB24}">
+                <p16:designElem xmlns:p16="http://schemas.microsoft.com/office/powerpoint/2015/main" val="1"/>
+              </p:ext>
+            </p:extLst>
+          </p:nvPr>
+        </p:nvSpPr>
+        <p:spPr>
+          <a:xfrm flipH="1">
+            <a:off x="1055714" y="2263365"/>
+            <a:ext cx="4937760" cy="27432"/>
+          </a:xfrm>
+          <a:prstGeom prst="rect">
+            <a:avLst/>
+          </a:prstGeom>
+          <a:solidFill>
+            <a:schemeClr val="accent4"/>
+          </a:solidFill>
+          <a:ln>
+            <a:noFill/>
+          </a:ln>
+        </p:spPr>
+        <p:style>
+          <a:lnRef idx="2">
+            <a:schemeClr val="accent1">
+              <a:shade val="50000"/>
+            </a:schemeClr>
+          </a:lnRef>
+          <a:fillRef idx="1">
+            <a:schemeClr val="accent1"/>
+          </a:fillRef>
+          <a:effectRef idx="0">
+            <a:schemeClr val="accent1"/>
+          </a:effectRef>
+          <a:fontRef idx="minor">
+            <a:schemeClr val="lt1"/>
+          </a:fontRef>
+        </p:style>
+        <p:txBody>
+          <a:bodyPr rtlCol="0" anchor="ctr"/>
+          <a:lstStyle/>
+          <a:p>
+            <a:pPr algn="ctr"/>
+            <a:endParaRPr lang="en-US"/>
+          </a:p>
+        </p:txBody>
+      </p:sp>
+      <p:sp>
+        <p:nvSpPr>
+          <p:cNvPr id="3" name="Content Placeholder 2">
+            <a:extLst>
+              <a:ext uri="{FF2B5EF4-FFF2-40B4-BE49-F238E27FC236}">
+                <a16:creationId xmlns:a16="http://schemas.microsoft.com/office/drawing/2014/main" id="{649B3053-C275-A279-60BB-42E3ABA6E364}"/>
+              </a:ext>
+            </a:extLst>
+          </p:cNvPr>
+          <p:cNvSpPr>
+            <a:spLocks noGrp="1"/>
+          </p:cNvSpPr>
+          <p:nvPr>
+            <p:ph idx="1"/>
+          </p:nvPr>
+        </p:nvSpPr>
+        <p:spPr>
+          <a:xfrm>
+            <a:off x="1055715" y="2508105"/>
+            <a:ext cx="5040285" cy="3632493"/>
+          </a:xfrm>
+        </p:spPr>
+        <p:txBody>
+          <a:bodyPr anchor="ctr">
+            <a:normAutofit/>
+          </a:bodyPr>
+          <a:lstStyle/>
+          <a:p>
+            <a:pPr marL="0" indent="0">
+              <a:buNone/>
+            </a:pPr>
+            <a:r>
+              <a:rPr lang="en-PL" sz="2000"/>
+              <a:t>Mechanizm umożliwiający przechwytywanie jednego wyjątku i zgłoszenie nowego, zachowując informację o oryginalnym wyjątku.</a:t>
+            </a:r>
+            <a:br>
+              <a:rPr lang="en-PL" sz="2000"/>
+            </a:br>
+            <a:r>
+              <a:rPr lang="en-PL" sz="2000"/>
+              <a:t>Istnieją dwa rodzaje łańcuchowania</a:t>
+            </a:r>
+          </a:p>
+          <a:p>
+            <a:r>
+              <a:rPr lang="en-PL" sz="2000"/>
+              <a:t>Implicit chaining – automatyczne, gdy nowy wyjątek jest zgłaszany podczas obsługi innego wyjątku</a:t>
+            </a:r>
+          </a:p>
+          <a:p>
+            <a:r>
+              <a:rPr lang="en-PL" sz="2000"/>
+              <a:t>Explicit chaining – ręczne, wymaga użycia składni </a:t>
+            </a:r>
+            <a:r>
+              <a:rPr lang="en-PL" sz="2000" i="1"/>
+              <a:t>raise … from …</a:t>
+            </a:r>
+          </a:p>
+        </p:txBody>
+      </p:sp>
+      <p:pic>
+        <p:nvPicPr>
+          <p:cNvPr id="6" name="Picture 5" descr="A computer screen shot of a program code&#10;&#10;Description automatically generated">
+            <a:extLst>
+              <a:ext uri="{FF2B5EF4-FFF2-40B4-BE49-F238E27FC236}">
+                <a16:creationId xmlns:a16="http://schemas.microsoft.com/office/drawing/2014/main" id="{1F5A4B92-BCAB-412B-73F4-8357D8CA61AE}"/>
+              </a:ext>
+            </a:extLst>
+          </p:cNvPr>
+          <p:cNvPicPr>
+            <a:picLocks noChangeAspect="1"/>
+          </p:cNvPicPr>
+          <p:nvPr/>
+        </p:nvPicPr>
+        <p:blipFill>
+          <a:blip r:embed="rId3"/>
+          <a:stretch>
+            <a:fillRect/>
+          </a:stretch>
+        </p:blipFill>
+        <p:spPr>
+          <a:xfrm>
+            <a:off x="6946667" y="1258371"/>
+            <a:ext cx="4389120" cy="1613001"/>
+          </a:xfrm>
+          <a:prstGeom prst="rect">
+            <a:avLst/>
+          </a:prstGeom>
+        </p:spPr>
+      </p:pic>
+      <p:pic>
+        <p:nvPicPr>
+          <p:cNvPr id="8" name="Picture 7" descr="A computer screen shot of a program code&#10;&#10;Description automatically generated">
+            <a:extLst>
+              <a:ext uri="{FF2B5EF4-FFF2-40B4-BE49-F238E27FC236}">
+                <a16:creationId xmlns:a16="http://schemas.microsoft.com/office/drawing/2014/main" id="{C94198A6-2B0E-3583-8B8B-E91ECC5DB641}"/>
+              </a:ext>
+            </a:extLst>
+          </p:cNvPr>
+          <p:cNvPicPr>
+            <a:picLocks noChangeAspect="1"/>
+          </p:cNvPicPr>
+          <p:nvPr/>
+        </p:nvPicPr>
+        <p:blipFill>
+          <a:blip r:embed="rId4"/>
+          <a:stretch>
+            <a:fillRect/>
+          </a:stretch>
+        </p:blipFill>
+        <p:spPr>
+          <a:xfrm>
+            <a:off x="6946667" y="4081105"/>
+            <a:ext cx="4389120" cy="1569110"/>
+          </a:xfrm>
+          <a:prstGeom prst="rect">
+            <a:avLst/>
+          </a:prstGeom>
+        </p:spPr>
+      </p:pic>
+    </p:spTree>
+    <p:extLst>
+      <p:ext uri="{BB962C8B-B14F-4D97-AF65-F5344CB8AC3E}">
+        <p14:creationId xmlns:p14="http://schemas.microsoft.com/office/powerpoint/2010/main" val="2505605907"/>
+      </p:ext>
+    </p:extLst>
+  </p:cSld>
+  <p:clrMapOvr>
+    <a:masterClrMapping/>
+  </p:clrMapOvr>
+</p:sld>
+</file>
+
+<file path=ppt/slides/slide11.xml><?xml version="1.0" encoding="utf-8"?>
+<p:sld xmlns:a="http://schemas.openxmlformats.org/drawingml/2006/main" xmlns:r="http://schemas.openxmlformats.org/officeDocument/2006/relationships" xmlns:p="http://schemas.openxmlformats.org/presentationml/2006/main">
+  <p:cSld>
+    <p:bg>
+      <p:bgPr>
+        <a:solidFill>
+          <a:schemeClr val="bg1"/>
+        </a:solidFill>
+        <a:effectLst/>
+      </p:bgPr>
+    </p:bg>
+    <p:spTree>
+      <p:nvGrpSpPr>
+        <p:cNvPr id="1" name=""/>
+        <p:cNvGrpSpPr/>
+        <p:nvPr/>
+      </p:nvGrpSpPr>
+      <p:grpSpPr>
+        <a:xfrm>
+          <a:off x="0" y="0"/>
+          <a:ext cx="0" cy="0"/>
+          <a:chOff x="0" y="0"/>
+          <a:chExt cx="0" cy="0"/>
+        </a:xfrm>
+      </p:grpSpPr>
+      <p:sp useBgFill="1">
+        <p:nvSpPr>
           <p:cNvPr id="10" name="Rectangle 9">
             <a:extLst>
               <a:ext uri="{FF2B5EF4-FFF2-40B4-BE49-F238E27FC236}">
@@ -4594,7 +5135,7 @@
 </p:sld>
 </file>
 
-<file path=ppt/slides/slide11.xml><?xml version="1.0" encoding="utf-8"?>
+<file path=ppt/slides/slide12.xml><?xml version="1.0" encoding="utf-8"?>
 <p:sld xmlns:a="http://schemas.openxmlformats.org/drawingml/2006/main" xmlns:r="http://schemas.openxmlformats.org/officeDocument/2006/relationships" xmlns:p="http://schemas.openxmlformats.org/presentationml/2006/main">
   <p:cSld>
     <p:bg>
@@ -5120,7 +5661,7 @@
 </p:sld>
 </file>
 
-<file path=ppt/slides/slide12.xml><?xml version="1.0" encoding="utf-8"?>
+<file path=ppt/slides/slide13.xml><?xml version="1.0" encoding="utf-8"?>
 <p:sld xmlns:a="http://schemas.openxmlformats.org/drawingml/2006/main" xmlns:r="http://schemas.openxmlformats.org/officeDocument/2006/relationships" xmlns:p="http://schemas.openxmlformats.org/presentationml/2006/main">
   <p:cSld>
     <p:spTree>
@@ -5180,7 +5721,7 @@
 </p:sld>
 </file>
 
-<file path=ppt/slides/slide13.xml><?xml version="1.0" encoding="utf-8"?>
+<file path=ppt/slides/slide14.xml><?xml version="1.0" encoding="utf-8"?>
 <p:sld xmlns:a="http://schemas.openxmlformats.org/drawingml/2006/main" xmlns:r="http://schemas.openxmlformats.org/officeDocument/2006/relationships" xmlns:p="http://schemas.openxmlformats.org/presentationml/2006/main">
   <p:cSld>
     <p:bg>
@@ -6579,6 +7120,186 @@
     </p:bg>
     <p:spTree>
       <p:nvGrpSpPr>
+        <p:cNvPr id="1" name=""/>
+        <p:cNvGrpSpPr/>
+        <p:nvPr/>
+      </p:nvGrpSpPr>
+      <p:grpSpPr>
+        <a:xfrm>
+          <a:off x="0" y="0"/>
+          <a:ext cx="0" cy="0"/>
+          <a:chOff x="0" y="0"/>
+          <a:chExt cx="0" cy="0"/>
+        </a:xfrm>
+      </p:grpSpPr>
+      <p:sp>
+        <p:nvSpPr>
+          <p:cNvPr id="14" name="Down Arrow 7">
+            <a:extLst>
+              <a:ext uri="{FF2B5EF4-FFF2-40B4-BE49-F238E27FC236}">
+                <a16:creationId xmlns:a16="http://schemas.microsoft.com/office/drawing/2014/main" id="{D4771268-CB57-404A-9271-370EB28F6090}"/>
+              </a:ext>
+              <a:ext uri="{C183D7F6-B498-43B3-948B-1728B52AA6E4}">
+                <adec:decorative xmlns:adec="http://schemas.microsoft.com/office/drawing/2017/decorative" val="1"/>
+              </a:ext>
+            </a:extLst>
+          </p:cNvPr>
+          <p:cNvSpPr>
+            <a:spLocks noGrp="1" noRot="1" noChangeAspect="1" noMove="1" noResize="1" noEditPoints="1" noAdjustHandles="1" noChangeArrowheads="1" noChangeShapeType="1" noTextEdit="1"/>
+          </p:cNvSpPr>
+          <p:nvPr>
+            <p:extLst>
+              <p:ext uri="{386F3935-93C4-4BCD-93E2-E3B085C9AB24}">
+                <p16:designElem xmlns:p16="http://schemas.microsoft.com/office/powerpoint/2015/main" val="1"/>
+              </p:ext>
+            </p:extLst>
+          </p:nvPr>
+        </p:nvSpPr>
+        <p:spPr>
+          <a:xfrm rot="16200000">
+            <a:off x="800100" y="1491343"/>
+            <a:ext cx="3333749" cy="3499103"/>
+          </a:xfrm>
+          <a:prstGeom prst="downArrow">
+            <a:avLst>
+              <a:gd name="adj1" fmla="val 100000"/>
+              <a:gd name="adj2" fmla="val 15788"/>
+            </a:avLst>
+          </a:prstGeom>
+          <a:solidFill>
+            <a:srgbClr val="404040"/>
+          </a:solidFill>
+          <a:ln w="53975">
+            <a:noFill/>
+          </a:ln>
+        </p:spPr>
+        <p:style>
+          <a:lnRef idx="2">
+            <a:schemeClr val="accent1">
+              <a:shade val="50000"/>
+            </a:schemeClr>
+          </a:lnRef>
+          <a:fillRef idx="1">
+            <a:schemeClr val="accent1"/>
+          </a:fillRef>
+          <a:effectRef idx="0">
+            <a:schemeClr val="accent1"/>
+          </a:effectRef>
+          <a:fontRef idx="minor">
+            <a:schemeClr val="lt1"/>
+          </a:fontRef>
+        </p:style>
+        <p:txBody>
+          <a:bodyPr rtlCol="0" anchor="ctr"/>
+          <a:lstStyle/>
+          <a:p>
+            <a:pPr algn="ctr"/>
+            <a:endParaRPr lang="en-US"/>
+          </a:p>
+        </p:txBody>
+      </p:sp>
+      <p:sp>
+        <p:nvSpPr>
+          <p:cNvPr id="2" name="Title 1">
+            <a:extLst>
+              <a:ext uri="{FF2B5EF4-FFF2-40B4-BE49-F238E27FC236}">
+                <a16:creationId xmlns:a16="http://schemas.microsoft.com/office/drawing/2014/main" id="{2F33264C-BBA2-3429-07B2-D49306174AC4}"/>
+              </a:ext>
+            </a:extLst>
+          </p:cNvPr>
+          <p:cNvSpPr>
+            <a:spLocks noGrp="1"/>
+          </p:cNvSpPr>
+          <p:nvPr>
+            <p:ph type="title"/>
+          </p:nvPr>
+        </p:nvSpPr>
+        <p:spPr>
+          <a:xfrm>
+            <a:off x="1028700" y="1967266"/>
+            <a:ext cx="2628900" cy="2547257"/>
+          </a:xfrm>
+          <a:noFill/>
+        </p:spPr>
+        <p:txBody>
+          <a:bodyPr vert="horz" lIns="91440" tIns="45720" rIns="91440" bIns="45720" rtlCol="0" anchor="ctr">
+            <a:normAutofit/>
+          </a:bodyPr>
+          <a:lstStyle/>
+          <a:p>
+            <a:pPr algn="ctr"/>
+            <a:r>
+              <a:rPr lang="en-US" sz="3600" kern="1200">
+                <a:solidFill>
+                  <a:srgbClr val="FFFFFF"/>
+                </a:solidFill>
+                <a:latin typeface="+mj-lt"/>
+                <a:ea typeface="+mj-ea"/>
+                <a:cs typeface="+mj-cs"/>
+              </a:rPr>
+              <a:t>Przykład użycia wyjatków</a:t>
+            </a:r>
+          </a:p>
+        </p:txBody>
+      </p:sp>
+      <p:pic>
+        <p:nvPicPr>
+          <p:cNvPr id="9" name="Content Placeholder 8" descr="A screen shot of a computer program&#10;&#10;Description automatically generated">
+            <a:extLst>
+              <a:ext uri="{FF2B5EF4-FFF2-40B4-BE49-F238E27FC236}">
+                <a16:creationId xmlns:a16="http://schemas.microsoft.com/office/drawing/2014/main" id="{788477FE-2191-6FC9-9EDD-E764BC804F87}"/>
+              </a:ext>
+            </a:extLst>
+          </p:cNvPr>
+          <p:cNvPicPr>
+            <a:picLocks noGrp="1" noChangeAspect="1"/>
+          </p:cNvPicPr>
+          <p:nvPr>
+            <p:ph idx="1"/>
+          </p:nvPr>
+        </p:nvPicPr>
+        <p:blipFill>
+          <a:blip r:embed="rId2"/>
+          <a:stretch>
+            <a:fillRect/>
+          </a:stretch>
+        </p:blipFill>
+        <p:spPr>
+          <a:xfrm>
+            <a:off x="4777316" y="1308867"/>
+            <a:ext cx="6780700" cy="4237937"/>
+          </a:xfrm>
+          <a:prstGeom prst="rect">
+            <a:avLst/>
+          </a:prstGeom>
+        </p:spPr>
+      </p:pic>
+    </p:spTree>
+    <p:extLst>
+      <p:ext uri="{BB962C8B-B14F-4D97-AF65-F5344CB8AC3E}">
+        <p14:creationId xmlns:p14="http://schemas.microsoft.com/office/powerpoint/2010/main" val="2703167625"/>
+      </p:ext>
+    </p:extLst>
+  </p:cSld>
+  <p:clrMapOvr>
+    <a:masterClrMapping/>
+  </p:clrMapOvr>
+</p:sld>
+</file>
+
+<file path=ppt/slides/slide6.xml><?xml version="1.0" encoding="utf-8"?>
+<p:sld xmlns:a="http://schemas.openxmlformats.org/drawingml/2006/main" xmlns:r="http://schemas.openxmlformats.org/officeDocument/2006/relationships" xmlns:p="http://schemas.openxmlformats.org/presentationml/2006/main">
+  <p:cSld>
+    <p:bg>
+      <p:bgPr>
+        <a:solidFill>
+          <a:schemeClr val="bg1"/>
+        </a:solidFill>
+        <a:effectLst/>
+      </p:bgPr>
+    </p:bg>
+    <p:spTree>
+      <p:nvGrpSpPr>
         <p:cNvPr id="1" name="">
           <a:extLst>
             <a:ext uri="{FF2B5EF4-FFF2-40B4-BE49-F238E27FC236}">
@@ -7146,7 +7867,7 @@
 </p:sld>
 </file>
 
-<file path=ppt/slides/slide6.xml><?xml version="1.0" encoding="utf-8"?>
+<file path=ppt/slides/slide7.xml><?xml version="1.0" encoding="utf-8"?>
 <p:sld xmlns:a="http://schemas.openxmlformats.org/drawingml/2006/main" xmlns:r="http://schemas.openxmlformats.org/officeDocument/2006/relationships" xmlns:p="http://schemas.openxmlformats.org/presentationml/2006/main">
   <p:cSld>
     <p:bg>
@@ -7561,7 +8282,7 @@
 </p:sld>
 </file>
 
-<file path=ppt/slides/slide7.xml><?xml version="1.0" encoding="utf-8"?>
+<file path=ppt/slides/slide8.xml><?xml version="1.0" encoding="utf-8"?>
 <p:sld xmlns:a="http://schemas.openxmlformats.org/drawingml/2006/main" xmlns:r="http://schemas.openxmlformats.org/officeDocument/2006/relationships" xmlns:p="http://schemas.openxmlformats.org/presentationml/2006/main">
   <p:cSld>
     <p:bg>
@@ -7788,7 +8509,7 @@
 </p:sld>
 </file>
 
-<file path=ppt/slides/slide8.xml><?xml version="1.0" encoding="utf-8"?>
+<file path=ppt/slides/slide9.xml><?xml version="1.0" encoding="utf-8"?>
 <p:sld xmlns:a="http://schemas.openxmlformats.org/drawingml/2006/main" xmlns:r="http://schemas.openxmlformats.org/officeDocument/2006/relationships" xmlns:p="http://schemas.openxmlformats.org/presentationml/2006/main">
   <p:cSld>
     <p:spTree>
@@ -7838,546 +8559,6 @@
     <p:extLst>
       <p:ext uri="{BB962C8B-B14F-4D97-AF65-F5344CB8AC3E}">
         <p14:creationId xmlns:p14="http://schemas.microsoft.com/office/powerpoint/2010/main" val="3239621097"/>
-      </p:ext>
-    </p:extLst>
-  </p:cSld>
-  <p:clrMapOvr>
-    <a:masterClrMapping/>
-  </p:clrMapOvr>
-</p:sld>
-</file>
-
-<file path=ppt/slides/slide9.xml><?xml version="1.0" encoding="utf-8"?>
-<p:sld xmlns:a="http://schemas.openxmlformats.org/drawingml/2006/main" xmlns:r="http://schemas.openxmlformats.org/officeDocument/2006/relationships" xmlns:p="http://schemas.openxmlformats.org/presentationml/2006/main">
-  <p:cSld>
-    <p:bg>
-      <p:bgPr>
-        <a:solidFill>
-          <a:schemeClr val="bg1"/>
-        </a:solidFill>
-        <a:effectLst/>
-      </p:bgPr>
-    </p:bg>
-    <p:spTree>
-      <p:nvGrpSpPr>
-        <p:cNvPr id="1" name=""/>
-        <p:cNvGrpSpPr/>
-        <p:nvPr/>
-      </p:nvGrpSpPr>
-      <p:grpSpPr>
-        <a:xfrm>
-          <a:off x="0" y="0"/>
-          <a:ext cx="0" cy="0"/>
-          <a:chOff x="0" y="0"/>
-          <a:chExt cx="0" cy="0"/>
-        </a:xfrm>
-      </p:grpSpPr>
-      <p:sp useBgFill="1">
-        <p:nvSpPr>
-          <p:cNvPr id="40" name="Rectangle 39">
-            <a:extLst>
-              <a:ext uri="{FF2B5EF4-FFF2-40B4-BE49-F238E27FC236}">
-                <a16:creationId xmlns:a16="http://schemas.microsoft.com/office/drawing/2014/main" id="{149FB5C3-7336-4FE0-A30C-CC0A3646D499}"/>
-              </a:ext>
-              <a:ext uri="{C183D7F6-B498-43B3-948B-1728B52AA6E4}">
-                <adec:decorative xmlns:adec="http://schemas.microsoft.com/office/drawing/2017/decorative" val="1"/>
-              </a:ext>
-            </a:extLst>
-          </p:cNvPr>
-          <p:cNvSpPr>
-            <a:spLocks noGrp="1" noRot="1" noChangeAspect="1" noMove="1" noResize="1" noEditPoints="1" noAdjustHandles="1" noChangeArrowheads="1" noChangeShapeType="1" noTextEdit="1"/>
-          </p:cNvSpPr>
-          <p:nvPr>
-            <p:extLst>
-              <p:ext uri="{386F3935-93C4-4BCD-93E2-E3B085C9AB24}">
-                <p16:designElem xmlns:p16="http://schemas.microsoft.com/office/powerpoint/2015/main" val="1"/>
-              </p:ext>
-            </p:extLst>
-          </p:nvPr>
-        </p:nvSpPr>
-        <p:spPr>
-          <a:xfrm>
-            <a:off x="0" y="0"/>
-            <a:ext cx="12191999" cy="6857365"/>
-          </a:xfrm>
-          <a:prstGeom prst="rect">
-            <a:avLst/>
-          </a:prstGeom>
-          <a:ln>
-            <a:noFill/>
-          </a:ln>
-        </p:spPr>
-        <p:style>
-          <a:lnRef idx="2">
-            <a:schemeClr val="accent1">
-              <a:shade val="50000"/>
-            </a:schemeClr>
-          </a:lnRef>
-          <a:fillRef idx="1">
-            <a:schemeClr val="accent1"/>
-          </a:fillRef>
-          <a:effectRef idx="0">
-            <a:schemeClr val="accent1"/>
-          </a:effectRef>
-          <a:fontRef idx="minor">
-            <a:schemeClr val="lt1"/>
-          </a:fontRef>
-        </p:style>
-        <p:txBody>
-          <a:bodyPr rtlCol="0" anchor="ctr"/>
-          <a:lstStyle/>
-          <a:p>
-            <a:pPr algn="ctr"/>
-            <a:endParaRPr lang="en-US"/>
-          </a:p>
-        </p:txBody>
-      </p:sp>
-      <p:grpSp>
-        <p:nvGrpSpPr>
-          <p:cNvPr id="41" name="Group 40">
-            <a:extLst>
-              <a:ext uri="{FF2B5EF4-FFF2-40B4-BE49-F238E27FC236}">
-                <a16:creationId xmlns:a16="http://schemas.microsoft.com/office/drawing/2014/main" id="{19A6B5CE-CB1D-48EE-8B43-E952235C8371}"/>
-              </a:ext>
-              <a:ext uri="{C183D7F6-B498-43B3-948B-1728B52AA6E4}">
-                <adec:decorative xmlns:adec="http://schemas.microsoft.com/office/drawing/2017/decorative" val="1"/>
-              </a:ext>
-            </a:extLst>
-          </p:cNvPr>
-          <p:cNvGrpSpPr>
-            <a:grpSpLocks noGrp="1" noUngrp="1" noRot="1" noChangeAspect="1" noMove="1" noResize="1"/>
-          </p:cNvGrpSpPr>
-          <p:nvPr>
-            <p:extLst>
-              <p:ext uri="{386F3935-93C4-4BCD-93E2-E3B085C9AB24}">
-                <p16:designElem xmlns:p16="http://schemas.microsoft.com/office/powerpoint/2015/main" val="1"/>
-              </p:ext>
-            </p:extLst>
-          </p:nvPr>
-        </p:nvGrpSpPr>
-        <p:grpSpPr>
-          <a:xfrm rot="5400000">
-            <a:off x="-2340441" y="2666183"/>
-            <a:ext cx="5860051" cy="527712"/>
-            <a:chOff x="6081624" y="1998368"/>
-            <a:chExt cx="5613457" cy="782175"/>
-          </a:xfrm>
-          <a:solidFill>
-            <a:schemeClr val="accent4"/>
-          </a:solidFill>
-        </p:grpSpPr>
-        <p:sp>
-          <p:nvSpPr>
-            <p:cNvPr id="42" name="Rectangle 41">
-              <a:extLst>
-                <a:ext uri="{FF2B5EF4-FFF2-40B4-BE49-F238E27FC236}">
-                  <a16:creationId xmlns:a16="http://schemas.microsoft.com/office/drawing/2014/main" id="{E3F3EAA5-4E15-400B-BBA3-82B3F49A2178}"/>
-                </a:ext>
-                <a:ext uri="{C183D7F6-B498-43B3-948B-1728B52AA6E4}">
-                  <adec:decorative xmlns:adec="http://schemas.microsoft.com/office/drawing/2017/decorative" val="1"/>
-                </a:ext>
-              </a:extLst>
-            </p:cNvPr>
-            <p:cNvSpPr/>
-            <p:nvPr>
-              <p:extLst>
-                <p:ext uri="{386F3935-93C4-4BCD-93E2-E3B085C9AB24}">
-                  <p16:designElem xmlns:p16="http://schemas.microsoft.com/office/powerpoint/2015/main" val="1"/>
-                </p:ext>
-              </p:extLst>
-            </p:nvPr>
-          </p:nvSpPr>
-          <p:spPr>
-            <a:xfrm rot="5400000">
-              <a:off x="11228040" y="2313027"/>
-              <a:ext cx="781700" cy="152382"/>
-            </a:xfrm>
-            <a:prstGeom prst="rect">
-              <a:avLst/>
-            </a:prstGeom>
-            <a:grpFill/>
-            <a:ln>
-              <a:noFill/>
-            </a:ln>
-          </p:spPr>
-          <p:style>
-            <a:lnRef idx="2">
-              <a:schemeClr val="accent1">
-                <a:shade val="50000"/>
-              </a:schemeClr>
-            </a:lnRef>
-            <a:fillRef idx="1">
-              <a:schemeClr val="accent1"/>
-            </a:fillRef>
-            <a:effectRef idx="0">
-              <a:schemeClr val="accent1"/>
-            </a:effectRef>
-            <a:fontRef idx="minor">
-              <a:schemeClr val="lt1"/>
-            </a:fontRef>
-          </p:style>
-          <p:txBody>
-            <a:bodyPr rtlCol="0" anchor="ctr"/>
-            <a:lstStyle/>
-            <a:p>
-              <a:pPr algn="ctr"/>
-              <a:endParaRPr lang="en-US"/>
-            </a:p>
-          </p:txBody>
-        </p:sp>
-        <p:sp>
-          <p:nvSpPr>
-            <p:cNvPr id="43" name="Rectangle 42">
-              <a:extLst>
-                <a:ext uri="{FF2B5EF4-FFF2-40B4-BE49-F238E27FC236}">
-                  <a16:creationId xmlns:a16="http://schemas.microsoft.com/office/drawing/2014/main" id="{72BA2E40-BE9B-4C54-9CDD-40EE804CCE64}"/>
-                </a:ext>
-                <a:ext uri="{C183D7F6-B498-43B3-948B-1728B52AA6E4}">
-                  <adec:decorative xmlns:adec="http://schemas.microsoft.com/office/drawing/2017/decorative" val="1"/>
-                </a:ext>
-              </a:extLst>
-            </p:cNvPr>
-            <p:cNvSpPr/>
-            <p:nvPr>
-              <p:extLst>
-                <p:ext uri="{386F3935-93C4-4BCD-93E2-E3B085C9AB24}">
-                  <p16:designElem xmlns:p16="http://schemas.microsoft.com/office/powerpoint/2015/main" val="1"/>
-                </p:ext>
-              </p:extLst>
-            </p:nvPr>
-          </p:nvSpPr>
-          <p:spPr>
-            <a:xfrm flipH="1" flipV="1">
-              <a:off x="6081624" y="1998844"/>
-              <a:ext cx="5372968" cy="781699"/>
-            </a:xfrm>
-            <a:prstGeom prst="rect">
-              <a:avLst/>
-            </a:prstGeom>
-            <a:grpFill/>
-            <a:ln>
-              <a:noFill/>
-            </a:ln>
-          </p:spPr>
-          <p:style>
-            <a:lnRef idx="2">
-              <a:schemeClr val="accent1">
-                <a:shade val="50000"/>
-              </a:schemeClr>
-            </a:lnRef>
-            <a:fillRef idx="1">
-              <a:schemeClr val="accent1"/>
-            </a:fillRef>
-            <a:effectRef idx="0">
-              <a:schemeClr val="accent1"/>
-            </a:effectRef>
-            <a:fontRef idx="minor">
-              <a:schemeClr val="lt1"/>
-            </a:fontRef>
-          </p:style>
-          <p:txBody>
-            <a:bodyPr rtlCol="0" anchor="ctr"/>
-            <a:lstStyle/>
-            <a:p>
-              <a:pPr algn="ctr"/>
-              <a:endParaRPr lang="en-US"/>
-            </a:p>
-          </p:txBody>
-        </p:sp>
-      </p:grpSp>
-      <p:sp>
-        <p:nvSpPr>
-          <p:cNvPr id="44" name="Rectangle 43">
-            <a:extLst>
-              <a:ext uri="{FF2B5EF4-FFF2-40B4-BE49-F238E27FC236}">
-                <a16:creationId xmlns:a16="http://schemas.microsoft.com/office/drawing/2014/main" id="{0DA909B4-15FF-46A6-8A7F-7AEF977FE9ED}"/>
-              </a:ext>
-              <a:ext uri="{C183D7F6-B498-43B3-948B-1728B52AA6E4}">
-                <adec:decorative xmlns:adec="http://schemas.microsoft.com/office/drawing/2017/decorative" val="1"/>
-              </a:ext>
-            </a:extLst>
-          </p:cNvPr>
-          <p:cNvSpPr>
-            <a:spLocks noGrp="1" noRot="1" noChangeAspect="1" noMove="1" noResize="1" noEditPoints="1" noAdjustHandles="1" noChangeArrowheads="1" noChangeShapeType="1" noTextEdit="1"/>
-          </p:cNvSpPr>
-          <p:nvPr>
-            <p:extLst>
-              <p:ext uri="{386F3935-93C4-4BCD-93E2-E3B085C9AB24}">
-                <p16:designElem xmlns:p16="http://schemas.microsoft.com/office/powerpoint/2015/main" val="1"/>
-              </p:ext>
-            </p:extLst>
-          </p:nvPr>
-        </p:nvSpPr>
-        <p:spPr>
-          <a:xfrm>
-            <a:off x="579528" y="517897"/>
-            <a:ext cx="11111729" cy="5857966"/>
-          </a:xfrm>
-          <a:prstGeom prst="rect">
-            <a:avLst/>
-          </a:prstGeom>
-          <a:solidFill>
-            <a:schemeClr val="bg1"/>
-          </a:solidFill>
-          <a:ln>
-            <a:noFill/>
-          </a:ln>
-          <a:effectLst>
-            <a:outerShdw blurRad="139700" dist="127000" dir="5400000" algn="t" rotWithShape="0">
-              <a:prstClr val="black">
-                <a:alpha val="15000"/>
-              </a:prstClr>
-            </a:outerShdw>
-          </a:effectLst>
-        </p:spPr>
-        <p:style>
-          <a:lnRef idx="2">
-            <a:schemeClr val="accent1">
-              <a:shade val="50000"/>
-            </a:schemeClr>
-          </a:lnRef>
-          <a:fillRef idx="1">
-            <a:schemeClr val="accent1"/>
-          </a:fillRef>
-          <a:effectRef idx="0">
-            <a:schemeClr val="accent1"/>
-          </a:effectRef>
-          <a:fontRef idx="minor">
-            <a:schemeClr val="lt1"/>
-          </a:fontRef>
-        </p:style>
-        <p:txBody>
-          <a:bodyPr rtlCol="0" anchor="ctr"/>
-          <a:lstStyle/>
-          <a:p>
-            <a:pPr algn="ctr"/>
-            <a:endParaRPr lang="en-US"/>
-          </a:p>
-        </p:txBody>
-      </p:sp>
-      <p:sp>
-        <p:nvSpPr>
-          <p:cNvPr id="2" name="Title 1">
-            <a:extLst>
-              <a:ext uri="{FF2B5EF4-FFF2-40B4-BE49-F238E27FC236}">
-                <a16:creationId xmlns:a16="http://schemas.microsoft.com/office/drawing/2014/main" id="{2116C051-A97C-7E9E-C333-29963E3B491F}"/>
-              </a:ext>
-            </a:extLst>
-          </p:cNvPr>
-          <p:cNvSpPr>
-            <a:spLocks noGrp="1"/>
-          </p:cNvSpPr>
-          <p:nvPr>
-            <p:ph type="title"/>
-          </p:nvPr>
-        </p:nvSpPr>
-        <p:spPr>
-          <a:xfrm>
-            <a:off x="1057025" y="922644"/>
-            <a:ext cx="5040285" cy="1169585"/>
-          </a:xfrm>
-        </p:spPr>
-        <p:txBody>
-          <a:bodyPr anchor="b">
-            <a:normAutofit/>
-          </a:bodyPr>
-          <a:lstStyle/>
-          <a:p>
-            <a:r>
-              <a:rPr lang="en-PL" sz="4000"/>
-              <a:t>Exception Chaining</a:t>
-            </a:r>
-          </a:p>
-        </p:txBody>
-      </p:sp>
-      <p:sp>
-        <p:nvSpPr>
-          <p:cNvPr id="45" name="Rectangle 44">
-            <a:extLst>
-              <a:ext uri="{FF2B5EF4-FFF2-40B4-BE49-F238E27FC236}">
-                <a16:creationId xmlns:a16="http://schemas.microsoft.com/office/drawing/2014/main" id="{1382A32C-5B0C-4B1C-A074-76C6DBCC9F87}"/>
-              </a:ext>
-              <a:ext uri="{C183D7F6-B498-43B3-948B-1728B52AA6E4}">
-                <adec:decorative xmlns:adec="http://schemas.microsoft.com/office/drawing/2017/decorative" val="1"/>
-              </a:ext>
-            </a:extLst>
-          </p:cNvPr>
-          <p:cNvSpPr>
-            <a:spLocks noGrp="1" noRot="1" noChangeAspect="1" noMove="1" noResize="1" noEditPoints="1" noAdjustHandles="1" noChangeArrowheads="1" noChangeShapeType="1" noTextEdit="1"/>
-          </p:cNvSpPr>
-          <p:nvPr>
-            <p:extLst>
-              <p:ext uri="{386F3935-93C4-4BCD-93E2-E3B085C9AB24}">
-                <p16:designElem xmlns:p16="http://schemas.microsoft.com/office/powerpoint/2015/main" val="1"/>
-              </p:ext>
-            </p:extLst>
-          </p:nvPr>
-        </p:nvSpPr>
-        <p:spPr>
-          <a:xfrm flipH="1">
-            <a:off x="1055714" y="2263365"/>
-            <a:ext cx="4937760" cy="27432"/>
-          </a:xfrm>
-          <a:prstGeom prst="rect">
-            <a:avLst/>
-          </a:prstGeom>
-          <a:solidFill>
-            <a:schemeClr val="accent4"/>
-          </a:solidFill>
-          <a:ln>
-            <a:noFill/>
-          </a:ln>
-        </p:spPr>
-        <p:style>
-          <a:lnRef idx="2">
-            <a:schemeClr val="accent1">
-              <a:shade val="50000"/>
-            </a:schemeClr>
-          </a:lnRef>
-          <a:fillRef idx="1">
-            <a:schemeClr val="accent1"/>
-          </a:fillRef>
-          <a:effectRef idx="0">
-            <a:schemeClr val="accent1"/>
-          </a:effectRef>
-          <a:fontRef idx="minor">
-            <a:schemeClr val="lt1"/>
-          </a:fontRef>
-        </p:style>
-        <p:txBody>
-          <a:bodyPr rtlCol="0" anchor="ctr"/>
-          <a:lstStyle/>
-          <a:p>
-            <a:pPr algn="ctr"/>
-            <a:endParaRPr lang="en-US"/>
-          </a:p>
-        </p:txBody>
-      </p:sp>
-      <p:sp>
-        <p:nvSpPr>
-          <p:cNvPr id="3" name="Content Placeholder 2">
-            <a:extLst>
-              <a:ext uri="{FF2B5EF4-FFF2-40B4-BE49-F238E27FC236}">
-                <a16:creationId xmlns:a16="http://schemas.microsoft.com/office/drawing/2014/main" id="{649B3053-C275-A279-60BB-42E3ABA6E364}"/>
-              </a:ext>
-            </a:extLst>
-          </p:cNvPr>
-          <p:cNvSpPr>
-            <a:spLocks noGrp="1"/>
-          </p:cNvSpPr>
-          <p:nvPr>
-            <p:ph idx="1"/>
-          </p:nvPr>
-        </p:nvSpPr>
-        <p:spPr>
-          <a:xfrm>
-            <a:off x="1055715" y="2508105"/>
-            <a:ext cx="5040285" cy="3632493"/>
-          </a:xfrm>
-        </p:spPr>
-        <p:txBody>
-          <a:bodyPr anchor="ctr">
-            <a:normAutofit/>
-          </a:bodyPr>
-          <a:lstStyle/>
-          <a:p>
-            <a:pPr marL="0" indent="0">
-              <a:buNone/>
-            </a:pPr>
-            <a:r>
-              <a:rPr lang="en-PL" sz="2000"/>
-              <a:t>Mechanizm umożliwiający przechwytywanie jednego wyjątku i zgłoszenie nowego, zachowując informację o oryginalnym wyjątku.</a:t>
-            </a:r>
-            <a:br>
-              <a:rPr lang="en-PL" sz="2000"/>
-            </a:br>
-            <a:r>
-              <a:rPr lang="en-PL" sz="2000"/>
-              <a:t>Istnieją dwa rodzaje łańcuchowania</a:t>
-            </a:r>
-          </a:p>
-          <a:p>
-            <a:r>
-              <a:rPr lang="en-PL" sz="2000"/>
-              <a:t>Implicit chaining – automatyczne, gdy nowy wyjątek jest zgłaszany podczas obsługi innego wyjątku</a:t>
-            </a:r>
-          </a:p>
-          <a:p>
-            <a:r>
-              <a:rPr lang="en-PL" sz="2000"/>
-              <a:t>Explicit chaining – ręczne, wymaga użycia składni </a:t>
-            </a:r>
-            <a:r>
-              <a:rPr lang="en-PL" sz="2000" i="1"/>
-              <a:t>raise … from …</a:t>
-            </a:r>
-          </a:p>
-        </p:txBody>
-      </p:sp>
-      <p:pic>
-        <p:nvPicPr>
-          <p:cNvPr id="6" name="Picture 5" descr="A computer screen shot of a program code&#10;&#10;Description automatically generated">
-            <a:extLst>
-              <a:ext uri="{FF2B5EF4-FFF2-40B4-BE49-F238E27FC236}">
-                <a16:creationId xmlns:a16="http://schemas.microsoft.com/office/drawing/2014/main" id="{1F5A4B92-BCAB-412B-73F4-8357D8CA61AE}"/>
-              </a:ext>
-            </a:extLst>
-          </p:cNvPr>
-          <p:cNvPicPr>
-            <a:picLocks noChangeAspect="1"/>
-          </p:cNvPicPr>
-          <p:nvPr/>
-        </p:nvPicPr>
-        <p:blipFill>
-          <a:blip r:embed="rId3"/>
-          <a:stretch>
-            <a:fillRect/>
-          </a:stretch>
-        </p:blipFill>
-        <p:spPr>
-          <a:xfrm>
-            <a:off x="6946667" y="1258371"/>
-            <a:ext cx="4389120" cy="1613001"/>
-          </a:xfrm>
-          <a:prstGeom prst="rect">
-            <a:avLst/>
-          </a:prstGeom>
-        </p:spPr>
-      </p:pic>
-      <p:pic>
-        <p:nvPicPr>
-          <p:cNvPr id="8" name="Picture 7" descr="A computer screen shot of a program code&#10;&#10;Description automatically generated">
-            <a:extLst>
-              <a:ext uri="{FF2B5EF4-FFF2-40B4-BE49-F238E27FC236}">
-                <a16:creationId xmlns:a16="http://schemas.microsoft.com/office/drawing/2014/main" id="{C94198A6-2B0E-3583-8B8B-E91ECC5DB641}"/>
-              </a:ext>
-            </a:extLst>
-          </p:cNvPr>
-          <p:cNvPicPr>
-            <a:picLocks noChangeAspect="1"/>
-          </p:cNvPicPr>
-          <p:nvPr/>
-        </p:nvPicPr>
-        <p:blipFill>
-          <a:blip r:embed="rId4"/>
-          <a:stretch>
-            <a:fillRect/>
-          </a:stretch>
-        </p:blipFill>
-        <p:spPr>
-          <a:xfrm>
-            <a:off x="6946667" y="4081105"/>
-            <a:ext cx="4389120" cy="1569110"/>
-          </a:xfrm>
-          <a:prstGeom prst="rect">
-            <a:avLst/>
-          </a:prstGeom>
-        </p:spPr>
-      </p:pic>
-    </p:spTree>
-    <p:extLst>
-      <p:ext uri="{BB962C8B-B14F-4D97-AF65-F5344CB8AC3E}">
-        <p14:creationId xmlns:p14="http://schemas.microsoft.com/office/powerpoint/2010/main" val="2505605907"/>
       </p:ext>
     </p:extLst>
   </p:cSld>

--- a/prezentacja.pptx
+++ b/prezentacja.pptx
@@ -5,7 +5,7 @@
     <p:sldMasterId id="2147483648" r:id="rId1"/>
   </p:sldMasterIdLst>
   <p:notesMasterIdLst>
-    <p:notesMasterId r:id="rId16"/>
+    <p:notesMasterId r:id="rId17"/>
   </p:notesMasterIdLst>
   <p:sldIdLst>
     <p:sldId id="256" r:id="rId2"/>
@@ -22,6 +22,7 @@
     <p:sldId id="273" r:id="rId13"/>
     <p:sldId id="268" r:id="rId14"/>
     <p:sldId id="274" r:id="rId15"/>
+    <p:sldId id="276" r:id="rId16"/>
   </p:sldIdLst>
   <p:sldSz cx="12192000" cy="6858000"/>
   <p:notesSz cx="6858000" cy="9144000"/>
@@ -6209,6 +6210,436 @@
     <p:extLst>
       <p:ext uri="{BB962C8B-B14F-4D97-AF65-F5344CB8AC3E}">
         <p14:creationId xmlns:p14="http://schemas.microsoft.com/office/powerpoint/2010/main" val="4290576765"/>
+      </p:ext>
+    </p:extLst>
+  </p:cSld>
+  <p:clrMapOvr>
+    <a:masterClrMapping/>
+  </p:clrMapOvr>
+</p:sld>
+</file>
+
+<file path=ppt/slides/slide15.xml><?xml version="1.0" encoding="utf-8"?>
+<p:sld xmlns:a="http://schemas.openxmlformats.org/drawingml/2006/main" xmlns:r="http://schemas.openxmlformats.org/officeDocument/2006/relationships" xmlns:p="http://schemas.openxmlformats.org/presentationml/2006/main">
+  <p:cSld>
+    <p:bg>
+      <p:bgPr>
+        <a:solidFill>
+          <a:schemeClr val="bg1"/>
+        </a:solidFill>
+        <a:effectLst/>
+      </p:bgPr>
+    </p:bg>
+    <p:spTree>
+      <p:nvGrpSpPr>
+        <p:cNvPr id="1" name="">
+          <a:extLst>
+            <a:ext uri="{FF2B5EF4-FFF2-40B4-BE49-F238E27FC236}">
+              <a16:creationId xmlns:a16="http://schemas.microsoft.com/office/drawing/2014/main" id="{0489EEC2-3D6F-A991-995B-9AE09E151EFA}"/>
+            </a:ext>
+          </a:extLst>
+        </p:cNvPr>
+        <p:cNvGrpSpPr/>
+        <p:nvPr/>
+      </p:nvGrpSpPr>
+      <p:grpSpPr>
+        <a:xfrm>
+          <a:off x="0" y="0"/>
+          <a:ext cx="0" cy="0"/>
+          <a:chOff x="0" y="0"/>
+          <a:chExt cx="0" cy="0"/>
+        </a:xfrm>
+      </p:grpSpPr>
+      <p:sp useBgFill="1">
+        <p:nvSpPr>
+          <p:cNvPr id="8" name="Rectangle 7">
+            <a:extLst>
+              <a:ext uri="{FF2B5EF4-FFF2-40B4-BE49-F238E27FC236}">
+                <a16:creationId xmlns:a16="http://schemas.microsoft.com/office/drawing/2014/main" id="{2CB85FFB-442E-5926-9CB5-CE419EAD7C47}"/>
+              </a:ext>
+              <a:ext uri="{C183D7F6-B498-43B3-948B-1728B52AA6E4}">
+                <adec:decorative xmlns:adec="http://schemas.microsoft.com/office/drawing/2017/decorative" val="1"/>
+              </a:ext>
+            </a:extLst>
+          </p:cNvPr>
+          <p:cNvSpPr>
+            <a:spLocks noGrp="1" noRot="1" noChangeAspect="1" noMove="1" noResize="1" noEditPoints="1" noAdjustHandles="1" noChangeArrowheads="1" noChangeShapeType="1" noTextEdit="1"/>
+          </p:cNvSpPr>
+          <p:nvPr>
+            <p:extLst>
+              <p:ext uri="{386F3935-93C4-4BCD-93E2-E3B085C9AB24}">
+                <p16:designElem xmlns:p16="http://schemas.microsoft.com/office/powerpoint/2015/main" val="1"/>
+              </p:ext>
+            </p:extLst>
+          </p:nvPr>
+        </p:nvSpPr>
+        <p:spPr>
+          <a:xfrm>
+            <a:off x="0" y="0"/>
+            <a:ext cx="12191999" cy="6857365"/>
+          </a:xfrm>
+          <a:prstGeom prst="rect">
+            <a:avLst/>
+          </a:prstGeom>
+          <a:ln>
+            <a:noFill/>
+          </a:ln>
+        </p:spPr>
+        <p:style>
+          <a:lnRef idx="2">
+            <a:schemeClr val="accent1">
+              <a:shade val="50000"/>
+            </a:schemeClr>
+          </a:lnRef>
+          <a:fillRef idx="1">
+            <a:schemeClr val="accent1"/>
+          </a:fillRef>
+          <a:effectRef idx="0">
+            <a:schemeClr val="accent1"/>
+          </a:effectRef>
+          <a:fontRef idx="minor">
+            <a:schemeClr val="lt1"/>
+          </a:fontRef>
+        </p:style>
+        <p:txBody>
+          <a:bodyPr rtlCol="0" anchor="ctr"/>
+          <a:lstStyle/>
+          <a:p>
+            <a:pPr algn="ctr"/>
+            <a:endParaRPr lang="en-US"/>
+          </a:p>
+        </p:txBody>
+      </p:sp>
+      <p:sp>
+        <p:nvSpPr>
+          <p:cNvPr id="2" name="Title 1">
+            <a:extLst>
+              <a:ext uri="{FF2B5EF4-FFF2-40B4-BE49-F238E27FC236}">
+                <a16:creationId xmlns:a16="http://schemas.microsoft.com/office/drawing/2014/main" id="{A99CB72B-0963-F861-4FF8-E9D34BADAC23}"/>
+              </a:ext>
+            </a:extLst>
+          </p:cNvPr>
+          <p:cNvSpPr>
+            <a:spLocks noGrp="1"/>
+          </p:cNvSpPr>
+          <p:nvPr>
+            <p:ph type="title"/>
+          </p:nvPr>
+        </p:nvSpPr>
+        <p:spPr>
+          <a:xfrm>
+            <a:off x="808638" y="386930"/>
+            <a:ext cx="9236700" cy="1188950"/>
+          </a:xfrm>
+        </p:spPr>
+        <p:txBody>
+          <a:bodyPr anchor="b">
+            <a:normAutofit/>
+          </a:bodyPr>
+          <a:lstStyle/>
+          <a:p>
+            <a:r>
+              <a:rPr lang="en-PL" sz="5400" dirty="0"/>
+              <a:t>Źródła</a:t>
+            </a:r>
+          </a:p>
+        </p:txBody>
+      </p:sp>
+      <p:grpSp>
+        <p:nvGrpSpPr>
+          <p:cNvPr id="10" name="Group 9">
+            <a:extLst>
+              <a:ext uri="{FF2B5EF4-FFF2-40B4-BE49-F238E27FC236}">
+                <a16:creationId xmlns:a16="http://schemas.microsoft.com/office/drawing/2014/main" id="{A5ECD1AE-1DCF-4711-3241-8703B073580A}"/>
+              </a:ext>
+              <a:ext uri="{C183D7F6-B498-43B3-948B-1728B52AA6E4}">
+                <adec:decorative xmlns:adec="http://schemas.microsoft.com/office/drawing/2017/decorative" val="1"/>
+              </a:ext>
+            </a:extLst>
+          </p:cNvPr>
+          <p:cNvGrpSpPr>
+            <a:grpSpLocks noGrp="1" noUngrp="1" noRot="1" noChangeAspect="1" noMove="1" noResize="1"/>
+          </p:cNvGrpSpPr>
+          <p:nvPr>
+            <p:extLst>
+              <p:ext uri="{386F3935-93C4-4BCD-93E2-E3B085C9AB24}">
+                <p16:designElem xmlns:p16="http://schemas.microsoft.com/office/powerpoint/2015/main" val="1"/>
+              </p:ext>
+            </p:extLst>
+          </p:nvPr>
+        </p:nvGrpSpPr>
+        <p:grpSpPr>
+          <a:xfrm>
+            <a:off x="-2" y="1998368"/>
+            <a:ext cx="11695083" cy="782176"/>
+            <a:chOff x="-2" y="1998368"/>
+            <a:chExt cx="11695083" cy="782176"/>
+          </a:xfrm>
+        </p:grpSpPr>
+        <p:sp>
+          <p:nvSpPr>
+            <p:cNvPr id="11" name="Rectangle 10">
+              <a:extLst>
+                <a:ext uri="{FF2B5EF4-FFF2-40B4-BE49-F238E27FC236}">
+                  <a16:creationId xmlns:a16="http://schemas.microsoft.com/office/drawing/2014/main" id="{B309D105-85EF-D1CD-A99A-3423C10CE638}"/>
+                </a:ext>
+                <a:ext uri="{C183D7F6-B498-43B3-948B-1728B52AA6E4}">
+                  <adec:decorative xmlns:adec="http://schemas.microsoft.com/office/drawing/2017/decorative" val="1"/>
+                </a:ext>
+              </a:extLst>
+            </p:cNvPr>
+            <p:cNvSpPr/>
+            <p:nvPr>
+              <p:extLst>
+                <p:ext uri="{386F3935-93C4-4BCD-93E2-E3B085C9AB24}">
+                  <p16:designElem xmlns:p16="http://schemas.microsoft.com/office/powerpoint/2015/main" val="1"/>
+                </p:ext>
+              </p:extLst>
+            </p:nvPr>
+          </p:nvSpPr>
+          <p:spPr>
+            <a:xfrm rot="5400000">
+              <a:off x="11228040" y="2313027"/>
+              <a:ext cx="781700" cy="152382"/>
+            </a:xfrm>
+            <a:prstGeom prst="rect">
+              <a:avLst/>
+            </a:prstGeom>
+            <a:solidFill>
+              <a:schemeClr val="accent4"/>
+            </a:solidFill>
+            <a:ln>
+              <a:noFill/>
+            </a:ln>
+          </p:spPr>
+          <p:style>
+            <a:lnRef idx="2">
+              <a:schemeClr val="accent1">
+                <a:shade val="50000"/>
+              </a:schemeClr>
+            </a:lnRef>
+            <a:fillRef idx="1">
+              <a:schemeClr val="accent1"/>
+            </a:fillRef>
+            <a:effectRef idx="0">
+              <a:schemeClr val="accent1"/>
+            </a:effectRef>
+            <a:fontRef idx="minor">
+              <a:schemeClr val="lt1"/>
+            </a:fontRef>
+          </p:style>
+          <p:txBody>
+            <a:bodyPr rtlCol="0" anchor="ctr"/>
+            <a:lstStyle/>
+            <a:p>
+              <a:pPr algn="ctr"/>
+              <a:endParaRPr lang="en-US"/>
+            </a:p>
+          </p:txBody>
+        </p:sp>
+        <p:sp>
+          <p:nvSpPr>
+            <p:cNvPr id="12" name="Rectangle 11">
+              <a:extLst>
+                <a:ext uri="{FF2B5EF4-FFF2-40B4-BE49-F238E27FC236}">
+                  <a16:creationId xmlns:a16="http://schemas.microsoft.com/office/drawing/2014/main" id="{6282E9D5-FDF9-E7D4-0005-D09CDBACECD7}"/>
+                </a:ext>
+                <a:ext uri="{C183D7F6-B498-43B3-948B-1728B52AA6E4}">
+                  <adec:decorative xmlns:adec="http://schemas.microsoft.com/office/drawing/2017/decorative" val="1"/>
+                </a:ext>
+              </a:extLst>
+            </p:cNvPr>
+            <p:cNvSpPr/>
+            <p:nvPr>
+              <p:extLst>
+                <p:ext uri="{386F3935-93C4-4BCD-93E2-E3B085C9AB24}">
+                  <p16:designElem xmlns:p16="http://schemas.microsoft.com/office/powerpoint/2015/main" val="1"/>
+                </p:ext>
+              </p:extLst>
+            </p:nvPr>
+          </p:nvSpPr>
+          <p:spPr>
+            <a:xfrm flipH="1" flipV="1">
+              <a:off x="-2" y="1998845"/>
+              <a:ext cx="11454595" cy="781699"/>
+            </a:xfrm>
+            <a:prstGeom prst="rect">
+              <a:avLst/>
+            </a:prstGeom>
+            <a:solidFill>
+              <a:schemeClr val="accent4"/>
+            </a:solidFill>
+            <a:ln>
+              <a:noFill/>
+            </a:ln>
+          </p:spPr>
+          <p:style>
+            <a:lnRef idx="2">
+              <a:schemeClr val="accent1">
+                <a:shade val="50000"/>
+              </a:schemeClr>
+            </a:lnRef>
+            <a:fillRef idx="1">
+              <a:schemeClr val="accent1"/>
+            </a:fillRef>
+            <a:effectRef idx="0">
+              <a:schemeClr val="accent1"/>
+            </a:effectRef>
+            <a:fontRef idx="minor">
+              <a:schemeClr val="lt1"/>
+            </a:fontRef>
+          </p:style>
+          <p:txBody>
+            <a:bodyPr rtlCol="0" anchor="ctr"/>
+            <a:lstStyle/>
+            <a:p>
+              <a:pPr algn="ctr"/>
+              <a:endParaRPr lang="en-US"/>
+            </a:p>
+          </p:txBody>
+        </p:sp>
+      </p:grpSp>
+      <p:sp>
+        <p:nvSpPr>
+          <p:cNvPr id="14" name="Rectangle 13">
+            <a:extLst>
+              <a:ext uri="{FF2B5EF4-FFF2-40B4-BE49-F238E27FC236}">
+                <a16:creationId xmlns:a16="http://schemas.microsoft.com/office/drawing/2014/main" id="{E0BD9223-20EC-6100-591D-8DA69D4881D9}"/>
+              </a:ext>
+              <a:ext uri="{C183D7F6-B498-43B3-948B-1728B52AA6E4}">
+                <adec:decorative xmlns:adec="http://schemas.microsoft.com/office/drawing/2017/decorative" val="1"/>
+              </a:ext>
+            </a:extLst>
+          </p:cNvPr>
+          <p:cNvSpPr>
+            <a:spLocks noGrp="1" noRot="1" noChangeAspect="1" noMove="1" noResize="1" noEditPoints="1" noAdjustHandles="1" noChangeArrowheads="1" noChangeShapeType="1" noTextEdit="1"/>
+          </p:cNvSpPr>
+          <p:nvPr>
+            <p:extLst>
+              <p:ext uri="{386F3935-93C4-4BCD-93E2-E3B085C9AB24}">
+                <p16:designElem xmlns:p16="http://schemas.microsoft.com/office/powerpoint/2015/main" val="1"/>
+              </p:ext>
+            </p:extLst>
+          </p:nvPr>
+        </p:nvSpPr>
+        <p:spPr>
+          <a:xfrm>
+            <a:off x="0" y="2203079"/>
+            <a:ext cx="11383362" cy="4147845"/>
+          </a:xfrm>
+          <a:prstGeom prst="rect">
+            <a:avLst/>
+          </a:prstGeom>
+          <a:solidFill>
+            <a:schemeClr val="bg1"/>
+          </a:solidFill>
+          <a:ln>
+            <a:noFill/>
+          </a:ln>
+          <a:effectLst>
+            <a:outerShdw blurRad="139700" dist="127000" dir="5400000" algn="t" rotWithShape="0">
+              <a:prstClr val="black">
+                <a:alpha val="15000"/>
+              </a:prstClr>
+            </a:outerShdw>
+          </a:effectLst>
+        </p:spPr>
+        <p:style>
+          <a:lnRef idx="2">
+            <a:schemeClr val="accent1">
+              <a:shade val="50000"/>
+            </a:schemeClr>
+          </a:lnRef>
+          <a:fillRef idx="1">
+            <a:schemeClr val="accent1"/>
+          </a:fillRef>
+          <a:effectRef idx="0">
+            <a:schemeClr val="accent1"/>
+          </a:effectRef>
+          <a:fontRef idx="minor">
+            <a:schemeClr val="lt1"/>
+          </a:fontRef>
+        </p:style>
+        <p:txBody>
+          <a:bodyPr rtlCol="0" anchor="ctr"/>
+          <a:lstStyle/>
+          <a:p>
+            <a:pPr algn="ctr"/>
+            <a:endParaRPr lang="en-US"/>
+          </a:p>
+        </p:txBody>
+      </p:sp>
+      <p:sp>
+        <p:nvSpPr>
+          <p:cNvPr id="3" name="Content Placeholder 2">
+            <a:extLst>
+              <a:ext uri="{FF2B5EF4-FFF2-40B4-BE49-F238E27FC236}">
+                <a16:creationId xmlns:a16="http://schemas.microsoft.com/office/drawing/2014/main" id="{47F3B204-9C25-60BF-F162-8333BD031DDB}"/>
+              </a:ext>
+            </a:extLst>
+          </p:cNvPr>
+          <p:cNvSpPr>
+            <a:spLocks noGrp="1"/>
+          </p:cNvSpPr>
+          <p:nvPr>
+            <p:ph idx="1"/>
+          </p:nvPr>
+        </p:nvSpPr>
+        <p:spPr>
+          <a:xfrm>
+            <a:off x="793660" y="2599509"/>
+            <a:ext cx="10143668" cy="3435531"/>
+          </a:xfrm>
+        </p:spPr>
+        <p:txBody>
+          <a:bodyPr anchor="ctr">
+            <a:normAutofit/>
+          </a:bodyPr>
+          <a:lstStyle/>
+          <a:p>
+            <a:r>
+              <a:rPr lang="pl-PL" dirty="0" err="1"/>
+              <a:t>docs.python.org</a:t>
+            </a:r>
+            <a:endParaRPr lang="pl-PL" dirty="0"/>
+          </a:p>
+          <a:p>
+            <a:r>
+              <a:rPr lang="pl-PL" dirty="0"/>
+              <a:t>www.w3schools.com/</a:t>
+            </a:r>
+            <a:r>
+              <a:rPr lang="pl-PL" dirty="0" err="1"/>
+              <a:t>python</a:t>
+            </a:r>
+            <a:r>
+              <a:rPr lang="pl-PL" dirty="0"/>
+              <a:t>/</a:t>
+            </a:r>
+          </a:p>
+          <a:p>
+            <a:r>
+              <a:rPr lang="pl-PL" dirty="0" err="1"/>
+              <a:t>realpython.com</a:t>
+            </a:r>
+            <a:endParaRPr lang="pl-PL" dirty="0"/>
+          </a:p>
+          <a:p>
+            <a:r>
+              <a:rPr lang="pl-PL" dirty="0" err="1"/>
+              <a:t>wikipedia.org</a:t>
+            </a:r>
+            <a:endParaRPr lang="pl-PL" dirty="0"/>
+          </a:p>
+          <a:p>
+            <a:endParaRPr lang="pl-PL" dirty="0"/>
+          </a:p>
+        </p:txBody>
+      </p:sp>
+    </p:spTree>
+    <p:extLst>
+      <p:ext uri="{BB962C8B-B14F-4D97-AF65-F5344CB8AC3E}">
+        <p14:creationId xmlns:p14="http://schemas.microsoft.com/office/powerpoint/2010/main" val="2359698274"/>
       </p:ext>
     </p:extLst>
   </p:cSld>

--- a/prezentacja.pptx
+++ b/prezentacja.pptx
@@ -211,7 +211,7 @@
           <a:p>
             <a:fld id="{BF927EA4-3987-EE4D-8AAC-C769807D38D2}" type="datetimeFigureOut">
               <a:rPr lang="en-PL" smtClean="0"/>
-              <a:t>17/06/2025</a:t>
+              <a:t>06/18/2025</a:t>
             </a:fld>
             <a:endParaRPr lang="en-PL"/>
           </a:p>
@@ -796,7 +796,7 @@
           <a:p>
             <a:fld id="{BB4518BA-02CC-0A4A-BA1B-2EDC29256675}" type="datetimeFigureOut">
               <a:rPr lang="en-PL" smtClean="0"/>
-              <a:t>17/06/2025</a:t>
+              <a:t>06/18/2025</a:t>
             </a:fld>
             <a:endParaRPr lang="en-PL"/>
           </a:p>
@@ -996,7 +996,7 @@
           <a:p>
             <a:fld id="{BB4518BA-02CC-0A4A-BA1B-2EDC29256675}" type="datetimeFigureOut">
               <a:rPr lang="en-PL" smtClean="0"/>
-              <a:t>17/06/2025</a:t>
+              <a:t>06/18/2025</a:t>
             </a:fld>
             <a:endParaRPr lang="en-PL"/>
           </a:p>
@@ -1206,7 +1206,7 @@
           <a:p>
             <a:fld id="{BB4518BA-02CC-0A4A-BA1B-2EDC29256675}" type="datetimeFigureOut">
               <a:rPr lang="en-PL" smtClean="0"/>
-              <a:t>17/06/2025</a:t>
+              <a:t>06/18/2025</a:t>
             </a:fld>
             <a:endParaRPr lang="en-PL"/>
           </a:p>
@@ -1406,7 +1406,7 @@
           <a:p>
             <a:fld id="{BB4518BA-02CC-0A4A-BA1B-2EDC29256675}" type="datetimeFigureOut">
               <a:rPr lang="en-PL" smtClean="0"/>
-              <a:t>17/06/2025</a:t>
+              <a:t>06/18/2025</a:t>
             </a:fld>
             <a:endParaRPr lang="en-PL"/>
           </a:p>
@@ -1682,7 +1682,7 @@
           <a:p>
             <a:fld id="{BB4518BA-02CC-0A4A-BA1B-2EDC29256675}" type="datetimeFigureOut">
               <a:rPr lang="en-PL" smtClean="0"/>
-              <a:t>17/06/2025</a:t>
+              <a:t>06/18/2025</a:t>
             </a:fld>
             <a:endParaRPr lang="en-PL"/>
           </a:p>
@@ -1950,7 +1950,7 @@
           <a:p>
             <a:fld id="{BB4518BA-02CC-0A4A-BA1B-2EDC29256675}" type="datetimeFigureOut">
               <a:rPr lang="en-PL" smtClean="0"/>
-              <a:t>17/06/2025</a:t>
+              <a:t>06/18/2025</a:t>
             </a:fld>
             <a:endParaRPr lang="en-PL"/>
           </a:p>
@@ -2365,7 +2365,7 @@
           <a:p>
             <a:fld id="{BB4518BA-02CC-0A4A-BA1B-2EDC29256675}" type="datetimeFigureOut">
               <a:rPr lang="en-PL" smtClean="0"/>
-              <a:t>17/06/2025</a:t>
+              <a:t>06/18/2025</a:t>
             </a:fld>
             <a:endParaRPr lang="en-PL"/>
           </a:p>
@@ -2507,7 +2507,7 @@
           <a:p>
             <a:fld id="{BB4518BA-02CC-0A4A-BA1B-2EDC29256675}" type="datetimeFigureOut">
               <a:rPr lang="en-PL" smtClean="0"/>
-              <a:t>17/06/2025</a:t>
+              <a:t>06/18/2025</a:t>
             </a:fld>
             <a:endParaRPr lang="en-PL"/>
           </a:p>
@@ -2620,7 +2620,7 @@
           <a:p>
             <a:fld id="{BB4518BA-02CC-0A4A-BA1B-2EDC29256675}" type="datetimeFigureOut">
               <a:rPr lang="en-PL" smtClean="0"/>
-              <a:t>17/06/2025</a:t>
+              <a:t>06/18/2025</a:t>
             </a:fld>
             <a:endParaRPr lang="en-PL"/>
           </a:p>
@@ -2933,7 +2933,7 @@
           <a:p>
             <a:fld id="{BB4518BA-02CC-0A4A-BA1B-2EDC29256675}" type="datetimeFigureOut">
               <a:rPr lang="en-PL" smtClean="0"/>
-              <a:t>17/06/2025</a:t>
+              <a:t>06/18/2025</a:t>
             </a:fld>
             <a:endParaRPr lang="en-PL"/>
           </a:p>
@@ -3222,7 +3222,7 @@
           <a:p>
             <a:fld id="{BB4518BA-02CC-0A4A-BA1B-2EDC29256675}" type="datetimeFigureOut">
               <a:rPr lang="en-PL" smtClean="0"/>
-              <a:t>17/06/2025</a:t>
+              <a:t>06/18/2025</a:t>
             </a:fld>
             <a:endParaRPr lang="en-PL"/>
           </a:p>
@@ -3465,7 +3465,7 @@
           <a:p>
             <a:fld id="{BB4518BA-02CC-0A4A-BA1B-2EDC29256675}" type="datetimeFigureOut">
               <a:rPr lang="en-PL" smtClean="0"/>
-              <a:t>17/06/2025</a:t>
+              <a:t>06/18/2025</a:t>
             </a:fld>
             <a:endParaRPr lang="en-PL"/>
           </a:p>
@@ -6762,7 +6762,15 @@
           </a:bodyPr>
           <a:lstStyle/>
           <a:p>
-            <a:endParaRPr lang="en-PL" sz="5400"/>
+            <a:r>
+              <a:rPr lang="en-GB" sz="5400" dirty="0"/>
+              <a:t>Plan </a:t>
+            </a:r>
+            <a:r>
+              <a:rPr lang="en-GB" sz="5400" dirty="0" err="1"/>
+              <a:t>prezentacji</a:t>
+            </a:r>
+            <a:endParaRPr lang="en-PL" sz="5400" dirty="0"/>
           </a:p>
         </p:txBody>
       </p:sp>
